--- a/Presentation/GEOFF.pptx
+++ b/Presentation/GEOFF.pptx
@@ -9,8 +9,8 @@
     <p:sldId id="258" r:id="rId3"/>
     <p:sldId id="257" r:id="rId4"/>
     <p:sldId id="259" r:id="rId5"/>
-    <p:sldId id="263" r:id="rId6"/>
-    <p:sldId id="260" r:id="rId7"/>
+    <p:sldId id="260" r:id="rId6"/>
+    <p:sldId id="263" r:id="rId7"/>
     <p:sldId id="261" r:id="rId8"/>
   </p:sldIdLst>
   <p:sldSz cx="12192000" cy="6858000"/>
@@ -121,7 +121,7 @@
 <file path=ppt/revisionInfo.xml><?xml version="1.0" encoding="utf-8"?>
 <p1510:revInfo xmlns:a="http://schemas.openxmlformats.org/drawingml/2006/main" xmlns:r="http://schemas.openxmlformats.org/officeDocument/2006/relationships" xmlns:p1510="http://schemas.microsoft.com/office/powerpoint/2015/10/main">
   <p1510:revLst>
-    <p1510:client id="{3C41F659-F092-4EFB-A3A4-4191C343335A}" v="2" dt="2025-01-15T22:46:27.346"/>
+    <p1510:client id="{3C41F659-F092-4EFB-A3A4-4191C343335A}" v="68" dt="2025-01-16T15:52:55.615"/>
   </p1510:revLst>
 </p1510:revInfo>
 </file>
@@ -131,26 +131,26 @@
   <pc:docChgLst>
     <pc:chgData name="Benjamin Wiltshire" userId="f868f5dd3907e1cc" providerId="LiveId" clId="{3C41F659-F092-4EFB-A3A4-4191C343335A}"/>
     <pc:docChg chg="undo custSel addSld delSld modSld sldOrd">
-      <pc:chgData name="Benjamin Wiltshire" userId="f868f5dd3907e1cc" providerId="LiveId" clId="{3C41F659-F092-4EFB-A3A4-4191C343335A}" dt="2025-01-15T23:00:24.090" v="577" actId="14100"/>
+      <pc:chgData name="Benjamin Wiltshire" userId="f868f5dd3907e1cc" providerId="LiveId" clId="{3C41F659-F092-4EFB-A3A4-4191C343335A}" dt="2025-01-16T15:52:55.614" v="1171" actId="20577"/>
       <pc:docMkLst>
         <pc:docMk/>
       </pc:docMkLst>
       <pc:sldChg chg="addSp delSp modSp mod setBg addAnim modAnim">
-        <pc:chgData name="Benjamin Wiltshire" userId="f868f5dd3907e1cc" providerId="LiveId" clId="{3C41F659-F092-4EFB-A3A4-4191C343335A}" dt="2025-01-15T22:50:48.382" v="237" actId="26606"/>
+        <pc:chgData name="Benjamin Wiltshire" userId="f868f5dd3907e1cc" providerId="LiveId" clId="{3C41F659-F092-4EFB-A3A4-4191C343335A}" dt="2025-01-16T13:27:19.303" v="1022" actId="2711"/>
         <pc:sldMkLst>
           <pc:docMk/>
           <pc:sldMk cId="1217407375" sldId="256"/>
         </pc:sldMkLst>
         <pc:spChg chg="mod">
-          <ac:chgData name="Benjamin Wiltshire" userId="f868f5dd3907e1cc" providerId="LiveId" clId="{3C41F659-F092-4EFB-A3A4-4191C343335A}" dt="2025-01-15T22:50:48.382" v="237" actId="26606"/>
+          <ac:chgData name="Benjamin Wiltshire" userId="f868f5dd3907e1cc" providerId="LiveId" clId="{3C41F659-F092-4EFB-A3A4-4191C343335A}" dt="2025-01-16T13:27:19.303" v="1022" actId="2711"/>
           <ac:spMkLst>
             <pc:docMk/>
             <pc:sldMk cId="1217407375" sldId="256"/>
             <ac:spMk id="2" creationId="{2952F34C-BCEE-FB4B-3E35-03F7A4450549}"/>
           </ac:spMkLst>
         </pc:spChg>
-        <pc:spChg chg="mod">
-          <ac:chgData name="Benjamin Wiltshire" userId="f868f5dd3907e1cc" providerId="LiveId" clId="{3C41F659-F092-4EFB-A3A4-4191C343335A}" dt="2025-01-15T22:50:48.382" v="237" actId="26606"/>
+        <pc:spChg chg="add del mod">
+          <ac:chgData name="Benjamin Wiltshire" userId="f868f5dd3907e1cc" providerId="LiveId" clId="{3C41F659-F092-4EFB-A3A4-4191C343335A}" dt="2025-01-16T13:26:44.794" v="1018" actId="26606"/>
           <ac:spMkLst>
             <pc:docMk/>
             <pc:sldMk cId="1217407375" sldId="256"/>
@@ -197,20 +197,36 @@
             <ac:spMk id="26" creationId="{19C9EAEA-39D0-4B0E-A0EB-51E7B26740B1}"/>
           </ac:spMkLst>
         </pc:spChg>
-        <pc:spChg chg="add">
-          <ac:chgData name="Benjamin Wiltshire" userId="f868f5dd3907e1cc" providerId="LiveId" clId="{3C41F659-F092-4EFB-A3A4-4191C343335A}" dt="2025-01-15T22:50:48.382" v="237" actId="26606"/>
+        <pc:spChg chg="add del">
+          <ac:chgData name="Benjamin Wiltshire" userId="f868f5dd3907e1cc" providerId="LiveId" clId="{3C41F659-F092-4EFB-A3A4-4191C343335A}" dt="2025-01-16T13:26:44.794" v="1018" actId="26606"/>
           <ac:spMkLst>
             <pc:docMk/>
             <pc:sldMk cId="1217407375" sldId="256"/>
             <ac:spMk id="28" creationId="{9B7AD9F6-8CE7-4299-8FC6-328F4DCD3FF9}"/>
           </ac:spMkLst>
         </pc:spChg>
-        <pc:spChg chg="add">
-          <ac:chgData name="Benjamin Wiltshire" userId="f868f5dd3907e1cc" providerId="LiveId" clId="{3C41F659-F092-4EFB-A3A4-4191C343335A}" dt="2025-01-15T22:50:48.382" v="237" actId="26606"/>
+        <pc:spChg chg="add del">
+          <ac:chgData name="Benjamin Wiltshire" userId="f868f5dd3907e1cc" providerId="LiveId" clId="{3C41F659-F092-4EFB-A3A4-4191C343335A}" dt="2025-01-16T13:26:44.794" v="1018" actId="26606"/>
           <ac:spMkLst>
             <pc:docMk/>
             <pc:sldMk cId="1217407375" sldId="256"/>
             <ac:spMk id="29" creationId="{F49775AF-8896-43EE-92C6-83497D6DC56F}"/>
+          </ac:spMkLst>
+        </pc:spChg>
+        <pc:spChg chg="add">
+          <ac:chgData name="Benjamin Wiltshire" userId="f868f5dd3907e1cc" providerId="LiveId" clId="{3C41F659-F092-4EFB-A3A4-4191C343335A}" dt="2025-01-16T13:26:44.794" v="1018" actId="26606"/>
+          <ac:spMkLst>
+            <pc:docMk/>
+            <pc:sldMk cId="1217407375" sldId="256"/>
+            <ac:spMk id="34" creationId="{9180DE06-7362-4888-AADA-7AADD57AC49D}"/>
+          </ac:spMkLst>
+        </pc:spChg>
+        <pc:spChg chg="add">
+          <ac:chgData name="Benjamin Wiltshire" userId="f868f5dd3907e1cc" providerId="LiveId" clId="{3C41F659-F092-4EFB-A3A4-4191C343335A}" dt="2025-01-16T13:26:44.794" v="1018" actId="26606"/>
+          <ac:spMkLst>
+            <pc:docMk/>
+            <pc:sldMk cId="1217407375" sldId="256"/>
+            <ac:spMk id="40" creationId="{04357C93-F0CB-4A1C-8F77-4E9063789819}"/>
           </ac:spMkLst>
         </pc:spChg>
         <pc:grpChg chg="add del">
@@ -221,8 +237,16 @@
             <ac:grpSpMk id="19" creationId="{032D8612-31EB-44CF-A1D0-14FD4C705424}"/>
           </ac:grpSpMkLst>
         </pc:grpChg>
+        <pc:grpChg chg="add">
+          <ac:chgData name="Benjamin Wiltshire" userId="f868f5dd3907e1cc" providerId="LiveId" clId="{3C41F659-F092-4EFB-A3A4-4191C343335A}" dt="2025-01-16T13:26:44.794" v="1018" actId="26606"/>
+          <ac:grpSpMkLst>
+            <pc:docMk/>
+            <pc:sldMk cId="1217407375" sldId="256"/>
+            <ac:grpSpMk id="36" creationId="{3AF6A671-C637-4547-85F4-51B6D1881399}"/>
+          </ac:grpSpMkLst>
+        </pc:grpChg>
         <pc:picChg chg="add mod ord">
-          <ac:chgData name="Benjamin Wiltshire" userId="f868f5dd3907e1cc" providerId="LiveId" clId="{3C41F659-F092-4EFB-A3A4-4191C343335A}" dt="2025-01-15T22:50:48.382" v="237" actId="26606"/>
+          <ac:chgData name="Benjamin Wiltshire" userId="f868f5dd3907e1cc" providerId="LiveId" clId="{3C41F659-F092-4EFB-A3A4-4191C343335A}" dt="2025-01-16T13:26:44.794" v="1018" actId="26606"/>
           <ac:picMkLst>
             <pc:docMk/>
             <pc:sldMk cId="1217407375" sldId="256"/>
@@ -231,13 +255,13 @@
         </pc:picChg>
       </pc:sldChg>
       <pc:sldChg chg="addSp delSp modSp mod setBg">
-        <pc:chgData name="Benjamin Wiltshire" userId="f868f5dd3907e1cc" providerId="LiveId" clId="{3C41F659-F092-4EFB-A3A4-4191C343335A}" dt="2025-01-15T22:50:38.787" v="234" actId="26606"/>
+        <pc:chgData name="Benjamin Wiltshire" userId="f868f5dd3907e1cc" providerId="LiveId" clId="{3C41F659-F092-4EFB-A3A4-4191C343335A}" dt="2025-01-16T15:48:54.819" v="1123" actId="20577"/>
         <pc:sldMkLst>
           <pc:docMk/>
           <pc:sldMk cId="3696718193" sldId="257"/>
         </pc:sldMkLst>
         <pc:spChg chg="mod">
-          <ac:chgData name="Benjamin Wiltshire" userId="f868f5dd3907e1cc" providerId="LiveId" clId="{3C41F659-F092-4EFB-A3A4-4191C343335A}" dt="2025-01-15T22:50:38.787" v="234" actId="26606"/>
+          <ac:chgData name="Benjamin Wiltshire" userId="f868f5dd3907e1cc" providerId="LiveId" clId="{3C41F659-F092-4EFB-A3A4-4191C343335A}" dt="2025-01-16T13:27:42.404" v="1031" actId="20577"/>
           <ac:spMkLst>
             <pc:docMk/>
             <pc:sldMk cId="3696718193" sldId="257"/>
@@ -245,7 +269,7 @@
           </ac:spMkLst>
         </pc:spChg>
         <pc:spChg chg="mod ord">
-          <ac:chgData name="Benjamin Wiltshire" userId="f868f5dd3907e1cc" providerId="LiveId" clId="{3C41F659-F092-4EFB-A3A4-4191C343335A}" dt="2025-01-15T22:50:38.787" v="234" actId="26606"/>
+          <ac:chgData name="Benjamin Wiltshire" userId="f868f5dd3907e1cc" providerId="LiveId" clId="{3C41F659-F092-4EFB-A3A4-4191C343335A}" dt="2025-01-16T15:48:54.819" v="1123" actId="20577"/>
           <ac:spMkLst>
             <pc:docMk/>
             <pc:sldMk cId="3696718193" sldId="257"/>
@@ -349,21 +373,205 @@
           </ac:picMkLst>
         </pc:picChg>
       </pc:sldChg>
-      <pc:sldChg chg="ord">
-        <pc:chgData name="Benjamin Wiltshire" userId="f868f5dd3907e1cc" providerId="LiveId" clId="{3C41F659-F092-4EFB-A3A4-4191C343335A}" dt="2025-01-15T22:57:46.362" v="559"/>
+      <pc:sldChg chg="addSp delSp modSp mod ord setBg">
+        <pc:chgData name="Benjamin Wiltshire" userId="f868f5dd3907e1cc" providerId="LiveId" clId="{3C41F659-F092-4EFB-A3A4-4191C343335A}" dt="2025-01-16T13:25:14.479" v="1002" actId="20577"/>
         <pc:sldMkLst>
           <pc:docMk/>
           <pc:sldMk cId="1945849195" sldId="258"/>
         </pc:sldMkLst>
+        <pc:spChg chg="mod">
+          <ac:chgData name="Benjamin Wiltshire" userId="f868f5dd3907e1cc" providerId="LiveId" clId="{3C41F659-F092-4EFB-A3A4-4191C343335A}" dt="2025-01-16T13:24:00.470" v="979" actId="26606"/>
+          <ac:spMkLst>
+            <pc:docMk/>
+            <pc:sldMk cId="1945849195" sldId="258"/>
+            <ac:spMk id="2" creationId="{AF33C3AB-7647-76E9-85F9-BCC1AE7DFBFE}"/>
+          </ac:spMkLst>
+        </pc:spChg>
+        <pc:spChg chg="mod ord">
+          <ac:chgData name="Benjamin Wiltshire" userId="f868f5dd3907e1cc" providerId="LiveId" clId="{3C41F659-F092-4EFB-A3A4-4191C343335A}" dt="2025-01-16T13:25:14.479" v="1002" actId="20577"/>
+          <ac:spMkLst>
+            <pc:docMk/>
+            <pc:sldMk cId="1945849195" sldId="258"/>
+            <ac:spMk id="3" creationId="{1F32DB81-2F0F-22F7-28CD-F8D725E99A8C}"/>
+          </ac:spMkLst>
+        </pc:spChg>
+        <pc:spChg chg="add del">
+          <ac:chgData name="Benjamin Wiltshire" userId="f868f5dd3907e1cc" providerId="LiveId" clId="{3C41F659-F092-4EFB-A3A4-4191C343335A}" dt="2025-01-16T13:24:00.470" v="979" actId="26606"/>
+          <ac:spMkLst>
+            <pc:docMk/>
+            <pc:sldMk cId="1945849195" sldId="258"/>
+            <ac:spMk id="15" creationId="{B0B8DCBA-FEED-46EF-A140-35B904015B49}"/>
+          </ac:spMkLst>
+        </pc:spChg>
+        <pc:spChg chg="add del">
+          <ac:chgData name="Benjamin Wiltshire" userId="f868f5dd3907e1cc" providerId="LiveId" clId="{3C41F659-F092-4EFB-A3A4-4191C343335A}" dt="2025-01-16T13:23:44.006" v="972" actId="26606"/>
+          <ac:spMkLst>
+            <pc:docMk/>
+            <pc:sldMk cId="1945849195" sldId="258"/>
+            <ac:spMk id="16" creationId="{0FE2D22C-409B-48AF-B24F-7988A8F7F848}"/>
+          </ac:spMkLst>
+        </pc:spChg>
+        <pc:spChg chg="add del">
+          <ac:chgData name="Benjamin Wiltshire" userId="f868f5dd3907e1cc" providerId="LiveId" clId="{3C41F659-F092-4EFB-A3A4-4191C343335A}" dt="2025-01-16T13:23:44.006" v="972" actId="26606"/>
+          <ac:spMkLst>
+            <pc:docMk/>
+            <pc:sldMk cId="1945849195" sldId="258"/>
+            <ac:spMk id="19" creationId="{90464369-70FA-42AF-948F-80664CA7BFE5}"/>
+          </ac:spMkLst>
+        </pc:spChg>
+        <pc:spChg chg="add del">
+          <ac:chgData name="Benjamin Wiltshire" userId="f868f5dd3907e1cc" providerId="LiveId" clId="{3C41F659-F092-4EFB-A3A4-4191C343335A}" dt="2025-01-16T13:23:44.006" v="972" actId="26606"/>
+          <ac:spMkLst>
+            <pc:docMk/>
+            <pc:sldMk cId="1945849195" sldId="258"/>
+            <ac:spMk id="21" creationId="{A648176E-454C-437C-B0FC-9B82FCF32B24}"/>
+          </ac:spMkLst>
+        </pc:spChg>
+        <pc:spChg chg="add del">
+          <ac:chgData name="Benjamin Wiltshire" userId="f868f5dd3907e1cc" providerId="LiveId" clId="{3C41F659-F092-4EFB-A3A4-4191C343335A}" dt="2025-01-16T13:23:44.006" v="972" actId="26606"/>
+          <ac:spMkLst>
+            <pc:docMk/>
+            <pc:sldMk cId="1945849195" sldId="258"/>
+            <ac:spMk id="23" creationId="{A6604B49-AD5C-4590-B051-06C8222ECD99}"/>
+          </ac:spMkLst>
+        </pc:spChg>
+        <pc:spChg chg="add del">
+          <ac:chgData name="Benjamin Wiltshire" userId="f868f5dd3907e1cc" providerId="LiveId" clId="{3C41F659-F092-4EFB-A3A4-4191C343335A}" dt="2025-01-16T13:24:00.470" v="979" actId="26606"/>
+          <ac:spMkLst>
+            <pc:docMk/>
+            <pc:sldMk cId="1945849195" sldId="258"/>
+            <ac:spMk id="24" creationId="{D5B0017B-2ECA-49AF-B397-DC140825DF8D}"/>
+          </ac:spMkLst>
+        </pc:spChg>
+        <pc:spChg chg="add del">
+          <ac:chgData name="Benjamin Wiltshire" userId="f868f5dd3907e1cc" providerId="LiveId" clId="{3C41F659-F092-4EFB-A3A4-4191C343335A}" dt="2025-01-16T13:23:44.006" v="972" actId="26606"/>
+          <ac:spMkLst>
+            <pc:docMk/>
+            <pc:sldMk cId="1945849195" sldId="258"/>
+            <ac:spMk id="25" creationId="{CC552A98-EF7D-4D42-AB69-066B786AB55B}"/>
+          </ac:spMkLst>
+        </pc:spChg>
+        <pc:spChg chg="add del">
+          <ac:chgData name="Benjamin Wiltshire" userId="f868f5dd3907e1cc" providerId="LiveId" clId="{3C41F659-F092-4EFB-A3A4-4191C343335A}" dt="2025-01-16T13:23:44.828" v="974" actId="26606"/>
+          <ac:spMkLst>
+            <pc:docMk/>
+            <pc:sldMk cId="1945849195" sldId="258"/>
+            <ac:spMk id="27" creationId="{F13C74B1-5B17-4795-BED0-7140497B445A}"/>
+          </ac:spMkLst>
+        </pc:spChg>
+        <pc:spChg chg="add del">
+          <ac:chgData name="Benjamin Wiltshire" userId="f868f5dd3907e1cc" providerId="LiveId" clId="{3C41F659-F092-4EFB-A3A4-4191C343335A}" dt="2025-01-16T13:23:44.828" v="974" actId="26606"/>
+          <ac:spMkLst>
+            <pc:docMk/>
+            <pc:sldMk cId="1945849195" sldId="258"/>
+            <ac:spMk id="28" creationId="{D4974D33-8DC5-464E-8C6D-BE58F0669C17}"/>
+          </ac:spMkLst>
+        </pc:spChg>
+        <pc:spChg chg="add del">
+          <ac:chgData name="Benjamin Wiltshire" userId="f868f5dd3907e1cc" providerId="LiveId" clId="{3C41F659-F092-4EFB-A3A4-4191C343335A}" dt="2025-01-16T13:23:46.665" v="976" actId="26606"/>
+          <ac:spMkLst>
+            <pc:docMk/>
+            <pc:sldMk cId="1945849195" sldId="258"/>
+            <ac:spMk id="30" creationId="{9A724DBA-D2D9-471E-8ED7-2015DDD950DF}"/>
+          </ac:spMkLst>
+        </pc:spChg>
+        <pc:spChg chg="add del">
+          <ac:chgData name="Benjamin Wiltshire" userId="f868f5dd3907e1cc" providerId="LiveId" clId="{3C41F659-F092-4EFB-A3A4-4191C343335A}" dt="2025-01-16T13:23:46.665" v="976" actId="26606"/>
+          <ac:spMkLst>
+            <pc:docMk/>
+            <pc:sldMk cId="1945849195" sldId="258"/>
+            <ac:spMk id="31" creationId="{08980754-6F4B-43C9-B9BE-127B6BED6586}"/>
+          </ac:spMkLst>
+        </pc:spChg>
+        <pc:spChg chg="add del">
+          <ac:chgData name="Benjamin Wiltshire" userId="f868f5dd3907e1cc" providerId="LiveId" clId="{3C41F659-F092-4EFB-A3A4-4191C343335A}" dt="2025-01-16T13:23:46.665" v="976" actId="26606"/>
+          <ac:spMkLst>
+            <pc:docMk/>
+            <pc:sldMk cId="1945849195" sldId="258"/>
+            <ac:spMk id="32" creationId="{2C1BBA94-3F40-40AA-8BB9-E69E25E537C1}"/>
+          </ac:spMkLst>
+        </pc:spChg>
+        <pc:spChg chg="add del">
+          <ac:chgData name="Benjamin Wiltshire" userId="f868f5dd3907e1cc" providerId="LiveId" clId="{3C41F659-F092-4EFB-A3A4-4191C343335A}" dt="2025-01-16T13:23:46.665" v="976" actId="26606"/>
+          <ac:spMkLst>
+            <pc:docMk/>
+            <pc:sldMk cId="1945849195" sldId="258"/>
+            <ac:spMk id="33" creationId="{169CC832-2974-4E8D-90ED-3E2941BA7336}"/>
+          </ac:spMkLst>
+        </pc:spChg>
+        <pc:spChg chg="add del">
+          <ac:chgData name="Benjamin Wiltshire" userId="f868f5dd3907e1cc" providerId="LiveId" clId="{3C41F659-F092-4EFB-A3A4-4191C343335A}" dt="2025-01-16T13:23:46.665" v="976" actId="26606"/>
+          <ac:spMkLst>
+            <pc:docMk/>
+            <pc:sldMk cId="1945849195" sldId="258"/>
+            <ac:spMk id="34" creationId="{55222F96-971A-4F90-B841-6BAB416C7AC1}"/>
+          </ac:spMkLst>
+        </pc:spChg>
+        <pc:grpChg chg="add del">
+          <ac:chgData name="Benjamin Wiltshire" userId="f868f5dd3907e1cc" providerId="LiveId" clId="{3C41F659-F092-4EFB-A3A4-4191C343335A}" dt="2025-01-16T13:24:00.470" v="979" actId="26606"/>
+          <ac:grpSpMkLst>
+            <pc:docMk/>
+            <pc:sldMk cId="1945849195" sldId="258"/>
+            <ac:grpSpMk id="18" creationId="{AE1C45F0-260A-458C-96ED-C1F6D2151219}"/>
+          </ac:grpSpMkLst>
+        </pc:grpChg>
+        <pc:picChg chg="add mod">
+          <ac:chgData name="Benjamin Wiltshire" userId="f868f5dd3907e1cc" providerId="LiveId" clId="{3C41F659-F092-4EFB-A3A4-4191C343335A}" dt="2025-01-16T13:24:00.470" v="979" actId="26606"/>
+          <ac:picMkLst>
+            <pc:docMk/>
+            <pc:sldMk cId="1945849195" sldId="258"/>
+            <ac:picMk id="5" creationId="{2374AF87-C3E0-2866-4729-314B815ACF63}"/>
+          </ac:picMkLst>
+        </pc:picChg>
+        <pc:cxnChg chg="add del">
+          <ac:chgData name="Benjamin Wiltshire" userId="f868f5dd3907e1cc" providerId="LiveId" clId="{3C41F659-F092-4EFB-A3A4-4191C343335A}" dt="2025-01-16T12:43:42.831" v="582" actId="26606"/>
+          <ac:cxnSpMkLst>
+            <pc:docMk/>
+            <pc:sldMk cId="1945849195" sldId="258"/>
+            <ac:cxnSpMk id="10" creationId="{1503BFE4-729B-D9D0-C17B-501E6AF1127A}"/>
+          </ac:cxnSpMkLst>
+        </pc:cxnChg>
+        <pc:cxnChg chg="add del">
+          <ac:chgData name="Benjamin Wiltshire" userId="f868f5dd3907e1cc" providerId="LiveId" clId="{3C41F659-F092-4EFB-A3A4-4191C343335A}" dt="2025-01-16T13:24:00.470" v="979" actId="26606"/>
+          <ac:cxnSpMkLst>
+            <pc:docMk/>
+            <pc:sldMk cId="1945849195" sldId="258"/>
+            <ac:cxnSpMk id="12" creationId="{1503BFE4-729B-D9D0-C17B-501E6AF1127A}"/>
+          </ac:cxnSpMkLst>
+        </pc:cxnChg>
+        <pc:cxnChg chg="add del">
+          <ac:chgData name="Benjamin Wiltshire" userId="f868f5dd3907e1cc" providerId="LiveId" clId="{3C41F659-F092-4EFB-A3A4-4191C343335A}" dt="2025-01-16T13:23:42.521" v="970" actId="26606"/>
+          <ac:cxnSpMkLst>
+            <pc:docMk/>
+            <pc:sldMk cId="1945849195" sldId="258"/>
+            <ac:cxnSpMk id="14" creationId="{1503BFE4-729B-D9D0-C17B-501E6AF1127A}"/>
+          </ac:cxnSpMkLst>
+        </pc:cxnChg>
+        <pc:cxnChg chg="add del">
+          <ac:chgData name="Benjamin Wiltshire" userId="f868f5dd3907e1cc" providerId="LiveId" clId="{3C41F659-F092-4EFB-A3A4-4191C343335A}" dt="2025-01-16T13:23:34.792" v="968" actId="26606"/>
+          <ac:cxnSpMkLst>
+            <pc:docMk/>
+            <pc:sldMk cId="1945849195" sldId="258"/>
+            <ac:cxnSpMk id="17" creationId="{1503BFE4-729B-D9D0-C17B-501E6AF1127A}"/>
+          </ac:cxnSpMkLst>
+        </pc:cxnChg>
+        <pc:cxnChg chg="add del">
+          <ac:chgData name="Benjamin Wiltshire" userId="f868f5dd3907e1cc" providerId="LiveId" clId="{3C41F659-F092-4EFB-A3A4-4191C343335A}" dt="2025-01-16T13:24:00.470" v="979" actId="26606"/>
+          <ac:cxnSpMkLst>
+            <pc:docMk/>
+            <pc:sldMk cId="1945849195" sldId="258"/>
+            <ac:cxnSpMk id="26" creationId="{6CF1BAF6-AD41-4082-B212-8A1F9A2E8779}"/>
+          </ac:cxnSpMkLst>
+        </pc:cxnChg>
       </pc:sldChg>
       <pc:sldChg chg="addSp delSp modSp mod ord setBg">
-        <pc:chgData name="Benjamin Wiltshire" userId="f868f5dd3907e1cc" providerId="LiveId" clId="{3C41F659-F092-4EFB-A3A4-4191C343335A}" dt="2025-01-15T22:58:00.247" v="561"/>
+        <pc:chgData name="Benjamin Wiltshire" userId="f868f5dd3907e1cc" providerId="LiveId" clId="{3C41F659-F092-4EFB-A3A4-4191C343335A}" dt="2025-01-16T15:50:37.053" v="1145" actId="20577"/>
         <pc:sldMkLst>
           <pc:docMk/>
           <pc:sldMk cId="3355181699" sldId="259"/>
         </pc:sldMkLst>
         <pc:spChg chg="mod">
-          <ac:chgData name="Benjamin Wiltshire" userId="f868f5dd3907e1cc" providerId="LiveId" clId="{3C41F659-F092-4EFB-A3A4-4191C343335A}" dt="2025-01-15T22:56:33.438" v="557" actId="26606"/>
+          <ac:chgData name="Benjamin Wiltshire" userId="f868f5dd3907e1cc" providerId="LiveId" clId="{3C41F659-F092-4EFB-A3A4-4191C343335A}" dt="2025-01-16T15:50:20.057" v="1125" actId="20577"/>
           <ac:spMkLst>
             <pc:docMk/>
             <pc:sldMk cId="3355181699" sldId="259"/>
@@ -426,8 +634,8 @@
             <ac:spMk id="19" creationId="{443F2ACA-E6D6-4028-82DD-F03C262D5DE6}"/>
           </ac:spMkLst>
         </pc:spChg>
-        <pc:graphicFrameChg chg="add">
-          <ac:chgData name="Benjamin Wiltshire" userId="f868f5dd3907e1cc" providerId="LiveId" clId="{3C41F659-F092-4EFB-A3A4-4191C343335A}" dt="2025-01-15T22:56:33.438" v="557" actId="26606"/>
+        <pc:graphicFrameChg chg="add mod">
+          <ac:chgData name="Benjamin Wiltshire" userId="f868f5dd3907e1cc" providerId="LiveId" clId="{3C41F659-F092-4EFB-A3A4-4191C343335A}" dt="2025-01-16T15:50:37.053" v="1145" actId="20577"/>
           <ac:graphicFrameMkLst>
             <pc:docMk/>
             <pc:sldMk cId="3355181699" sldId="259"/>
@@ -435,8 +643,151 @@
           </ac:graphicFrameMkLst>
         </pc:graphicFrameChg>
       </pc:sldChg>
+      <pc:sldChg chg="addSp delSp modSp mod ord setBg addAnim delAnim">
+        <pc:chgData name="Benjamin Wiltshire" userId="f868f5dd3907e1cc" providerId="LiveId" clId="{3C41F659-F092-4EFB-A3A4-4191C343335A}" dt="2025-01-16T13:39:23.139" v="1033"/>
+        <pc:sldMkLst>
+          <pc:docMk/>
+          <pc:sldMk cId="1228172662" sldId="260"/>
+        </pc:sldMkLst>
+        <pc:spChg chg="mod">
+          <ac:chgData name="Benjamin Wiltshire" userId="f868f5dd3907e1cc" providerId="LiveId" clId="{3C41F659-F092-4EFB-A3A4-4191C343335A}" dt="2025-01-16T13:18:14.181" v="624" actId="20577"/>
+          <ac:spMkLst>
+            <pc:docMk/>
+            <pc:sldMk cId="1228172662" sldId="260"/>
+            <ac:spMk id="2" creationId="{150EF751-FA4D-486C-B35E-DAA0420D2DE8}"/>
+          </ac:spMkLst>
+        </pc:spChg>
+        <pc:spChg chg="mod">
+          <ac:chgData name="Benjamin Wiltshire" userId="f868f5dd3907e1cc" providerId="LiveId" clId="{3C41F659-F092-4EFB-A3A4-4191C343335A}" dt="2025-01-16T13:18:10.743" v="622" actId="26606"/>
+          <ac:spMkLst>
+            <pc:docMk/>
+            <pc:sldMk cId="1228172662" sldId="260"/>
+            <ac:spMk id="3" creationId="{BC2CB443-DE02-A7DA-C069-9ADEF6F17F62}"/>
+          </ac:spMkLst>
+        </pc:spChg>
+        <pc:spChg chg="add del">
+          <ac:chgData name="Benjamin Wiltshire" userId="f868f5dd3907e1cc" providerId="LiveId" clId="{3C41F659-F092-4EFB-A3A4-4191C343335A}" dt="2025-01-16T13:18:10.743" v="622" actId="26606"/>
+          <ac:spMkLst>
+            <pc:docMk/>
+            <pc:sldMk cId="1228172662" sldId="260"/>
+            <ac:spMk id="10" creationId="{20D5D19D-0789-4518-B5DC-D47ADF69D25A}"/>
+          </ac:spMkLst>
+        </pc:spChg>
+        <pc:spChg chg="add del">
+          <ac:chgData name="Benjamin Wiltshire" userId="f868f5dd3907e1cc" providerId="LiveId" clId="{3C41F659-F092-4EFB-A3A4-4191C343335A}" dt="2025-01-16T13:18:10.743" v="622" actId="26606"/>
+          <ac:spMkLst>
+            <pc:docMk/>
+            <pc:sldMk cId="1228172662" sldId="260"/>
+            <ac:spMk id="17" creationId="{B81933D1-5615-42C7-9C0B-4EB7105CCE2D}"/>
+          </ac:spMkLst>
+        </pc:spChg>
+        <pc:spChg chg="add del">
+          <ac:chgData name="Benjamin Wiltshire" userId="f868f5dd3907e1cc" providerId="LiveId" clId="{3C41F659-F092-4EFB-A3A4-4191C343335A}" dt="2025-01-16T13:18:10.743" v="622" actId="26606"/>
+          <ac:spMkLst>
+            <pc:docMk/>
+            <pc:sldMk cId="1228172662" sldId="260"/>
+            <ac:spMk id="19" creationId="{19C9EAEA-39D0-4B0E-A0EB-51E7B26740B1}"/>
+          </ac:spMkLst>
+        </pc:spChg>
+        <pc:spChg chg="add del">
+          <ac:chgData name="Benjamin Wiltshire" userId="f868f5dd3907e1cc" providerId="LiveId" clId="{3C41F659-F092-4EFB-A3A4-4191C343335A}" dt="2025-01-16T13:18:25.697" v="625" actId="26606"/>
+          <ac:spMkLst>
+            <pc:docMk/>
+            <pc:sldMk cId="1228172662" sldId="260"/>
+            <ac:spMk id="21" creationId="{91DC6ABD-215C-4EA8-A483-CEF5B99AB385}"/>
+          </ac:spMkLst>
+        </pc:spChg>
+        <pc:spChg chg="add del">
+          <ac:chgData name="Benjamin Wiltshire" userId="f868f5dd3907e1cc" providerId="LiveId" clId="{3C41F659-F092-4EFB-A3A4-4191C343335A}" dt="2025-01-16T13:17:44.771" v="621" actId="26606"/>
+          <ac:spMkLst>
+            <pc:docMk/>
+            <pc:sldMk cId="1228172662" sldId="260"/>
+            <ac:spMk id="24" creationId="{20D5D19D-0789-4518-B5DC-D47ADF69D25A}"/>
+          </ac:spMkLst>
+        </pc:spChg>
+        <pc:spChg chg="add del">
+          <ac:chgData name="Benjamin Wiltshire" userId="f868f5dd3907e1cc" providerId="LiveId" clId="{3C41F659-F092-4EFB-A3A4-4191C343335A}" dt="2025-01-16T13:18:25.697" v="625" actId="26606"/>
+          <ac:spMkLst>
+            <pc:docMk/>
+            <pc:sldMk cId="1228172662" sldId="260"/>
+            <ac:spMk id="30" creationId="{04357C93-F0CB-4A1C-8F77-4E9063789819}"/>
+          </ac:spMkLst>
+        </pc:spChg>
+        <pc:spChg chg="add del">
+          <ac:chgData name="Benjamin Wiltshire" userId="f868f5dd3907e1cc" providerId="LiveId" clId="{3C41F659-F092-4EFB-A3A4-4191C343335A}" dt="2025-01-16T13:17:44.771" v="621" actId="26606"/>
+          <ac:spMkLst>
+            <pc:docMk/>
+            <pc:sldMk cId="1228172662" sldId="260"/>
+            <ac:spMk id="31" creationId="{B81933D1-5615-42C7-9C0B-4EB7105CCE2D}"/>
+          </ac:spMkLst>
+        </pc:spChg>
+        <pc:spChg chg="add del">
+          <ac:chgData name="Benjamin Wiltshire" userId="f868f5dd3907e1cc" providerId="LiveId" clId="{3C41F659-F092-4EFB-A3A4-4191C343335A}" dt="2025-01-16T13:17:44.771" v="621" actId="26606"/>
+          <ac:spMkLst>
+            <pc:docMk/>
+            <pc:sldMk cId="1228172662" sldId="260"/>
+            <ac:spMk id="33" creationId="{19C9EAEA-39D0-4B0E-A0EB-51E7B26740B1}"/>
+          </ac:spMkLst>
+        </pc:spChg>
+        <pc:spChg chg="add">
+          <ac:chgData name="Benjamin Wiltshire" userId="f868f5dd3907e1cc" providerId="LiveId" clId="{3C41F659-F092-4EFB-A3A4-4191C343335A}" dt="2025-01-16T13:18:25.697" v="625" actId="26606"/>
+          <ac:spMkLst>
+            <pc:docMk/>
+            <pc:sldMk cId="1228172662" sldId="260"/>
+            <ac:spMk id="35" creationId="{91DC6ABD-215C-4EA8-A483-CEF5B99AB385}"/>
+          </ac:spMkLst>
+        </pc:spChg>
+        <pc:spChg chg="add">
+          <ac:chgData name="Benjamin Wiltshire" userId="f868f5dd3907e1cc" providerId="LiveId" clId="{3C41F659-F092-4EFB-A3A4-4191C343335A}" dt="2025-01-16T13:18:25.697" v="625" actId="26606"/>
+          <ac:spMkLst>
+            <pc:docMk/>
+            <pc:sldMk cId="1228172662" sldId="260"/>
+            <ac:spMk id="41" creationId="{04357C93-F0CB-4A1C-8F77-4E9063789819}"/>
+          </ac:spMkLst>
+        </pc:spChg>
+        <pc:grpChg chg="add del">
+          <ac:chgData name="Benjamin Wiltshire" userId="f868f5dd3907e1cc" providerId="LiveId" clId="{3C41F659-F092-4EFB-A3A4-4191C343335A}" dt="2025-01-16T13:18:10.743" v="622" actId="26606"/>
+          <ac:grpSpMkLst>
+            <pc:docMk/>
+            <pc:sldMk cId="1228172662" sldId="260"/>
+            <ac:grpSpMk id="12" creationId="{032D8612-31EB-44CF-A1D0-14FD4C705424}"/>
+          </ac:grpSpMkLst>
+        </pc:grpChg>
+        <pc:grpChg chg="add del">
+          <ac:chgData name="Benjamin Wiltshire" userId="f868f5dd3907e1cc" providerId="LiveId" clId="{3C41F659-F092-4EFB-A3A4-4191C343335A}" dt="2025-01-16T13:18:25.697" v="625" actId="26606"/>
+          <ac:grpSpMkLst>
+            <pc:docMk/>
+            <pc:sldMk cId="1228172662" sldId="260"/>
+            <ac:grpSpMk id="22" creationId="{3AF6A671-C637-4547-85F4-51B6D1881399}"/>
+          </ac:grpSpMkLst>
+        </pc:grpChg>
+        <pc:grpChg chg="add del">
+          <ac:chgData name="Benjamin Wiltshire" userId="f868f5dd3907e1cc" providerId="LiveId" clId="{3C41F659-F092-4EFB-A3A4-4191C343335A}" dt="2025-01-16T13:17:44.771" v="621" actId="26606"/>
+          <ac:grpSpMkLst>
+            <pc:docMk/>
+            <pc:sldMk cId="1228172662" sldId="260"/>
+            <ac:grpSpMk id="26" creationId="{032D8612-31EB-44CF-A1D0-14FD4C705424}"/>
+          </ac:grpSpMkLst>
+        </pc:grpChg>
+        <pc:grpChg chg="add">
+          <ac:chgData name="Benjamin Wiltshire" userId="f868f5dd3907e1cc" providerId="LiveId" clId="{3C41F659-F092-4EFB-A3A4-4191C343335A}" dt="2025-01-16T13:18:25.697" v="625" actId="26606"/>
+          <ac:grpSpMkLst>
+            <pc:docMk/>
+            <pc:sldMk cId="1228172662" sldId="260"/>
+            <ac:grpSpMk id="37" creationId="{3AF6A671-C637-4547-85F4-51B6D1881399}"/>
+          </ac:grpSpMkLst>
+        </pc:grpChg>
+        <pc:picChg chg="add mod modCrop">
+          <ac:chgData name="Benjamin Wiltshire" userId="f868f5dd3907e1cc" providerId="LiveId" clId="{3C41F659-F092-4EFB-A3A4-4191C343335A}" dt="2025-01-16T13:18:10.743" v="622" actId="26606"/>
+          <ac:picMkLst>
+            <pc:docMk/>
+            <pc:sldMk cId="1228172662" sldId="260"/>
+            <ac:picMk id="5" creationId="{B77C1117-A5CE-79E2-AA91-EA75CC2039F4}"/>
+          </ac:picMkLst>
+        </pc:picChg>
+      </pc:sldChg>
       <pc:sldChg chg="addSp delSp modSp mod setBg">
-        <pc:chgData name="Benjamin Wiltshire" userId="f868f5dd3907e1cc" providerId="LiveId" clId="{3C41F659-F092-4EFB-A3A4-4191C343335A}" dt="2025-01-15T23:00:24.090" v="577" actId="14100"/>
+        <pc:chgData name="Benjamin Wiltshire" userId="f868f5dd3907e1cc" providerId="LiveId" clId="{3C41F659-F092-4EFB-A3A4-4191C343335A}" dt="2025-01-16T15:52:55.614" v="1171" actId="20577"/>
         <pc:sldMkLst>
           <pc:docMk/>
           <pc:sldMk cId="2954336258" sldId="261"/>
@@ -455,6 +806,14 @@
             <pc:docMk/>
             <pc:sldMk cId="2954336258" sldId="261"/>
             <ac:spMk id="3" creationId="{D2364944-88CC-10F1-476D-C55BC2BE385A}"/>
+          </ac:spMkLst>
+        </pc:spChg>
+        <pc:spChg chg="add del mod">
+          <ac:chgData name="Benjamin Wiltshire" userId="f868f5dd3907e1cc" providerId="LiveId" clId="{3C41F659-F092-4EFB-A3A4-4191C343335A}" dt="2025-01-16T12:54:14.805" v="594" actId="21"/>
+          <ac:spMkLst>
+            <pc:docMk/>
+            <pc:sldMk cId="2954336258" sldId="261"/>
+            <ac:spMk id="4" creationId="{6C73B496-59B5-D2D2-AF94-5536214B8C04}"/>
           </ac:spMkLst>
         </pc:spChg>
         <pc:spChg chg="add">
@@ -505,8 +864,8 @@
             <ac:spMk id="19" creationId="{443F2ACA-E6D6-4028-82DD-F03C262D5DE6}"/>
           </ac:spMkLst>
         </pc:spChg>
-        <pc:graphicFrameChg chg="add">
-          <ac:chgData name="Benjamin Wiltshire" userId="f868f5dd3907e1cc" providerId="LiveId" clId="{3C41F659-F092-4EFB-A3A4-4191C343335A}" dt="2025-01-15T23:00:12.033" v="576" actId="26606"/>
+        <pc:graphicFrameChg chg="add del mod">
+          <ac:chgData name="Benjamin Wiltshire" userId="f868f5dd3907e1cc" providerId="LiveId" clId="{3C41F659-F092-4EFB-A3A4-4191C343335A}" dt="2025-01-16T15:52:55.614" v="1171" actId="20577"/>
           <ac:graphicFrameMkLst>
             <pc:docMk/>
             <pc:sldMk cId="2954336258" sldId="261"/>
@@ -522,7 +881,7 @@
         </pc:sldMkLst>
       </pc:sldChg>
       <pc:sldChg chg="addSp delSp modSp mod setBg">
-        <pc:chgData name="Benjamin Wiltshire" userId="f868f5dd3907e1cc" providerId="LiveId" clId="{3C41F659-F092-4EFB-A3A4-4191C343335A}" dt="2025-01-15T22:50:16.112" v="231" actId="1076"/>
+        <pc:chgData name="Benjamin Wiltshire" userId="f868f5dd3907e1cc" providerId="LiveId" clId="{3C41F659-F092-4EFB-A3A4-4191C343335A}" dt="2025-01-16T15:52:13.146" v="1158" actId="20577"/>
         <pc:sldMkLst>
           <pc:docMk/>
           <pc:sldMk cId="1532931861" sldId="263"/>
@@ -536,7 +895,7 @@
           </ac:spMkLst>
         </pc:spChg>
         <pc:spChg chg="mod ord">
-          <ac:chgData name="Benjamin Wiltshire" userId="f868f5dd3907e1cc" providerId="LiveId" clId="{3C41F659-F092-4EFB-A3A4-4191C343335A}" dt="2025-01-15T22:50:11.262" v="230" actId="26606"/>
+          <ac:chgData name="Benjamin Wiltshire" userId="f868f5dd3907e1cc" providerId="LiveId" clId="{3C41F659-F092-4EFB-A3A4-4191C343335A}" dt="2025-01-16T15:52:13.146" v="1158" actId="20577"/>
           <ac:spMkLst>
             <pc:docMk/>
             <pc:sldMk cId="1532931861" sldId="263"/>
@@ -1403,11 +1762,11 @@
 </file>
 
 <file path=ppt/diagrams/colors2.xml><?xml version="1.0" encoding="utf-8"?>
-<dgm:colorsDef xmlns:dgm="http://schemas.openxmlformats.org/drawingml/2006/diagram" xmlns:a="http://schemas.openxmlformats.org/drawingml/2006/main" uniqueId="urn:microsoft.com/office/officeart/2005/8/colors/colorful2">
+<dgm:colorsDef xmlns:dgm="http://schemas.openxmlformats.org/drawingml/2006/diagram" xmlns:a="http://schemas.openxmlformats.org/drawingml/2006/main" uniqueId="urn:microsoft.com/office/officeart/2005/8/colors/accent1_2">
   <dgm:title val=""/>
   <dgm:desc val=""/>
   <dgm:catLst>
-    <dgm:cat type="colorful" pri="10200"/>
+    <dgm:cat type="accent1" pri="11200"/>
   </dgm:catLst>
   <dgm:styleLbl name="node0">
     <dgm:fillClrLst meth="repeat">
@@ -1421,10 +1780,21 @@
     <dgm:txFillClrLst/>
     <dgm:txEffectClrLst/>
   </dgm:styleLbl>
+  <dgm:styleLbl name="alignNode1">
+    <dgm:fillClrLst meth="repeat">
+      <a:schemeClr val="accent1"/>
+    </dgm:fillClrLst>
+    <dgm:linClrLst meth="repeat">
+      <a:schemeClr val="accent1"/>
+    </dgm:linClrLst>
+    <dgm:effectClrLst/>
+    <dgm:txLinClrLst/>
+    <dgm:txFillClrLst/>
+    <dgm:txEffectClrLst/>
+  </dgm:styleLbl>
   <dgm:styleLbl name="node1">
-    <dgm:fillClrLst>
-      <a:schemeClr val="accent2"/>
-      <a:schemeClr val="accent3"/>
+    <dgm:fillClrLst meth="repeat">
+      <a:schemeClr val="accent1"/>
     </dgm:fillClrLst>
     <dgm:linClrLst meth="repeat">
       <a:schemeClr val="lt1"/>
@@ -1434,24 +1804,9 @@
     <dgm:txFillClrLst/>
     <dgm:txEffectClrLst/>
   </dgm:styleLbl>
-  <dgm:styleLbl name="alignNode1">
-    <dgm:fillClrLst>
-      <a:schemeClr val="accent2"/>
-      <a:schemeClr val="accent3"/>
-    </dgm:fillClrLst>
-    <dgm:linClrLst>
-      <a:schemeClr val="accent2"/>
-      <a:schemeClr val="accent3"/>
-    </dgm:linClrLst>
-    <dgm:effectClrLst/>
-    <dgm:txLinClrLst/>
-    <dgm:txFillClrLst/>
-    <dgm:txEffectClrLst/>
-  </dgm:styleLbl>
   <dgm:styleLbl name="lnNode1">
-    <dgm:fillClrLst>
-      <a:schemeClr val="accent2"/>
-      <a:schemeClr val="accent3"/>
+    <dgm:fillClrLst meth="repeat">
+      <a:schemeClr val="accent1"/>
     </dgm:fillClrLst>
     <dgm:linClrLst meth="repeat">
       <a:schemeClr val="lt1"/>
@@ -1462,11 +1817,8 @@
     <dgm:txEffectClrLst/>
   </dgm:styleLbl>
   <dgm:styleLbl name="vennNode1">
-    <dgm:fillClrLst>
-      <a:schemeClr val="accent2">
-        <a:alpha val="50000"/>
-      </a:schemeClr>
-      <a:schemeClr val="accent3">
+    <dgm:fillClrLst meth="repeat">
+      <a:schemeClr val="accent1">
         <a:alpha val="50000"/>
       </a:schemeClr>
     </dgm:fillClrLst>
@@ -1479,8 +1831,8 @@
     <dgm:txEffectClrLst/>
   </dgm:styleLbl>
   <dgm:styleLbl name="node2">
-    <dgm:fillClrLst>
-      <a:schemeClr val="accent3"/>
+    <dgm:fillClrLst meth="repeat">
+      <a:schemeClr val="accent1"/>
     </dgm:fillClrLst>
     <dgm:linClrLst meth="repeat">
       <a:schemeClr val="lt1"/>
@@ -1491,8 +1843,8 @@
     <dgm:txEffectClrLst/>
   </dgm:styleLbl>
   <dgm:styleLbl name="node3">
-    <dgm:fillClrLst>
-      <a:schemeClr val="accent4"/>
+    <dgm:fillClrLst meth="repeat">
+      <a:schemeClr val="accent1"/>
     </dgm:fillClrLst>
     <dgm:linClrLst meth="repeat">
       <a:schemeClr val="lt1"/>
@@ -1503,8 +1855,8 @@
     <dgm:txEffectClrLst/>
   </dgm:styleLbl>
   <dgm:styleLbl name="node4">
-    <dgm:fillClrLst>
-      <a:schemeClr val="accent5"/>
+    <dgm:fillClrLst meth="repeat">
+      <a:schemeClr val="accent1"/>
     </dgm:fillClrLst>
     <dgm:linClrLst meth="repeat">
       <a:schemeClr val="lt1"/>
@@ -1515,11 +1867,8 @@
     <dgm:txEffectClrLst/>
   </dgm:styleLbl>
   <dgm:styleLbl name="fgImgPlace1">
-    <dgm:fillClrLst>
-      <a:schemeClr val="accent2">
-        <a:tint val="50000"/>
-      </a:schemeClr>
-      <a:schemeClr val="accent3">
+    <dgm:fillClrLst meth="repeat">
+      <a:schemeClr val="accent1">
         <a:tint val="50000"/>
       </a:schemeClr>
     </dgm:fillClrLst>
@@ -1534,12 +1883,9 @@
     <dgm:txEffectClrLst/>
   </dgm:styleLbl>
   <dgm:styleLbl name="alignImgPlace1">
-    <dgm:fillClrLst>
-      <a:schemeClr val="accent2">
+    <dgm:fillClrLst meth="repeat">
+      <a:schemeClr val="accent1">
         <a:tint val="50000"/>
-      </a:schemeClr>
-      <a:schemeClr val="accent3">
-        <a:tint val="20000"/>
       </a:schemeClr>
     </dgm:fillClrLst>
     <dgm:linClrLst meth="repeat">
@@ -1553,12 +1899,9 @@
     <dgm:txEffectClrLst/>
   </dgm:styleLbl>
   <dgm:styleLbl name="bgImgPlace1">
-    <dgm:fillClrLst>
-      <a:schemeClr val="accent2">
+    <dgm:fillClrLst meth="repeat">
+      <a:schemeClr val="accent1">
         <a:tint val="50000"/>
-      </a:schemeClr>
-      <a:schemeClr val="accent3">
-        <a:tint val="20000"/>
       </a:schemeClr>
     </dgm:fillClrLst>
     <dgm:linClrLst meth="repeat">
@@ -1572,12 +1915,15 @@
     <dgm:txEffectClrLst/>
   </dgm:styleLbl>
   <dgm:styleLbl name="sibTrans2D1">
-    <dgm:fillClrLst>
-      <a:schemeClr val="accent2"/>
-      <a:schemeClr val="accent3"/>
+    <dgm:fillClrLst meth="repeat">
+      <a:schemeClr val="accent1">
+        <a:tint val="60000"/>
+      </a:schemeClr>
     </dgm:fillClrLst>
     <dgm:linClrLst meth="repeat">
-      <a:schemeClr val="lt1"/>
+      <a:schemeClr val="accent1">
+        <a:tint val="60000"/>
+      </a:schemeClr>
     </dgm:linClrLst>
     <dgm:effectClrLst/>
     <dgm:txLinClrLst/>
@@ -1585,40 +1931,43 @@
     <dgm:txEffectClrLst/>
   </dgm:styleLbl>
   <dgm:styleLbl name="fgSibTrans2D1">
-    <dgm:fillClrLst>
-      <a:schemeClr val="accent2"/>
-      <a:schemeClr val="accent3"/>
+    <dgm:fillClrLst meth="repeat">
+      <a:schemeClr val="accent1">
+        <a:tint val="60000"/>
+      </a:schemeClr>
     </dgm:fillClrLst>
     <dgm:linClrLst meth="repeat">
-      <a:schemeClr val="lt1"/>
+      <a:schemeClr val="accent1">
+        <a:tint val="60000"/>
+      </a:schemeClr>
     </dgm:linClrLst>
     <dgm:effectClrLst/>
     <dgm:txLinClrLst/>
-    <dgm:txFillClrLst meth="repeat">
-      <a:schemeClr val="lt1"/>
-    </dgm:txFillClrLst>
+    <dgm:txFillClrLst/>
     <dgm:txEffectClrLst/>
   </dgm:styleLbl>
   <dgm:styleLbl name="bgSibTrans2D1">
-    <dgm:fillClrLst>
-      <a:schemeClr val="accent2"/>
-      <a:schemeClr val="accent3"/>
+    <dgm:fillClrLst meth="repeat">
+      <a:schemeClr val="accent1">
+        <a:tint val="60000"/>
+      </a:schemeClr>
     </dgm:fillClrLst>
     <dgm:linClrLst meth="repeat">
-      <a:schemeClr val="lt1"/>
+      <a:schemeClr val="accent1">
+        <a:tint val="60000"/>
+      </a:schemeClr>
     </dgm:linClrLst>
     <dgm:effectClrLst/>
     <dgm:txLinClrLst/>
-    <dgm:txFillClrLst meth="repeat">
-      <a:schemeClr val="lt1"/>
-    </dgm:txFillClrLst>
+    <dgm:txFillClrLst/>
     <dgm:txEffectClrLst/>
   </dgm:styleLbl>
   <dgm:styleLbl name="sibTrans1D1">
-    <dgm:fillClrLst/>
-    <dgm:linClrLst>
-      <a:schemeClr val="accent2"/>
-      <a:schemeClr val="accent3"/>
+    <dgm:fillClrLst meth="repeat">
+      <a:schemeClr val="accent1"/>
+    </dgm:fillClrLst>
+    <dgm:linClrLst meth="repeat">
+      <a:schemeClr val="accent1"/>
     </dgm:linClrLst>
     <dgm:effectClrLst/>
     <dgm:txLinClrLst/>
@@ -1629,10 +1978,10 @@
   </dgm:styleLbl>
   <dgm:styleLbl name="callout">
     <dgm:fillClrLst meth="repeat">
-      <a:schemeClr val="accent2"/>
+      <a:schemeClr val="accent1"/>
     </dgm:fillClrLst>
     <dgm:linClrLst meth="repeat">
-      <a:schemeClr val="accent2">
+      <a:schemeClr val="accent1">
         <a:tint val="50000"/>
       </a:schemeClr>
     </dgm:linClrLst>
@@ -1645,35 +1994,7 @@
   </dgm:styleLbl>
   <dgm:styleLbl name="asst0">
     <dgm:fillClrLst meth="repeat">
-      <a:schemeClr val="accent2"/>
-    </dgm:fillClrLst>
-    <dgm:linClrLst meth="repeat">
-      <a:schemeClr val="lt1">
-        <a:shade val="80000"/>
-      </a:schemeClr>
-    </dgm:linClrLst>
-    <dgm:effectClrLst/>
-    <dgm:txLinClrLst/>
-    <dgm:txFillClrLst/>
-    <dgm:txEffectClrLst/>
-  </dgm:styleLbl>
-  <dgm:styleLbl name="asst1">
-    <dgm:fillClrLst meth="repeat">
-      <a:schemeClr val="accent3"/>
-    </dgm:fillClrLst>
-    <dgm:linClrLst meth="repeat">
-      <a:schemeClr val="lt1">
-        <a:shade val="80000"/>
-      </a:schemeClr>
-    </dgm:linClrLst>
-    <dgm:effectClrLst/>
-    <dgm:txLinClrLst/>
-    <dgm:txFillClrLst/>
-    <dgm:txEffectClrLst/>
-  </dgm:styleLbl>
-  <dgm:styleLbl name="asst2">
-    <dgm:fillClrLst>
-      <a:schemeClr val="accent4"/>
+      <a:schemeClr val="accent1"/>
     </dgm:fillClrLst>
     <dgm:linClrLst meth="repeat">
       <a:schemeClr val="lt1"/>
@@ -1683,9 +2004,9 @@
     <dgm:txFillClrLst/>
     <dgm:txEffectClrLst/>
   </dgm:styleLbl>
-  <dgm:styleLbl name="asst3">
-    <dgm:fillClrLst>
-      <a:schemeClr val="accent5"/>
+  <dgm:styleLbl name="asst1">
+    <dgm:fillClrLst meth="repeat">
+      <a:schemeClr val="accent1"/>
     </dgm:fillClrLst>
     <dgm:linClrLst meth="repeat">
       <a:schemeClr val="lt1"/>
@@ -1695,9 +2016,9 @@
     <dgm:txFillClrLst/>
     <dgm:txEffectClrLst/>
   </dgm:styleLbl>
-  <dgm:styleLbl name="asst4">
-    <dgm:fillClrLst>
-      <a:schemeClr val="accent6"/>
+  <dgm:styleLbl name="asst2">
+    <dgm:fillClrLst meth="repeat">
+      <a:schemeClr val="accent1"/>
     </dgm:fillClrLst>
     <dgm:linClrLst meth="repeat">
       <a:schemeClr val="lt1"/>
@@ -1707,23 +2028,9 @@
     <dgm:txFillClrLst/>
     <dgm:txEffectClrLst/>
   </dgm:styleLbl>
-  <dgm:styleLbl name="parChTrans2D1">
+  <dgm:styleLbl name="asst3">
     <dgm:fillClrLst meth="repeat">
-      <a:schemeClr val="accent2"/>
-    </dgm:fillClrLst>
-    <dgm:linClrLst meth="repeat">
-      <a:schemeClr val="lt1"/>
-    </dgm:linClrLst>
-    <dgm:effectClrLst/>
-    <dgm:txLinClrLst/>
-    <dgm:txFillClrLst meth="repeat">
-      <a:schemeClr val="lt1"/>
-    </dgm:txFillClrLst>
-    <dgm:txEffectClrLst/>
-  </dgm:styleLbl>
-  <dgm:styleLbl name="parChTrans2D2">
-    <dgm:fillClrLst meth="repeat">
-      <a:schemeClr val="accent3"/>
+      <a:schemeClr val="accent1"/>
     </dgm:fillClrLst>
     <dgm:linClrLst meth="repeat">
       <a:schemeClr val="lt1"/>
@@ -1733,9 +2040,9 @@
     <dgm:txFillClrLst/>
     <dgm:txEffectClrLst/>
   </dgm:styleLbl>
-  <dgm:styleLbl name="parChTrans2D3">
+  <dgm:styleLbl name="asst4">
     <dgm:fillClrLst meth="repeat">
-      <a:schemeClr val="accent4"/>
+      <a:schemeClr val="accent1"/>
     </dgm:fillClrLst>
     <dgm:linClrLst meth="repeat">
       <a:schemeClr val="lt1"/>
@@ -1745,12 +2052,16 @@
     <dgm:txFillClrLst/>
     <dgm:txEffectClrLst/>
   </dgm:styleLbl>
-  <dgm:styleLbl name="parChTrans2D4">
+  <dgm:styleLbl name="parChTrans2D1">
     <dgm:fillClrLst meth="repeat">
-      <a:schemeClr val="accent5"/>
+      <a:schemeClr val="accent1">
+        <a:tint val="60000"/>
+      </a:schemeClr>
     </dgm:fillClrLst>
     <dgm:linClrLst meth="repeat">
-      <a:schemeClr val="lt1"/>
+      <a:schemeClr val="accent1">
+        <a:tint val="60000"/>
+      </a:schemeClr>
     </dgm:linClrLst>
     <dgm:effectClrLst/>
     <dgm:txLinClrLst/>
@@ -1759,12 +2070,56 @@
     </dgm:txFillClrLst>
     <dgm:txEffectClrLst/>
   </dgm:styleLbl>
+  <dgm:styleLbl name="parChTrans2D2">
+    <dgm:fillClrLst meth="repeat">
+      <a:schemeClr val="accent1"/>
+    </dgm:fillClrLst>
+    <dgm:linClrLst meth="repeat">
+      <a:schemeClr val="accent1"/>
+    </dgm:linClrLst>
+    <dgm:effectClrLst/>
+    <dgm:txLinClrLst/>
+    <dgm:txFillClrLst meth="repeat">
+      <a:schemeClr val="lt1"/>
+    </dgm:txFillClrLst>
+    <dgm:txEffectClrLst/>
+  </dgm:styleLbl>
+  <dgm:styleLbl name="parChTrans2D3">
+    <dgm:fillClrLst meth="repeat">
+      <a:schemeClr val="accent1"/>
+    </dgm:fillClrLst>
+    <dgm:linClrLst meth="repeat">
+      <a:schemeClr val="accent1"/>
+    </dgm:linClrLst>
+    <dgm:effectClrLst/>
+    <dgm:txLinClrLst/>
+    <dgm:txFillClrLst meth="repeat">
+      <a:schemeClr val="lt1"/>
+    </dgm:txFillClrLst>
+    <dgm:txEffectClrLst/>
+  </dgm:styleLbl>
+  <dgm:styleLbl name="parChTrans2D4">
+    <dgm:fillClrLst meth="repeat">
+      <a:schemeClr val="accent1"/>
+    </dgm:fillClrLst>
+    <dgm:linClrLst meth="repeat">
+      <a:schemeClr val="accent1"/>
+    </dgm:linClrLst>
+    <dgm:effectClrLst/>
+    <dgm:txLinClrLst/>
+    <dgm:txFillClrLst meth="repeat">
+      <a:schemeClr val="lt1"/>
+    </dgm:txFillClrLst>
+    <dgm:txEffectClrLst/>
+  </dgm:styleLbl>
   <dgm:styleLbl name="parChTrans1D1">
     <dgm:fillClrLst meth="repeat">
-      <a:schemeClr val="accent2"/>
+      <a:schemeClr val="accent1"/>
     </dgm:fillClrLst>
     <dgm:linClrLst meth="repeat">
-      <a:schemeClr val="accent2"/>
+      <a:schemeClr val="accent1">
+        <a:shade val="60000"/>
+      </a:schemeClr>
     </dgm:linClrLst>
     <dgm:effectClrLst/>
     <dgm:txLinClrLst/>
@@ -1775,12 +2130,12 @@
   </dgm:styleLbl>
   <dgm:styleLbl name="parChTrans1D2">
     <dgm:fillClrLst meth="repeat">
-      <a:schemeClr val="accent2">
-        <a:tint val="90000"/>
-      </a:schemeClr>
+      <a:schemeClr val="accent1"/>
     </dgm:fillClrLst>
     <dgm:linClrLst meth="repeat">
-      <a:schemeClr val="accent3"/>
+      <a:schemeClr val="accent1">
+        <a:shade val="60000"/>
+      </a:schemeClr>
     </dgm:linClrLst>
     <dgm:effectClrLst/>
     <dgm:txLinClrLst/>
@@ -1791,12 +2146,12 @@
   </dgm:styleLbl>
   <dgm:styleLbl name="parChTrans1D3">
     <dgm:fillClrLst meth="repeat">
-      <a:schemeClr val="accent2">
-        <a:tint val="70000"/>
-      </a:schemeClr>
+      <a:schemeClr val="accent1"/>
     </dgm:fillClrLst>
     <dgm:linClrLst meth="repeat">
-      <a:schemeClr val="accent4"/>
+      <a:schemeClr val="accent1">
+        <a:shade val="80000"/>
+      </a:schemeClr>
     </dgm:linClrLst>
     <dgm:effectClrLst/>
     <dgm:txLinClrLst/>
@@ -1807,12 +2162,12 @@
   </dgm:styleLbl>
   <dgm:styleLbl name="parChTrans1D4">
     <dgm:fillClrLst meth="repeat">
-      <a:schemeClr val="accent2">
-        <a:tint val="50000"/>
-      </a:schemeClr>
+      <a:schemeClr val="accent1"/>
     </dgm:fillClrLst>
     <dgm:linClrLst meth="repeat">
-      <a:schemeClr val="accent5"/>
+      <a:schemeClr val="accent1">
+        <a:shade val="80000"/>
+      </a:schemeClr>
     </dgm:linClrLst>
     <dgm:effectClrLst/>
     <dgm:txLinClrLst/>
@@ -1827,9 +2182,8 @@
         <a:alpha val="90000"/>
       </a:schemeClr>
     </dgm:fillClrLst>
-    <dgm:linClrLst>
-      <a:schemeClr val="accent2"/>
-      <a:schemeClr val="accent3"/>
+    <dgm:linClrLst meth="repeat">
+      <a:schemeClr val="accent1"/>
     </dgm:linClrLst>
     <dgm:effectClrLst/>
     <dgm:txLinClrLst/>
@@ -1844,9 +2198,8 @@
         <a:alpha val="90000"/>
       </a:schemeClr>
     </dgm:fillClrLst>
-    <dgm:linClrLst>
-      <a:schemeClr val="accent2"/>
-      <a:schemeClr val="accent3"/>
+    <dgm:linClrLst meth="repeat">
+      <a:schemeClr val="accent1"/>
     </dgm:linClrLst>
     <dgm:effectClrLst/>
     <dgm:txLinClrLst/>
@@ -1861,9 +2214,8 @@
         <a:alpha val="90000"/>
       </a:schemeClr>
     </dgm:fillClrLst>
-    <dgm:linClrLst>
-      <a:schemeClr val="accent2"/>
-      <a:schemeClr val="accent3"/>
+    <dgm:linClrLst meth="repeat">
+      <a:schemeClr val="accent1"/>
     </dgm:linClrLst>
     <dgm:effectClrLst/>
     <dgm:txLinClrLst/>
@@ -1879,7 +2231,7 @@
       </a:schemeClr>
     </dgm:fillClrLst>
     <dgm:linClrLst meth="repeat">
-      <a:schemeClr val="accent2"/>
+      <a:schemeClr val="accent1"/>
     </dgm:linClrLst>
     <dgm:effectClrLst/>
     <dgm:txLinClrLst/>
@@ -1894,9 +2246,8 @@
         <a:alpha val="90000"/>
       </a:schemeClr>
     </dgm:fillClrLst>
-    <dgm:linClrLst>
-      <a:schemeClr val="accent2"/>
-      <a:schemeClr val="accent3"/>
+    <dgm:linClrLst meth="repeat">
+      <a:schemeClr val="accent1"/>
     </dgm:linClrLst>
     <dgm:effectClrLst/>
     <dgm:txLinClrLst/>
@@ -1909,9 +2260,8 @@
     <dgm:fillClrLst meth="repeat">
       <a:schemeClr val="lt1"/>
     </dgm:fillClrLst>
-    <dgm:linClrLst>
-      <a:schemeClr val="accent2"/>
-      <a:schemeClr val="accent3"/>
+    <dgm:linClrLst meth="repeat">
+      <a:schemeClr val="accent1"/>
     </dgm:linClrLst>
     <dgm:effectClrLst/>
     <dgm:txLinClrLst/>
@@ -1924,9 +2274,8 @@
     <dgm:fillClrLst meth="repeat">
       <a:schemeClr val="lt1"/>
     </dgm:fillClrLst>
-    <dgm:linClrLst>
-      <a:schemeClr val="accent2"/>
-      <a:schemeClr val="accent3"/>
+    <dgm:linClrLst meth="repeat">
+      <a:schemeClr val="accent1"/>
     </dgm:linClrLst>
     <dgm:effectClrLst/>
     <dgm:txLinClrLst/>
@@ -1939,9 +2288,8 @@
     <dgm:fillClrLst meth="repeat">
       <a:schemeClr val="lt1"/>
     </dgm:fillClrLst>
-    <dgm:linClrLst>
-      <a:schemeClr val="accent2"/>
-      <a:schemeClr val="accent3"/>
+    <dgm:linClrLst meth="repeat">
+      <a:schemeClr val="accent1"/>
     </dgm:linClrLst>
     <dgm:effectClrLst/>
     <dgm:txLinClrLst/>
@@ -1951,24 +2299,16 @@
     <dgm:txEffectClrLst/>
   </dgm:styleLbl>
   <dgm:styleLbl name="fgAccFollowNode1">
-    <dgm:fillClrLst>
-      <a:schemeClr val="accent2">
+    <dgm:fillClrLst meth="repeat">
+      <a:schemeClr val="accent1">
+        <a:alpha val="90000"/>
         <a:tint val="40000"/>
-        <a:alpha val="90000"/>
-      </a:schemeClr>
-      <a:schemeClr val="accent3">
-        <a:tint val="40000"/>
-        <a:alpha val="90000"/>
       </a:schemeClr>
     </dgm:fillClrLst>
-    <dgm:linClrLst>
-      <a:schemeClr val="accent2">
+    <dgm:linClrLst meth="repeat">
+      <a:schemeClr val="accent1">
+        <a:alpha val="90000"/>
         <a:tint val="40000"/>
-        <a:alpha val="90000"/>
-      </a:schemeClr>
-      <a:schemeClr val="accent3">
-        <a:tint val="40000"/>
-        <a:alpha val="90000"/>
       </a:schemeClr>
     </dgm:linClrLst>
     <dgm:effectClrLst/>
@@ -1979,24 +2319,16 @@
     <dgm:txEffectClrLst/>
   </dgm:styleLbl>
   <dgm:styleLbl name="alignAccFollowNode1">
-    <dgm:fillClrLst>
-      <a:schemeClr val="accent2">
+    <dgm:fillClrLst meth="repeat">
+      <a:schemeClr val="accent1">
+        <a:alpha val="90000"/>
         <a:tint val="40000"/>
-        <a:alpha val="90000"/>
-      </a:schemeClr>
-      <a:schemeClr val="accent3">
-        <a:tint val="40000"/>
-        <a:alpha val="90000"/>
       </a:schemeClr>
     </dgm:fillClrLst>
-    <dgm:linClrLst>
-      <a:schemeClr val="accent2">
+    <dgm:linClrLst meth="repeat">
+      <a:schemeClr val="accent1">
+        <a:alpha val="90000"/>
         <a:tint val="40000"/>
-        <a:alpha val="90000"/>
-      </a:schemeClr>
-      <a:schemeClr val="accent3">
-        <a:tint val="40000"/>
-        <a:alpha val="90000"/>
       </a:schemeClr>
     </dgm:linClrLst>
     <dgm:effectClrLst/>
@@ -2007,24 +2339,16 @@
     <dgm:txEffectClrLst/>
   </dgm:styleLbl>
   <dgm:styleLbl name="bgAccFollowNode1">
-    <dgm:fillClrLst>
-      <a:schemeClr val="accent2">
+    <dgm:fillClrLst meth="repeat">
+      <a:schemeClr val="accent1">
+        <a:alpha val="90000"/>
         <a:tint val="40000"/>
-        <a:alpha val="90000"/>
-      </a:schemeClr>
-      <a:schemeClr val="accent3">
-        <a:tint val="40000"/>
-        <a:alpha val="90000"/>
       </a:schemeClr>
     </dgm:fillClrLst>
-    <dgm:linClrLst>
-      <a:schemeClr val="accent2">
+    <dgm:linClrLst meth="repeat">
+      <a:schemeClr val="accent1">
+        <a:alpha val="90000"/>
         <a:tint val="40000"/>
-        <a:alpha val="90000"/>
-      </a:schemeClr>
-      <a:schemeClr val="accent3">
-        <a:tint val="40000"/>
-        <a:alpha val="90000"/>
       </a:schemeClr>
     </dgm:linClrLst>
     <dgm:effectClrLst/>
@@ -2040,7 +2364,7 @@
         <a:alpha val="90000"/>
       </a:schemeClr>
     </dgm:fillClrLst>
-    <dgm:linClrLst>
+    <dgm:linClrLst meth="repeat">
       <a:schemeClr val="accent1"/>
     </dgm:linClrLst>
     <dgm:effectClrLst/>
@@ -2056,8 +2380,8 @@
         <a:alpha val="90000"/>
       </a:schemeClr>
     </dgm:fillClrLst>
-    <dgm:linClrLst>
-      <a:schemeClr val="accent3"/>
+    <dgm:linClrLst meth="repeat">
+      <a:schemeClr val="accent1"/>
     </dgm:linClrLst>
     <dgm:effectClrLst/>
     <dgm:txLinClrLst/>
@@ -2072,8 +2396,8 @@
         <a:alpha val="90000"/>
       </a:schemeClr>
     </dgm:fillClrLst>
-    <dgm:linClrLst>
-      <a:schemeClr val="accent4"/>
+    <dgm:linClrLst meth="repeat">
+      <a:schemeClr val="accent1"/>
     </dgm:linClrLst>
     <dgm:effectClrLst/>
     <dgm:txLinClrLst/>
@@ -2088,8 +2412,8 @@
         <a:alpha val="90000"/>
       </a:schemeClr>
     </dgm:fillClrLst>
-    <dgm:linClrLst>
-      <a:schemeClr val="accent5"/>
+    <dgm:linClrLst meth="repeat">
+      <a:schemeClr val="accent1"/>
     </dgm:linClrLst>
     <dgm:effectClrLst/>
     <dgm:txLinClrLst/>
@@ -2100,12 +2424,12 @@
   </dgm:styleLbl>
   <dgm:styleLbl name="bgShp">
     <dgm:fillClrLst meth="repeat">
-      <a:schemeClr val="accent2">
+      <a:schemeClr val="accent1">
         <a:tint val="40000"/>
       </a:schemeClr>
     </dgm:fillClrLst>
     <dgm:linClrLst meth="repeat">
-      <a:schemeClr val="dk1"/>
+      <a:schemeClr val="accent1"/>
     </dgm:linClrLst>
     <dgm:effectClrLst/>
     <dgm:txLinClrLst/>
@@ -2116,12 +2440,12 @@
   </dgm:styleLbl>
   <dgm:styleLbl name="dkBgShp">
     <dgm:fillClrLst meth="repeat">
-      <a:schemeClr val="accent2">
-        <a:shade val="90000"/>
+      <a:schemeClr val="accent1">
+        <a:shade val="80000"/>
       </a:schemeClr>
     </dgm:fillClrLst>
     <dgm:linClrLst meth="repeat">
-      <a:schemeClr val="dk1"/>
+      <a:schemeClr val="accent1"/>
     </dgm:linClrLst>
     <dgm:effectClrLst/>
     <dgm:txLinClrLst/>
@@ -2132,13 +2456,13 @@
   </dgm:styleLbl>
   <dgm:styleLbl name="trBgShp">
     <dgm:fillClrLst meth="repeat">
-      <a:schemeClr val="accent2">
+      <a:schemeClr val="accent1">
         <a:tint val="50000"/>
         <a:alpha val="40000"/>
       </a:schemeClr>
     </dgm:fillClrLst>
     <dgm:linClrLst meth="repeat">
-      <a:schemeClr val="accent2"/>
+      <a:schemeClr val="accent1"/>
     </dgm:linClrLst>
     <dgm:effectClrLst/>
     <dgm:txLinClrLst/>
@@ -2149,8 +2473,8 @@
   </dgm:styleLbl>
   <dgm:styleLbl name="fgShp">
     <dgm:fillClrLst meth="repeat">
-      <a:schemeClr val="accent2">
-        <a:tint val="40000"/>
+      <a:schemeClr val="accent1">
+        <a:tint val="60000"/>
       </a:schemeClr>
     </dgm:fillClrLst>
     <dgm:linClrLst meth="repeat">
@@ -2188,7 +2512,7 @@
 <dgm:dataModel xmlns:dgm="http://schemas.openxmlformats.org/drawingml/2006/diagram" xmlns:a="http://schemas.openxmlformats.org/drawingml/2006/main">
   <dgm:ptLst>
     <dgm:pt modelId="{7AB73439-6BCB-4DF6-B4C8-A8E3DF352B78}" type="doc">
-      <dgm:prSet loTypeId="urn:microsoft.com/office/officeart/2005/8/layout/vList2" loCatId="list" qsTypeId="urn:microsoft.com/office/officeart/2005/8/quickstyle/simple4" qsCatId="simple" csTypeId="urn:microsoft.com/office/officeart/2005/8/colors/colorful5" csCatId="colorful"/>
+      <dgm:prSet loTypeId="urn:microsoft.com/office/officeart/2005/8/layout/vList2" loCatId="list" qsTypeId="urn:microsoft.com/office/officeart/2005/8/quickstyle/simple4" qsCatId="simple" csTypeId="urn:microsoft.com/office/officeart/2005/8/colors/colorful5" csCatId="colorful" phldr="1"/>
       <dgm:spPr/>
       <dgm:t>
         <a:bodyPr/>
@@ -2206,8 +2530,8 @@
         <a:lstStyle/>
         <a:p>
           <a:r>
-            <a:rPr lang="en-US"/>
-            <a:t>Constantly turning to face the finish</a:t>
+            <a:rPr lang="en-US" dirty="0"/>
+            <a:t>Turn to face the finish</a:t>
           </a:r>
         </a:p>
       </dgm:t>
@@ -2242,8 +2566,8 @@
         <a:lstStyle/>
         <a:p>
           <a:r>
-            <a:rPr lang="en-US"/>
-            <a:t>Drive towards finish until an obstacle is reached</a:t>
+            <a:rPr lang="en-US" dirty="0"/>
+            <a:t>Drive towards the finish until an obstacle is reached</a:t>
           </a:r>
         </a:p>
       </dgm:t>
@@ -2485,43 +2809,7 @@
 <dgm:dataModel xmlns:dgm="http://schemas.openxmlformats.org/drawingml/2006/diagram" xmlns:a="http://schemas.openxmlformats.org/drawingml/2006/main">
   <dgm:ptLst>
     <dgm:pt modelId="{2F5FEE64-6B72-4545-9CAC-1BE920C63720}" type="doc">
-      <dgm:prSet loTypeId="urn:microsoft.com/office/officeart/2008/layout/LinedList" loCatId="list" qsTypeId="urn:microsoft.com/office/officeart/2005/8/quickstyle/simple4" qsCatId="simple" csTypeId="urn:microsoft.com/office/officeart/2005/8/colors/colorful2" csCatId="colorful"/>
-      <dgm:spPr/>
-      <dgm:t>
-        <a:bodyPr/>
-        <a:lstStyle/>
-        <a:p>
-          <a:endParaRPr lang="en-US"/>
-        </a:p>
-      </dgm:t>
-    </dgm:pt>
-    <dgm:pt modelId="{30F5E477-F5B2-482B-92E3-AEB470A453DC}">
-      <dgm:prSet/>
-      <dgm:spPr/>
-      <dgm:t>
-        <a:bodyPr/>
-        <a:lstStyle/>
-        <a:p>
-          <a:r>
-            <a:rPr lang="en-US"/>
-            <a:t>Wire</a:t>
-          </a:r>
-        </a:p>
-      </dgm:t>
-    </dgm:pt>
-    <dgm:pt modelId="{9A7E93C1-88B3-4FA0-B1A0-9916986C59DF}" type="parTrans" cxnId="{074D5F4B-5A8A-4B59-823A-48B4755E30A8}">
-      <dgm:prSet/>
-      <dgm:spPr/>
-      <dgm:t>
-        <a:bodyPr/>
-        <a:lstStyle/>
-        <a:p>
-          <a:endParaRPr lang="en-US"/>
-        </a:p>
-      </dgm:t>
-    </dgm:pt>
-    <dgm:pt modelId="{9750B9BB-B220-421D-B44F-86ECFE202D8F}" type="sibTrans" cxnId="{074D5F4B-5A8A-4B59-823A-48B4755E30A8}">
-      <dgm:prSet/>
+      <dgm:prSet loTypeId="urn:microsoft.com/office/officeart/2005/8/layout/vList2" loCatId="list" qsTypeId="urn:microsoft.com/office/officeart/2005/8/quickstyle/simple1" qsCatId="simple" csTypeId="urn:microsoft.com/office/officeart/2005/8/colors/accent1_2" csCatId="accent1" phldr="1"/>
       <dgm:spPr/>
       <dgm:t>
         <a:bodyPr/>
@@ -2539,7 +2827,7 @@
         <a:lstStyle/>
         <a:p>
           <a:r>
-            <a:rPr lang="en-US"/>
+            <a:rPr lang="en-US" dirty="0"/>
             <a:t>Higher resolution occupancy grid</a:t>
           </a:r>
         </a:p>
@@ -2575,8 +2863,16 @@
         <a:lstStyle/>
         <a:p>
           <a:r>
+            <a:rPr lang="en-US" dirty="0"/>
+            <a:t>Calculating location </a:t>
+          </a:r>
+          <a:r>
             <a:rPr lang="en-US"/>
-            <a:t>Calculating location of objects with side sensors after each move</a:t>
+            <a:t>of  surrounding objects </a:t>
+          </a:r>
+          <a:r>
+            <a:rPr lang="en-US" dirty="0"/>
+            <a:t>with side sensors after each move</a:t>
           </a:r>
         </a:p>
       </dgm:t>
@@ -2611,7 +2907,7 @@
         <a:lstStyle/>
         <a:p>
           <a:r>
-            <a:rPr lang="en-US"/>
+            <a:rPr lang="en-US" dirty="0"/>
             <a:t>Each bumper causing the robot to react differently</a:t>
           </a:r>
         </a:p>
@@ -2639,107 +2935,64 @@
         </a:p>
       </dgm:t>
     </dgm:pt>
-    <dgm:pt modelId="{8073A8B1-BE4C-46F9-B09F-4775C76FAFC1}" type="pres">
-      <dgm:prSet presAssocID="{2F5FEE64-6B72-4545-9CAC-1BE920C63720}" presName="vert0" presStyleCnt="0">
+    <dgm:pt modelId="{6C64B7AB-4324-428C-9E5B-04BFB076C9D4}" type="pres">
+      <dgm:prSet presAssocID="{2F5FEE64-6B72-4545-9CAC-1BE920C63720}" presName="linear" presStyleCnt="0">
         <dgm:presLayoutVars>
-          <dgm:dir/>
-          <dgm:animOne val="branch"/>
           <dgm:animLvl val="lvl"/>
+          <dgm:resizeHandles val="exact"/>
         </dgm:presLayoutVars>
       </dgm:prSet>
       <dgm:spPr/>
     </dgm:pt>
-    <dgm:pt modelId="{E497E801-40A3-46B6-8E18-29FE2B10BA75}" type="pres">
-      <dgm:prSet presAssocID="{30F5E477-F5B2-482B-92E3-AEB470A453DC}" presName="thickLine" presStyleLbl="alignNode1" presStyleIdx="0" presStyleCnt="4"/>
+    <dgm:pt modelId="{B80BA6C9-6A47-4D52-B834-B7BC761523E4}" type="pres">
+      <dgm:prSet presAssocID="{E107ECCD-8D1D-486F-BF3C-C21AF0199ADE}" presName="parentText" presStyleLbl="node1" presStyleIdx="0" presStyleCnt="3">
+        <dgm:presLayoutVars>
+          <dgm:chMax val="0"/>
+          <dgm:bulletEnabled val="1"/>
+        </dgm:presLayoutVars>
+      </dgm:prSet>
       <dgm:spPr/>
     </dgm:pt>
-    <dgm:pt modelId="{94E763E6-79D5-4512-8531-E052AF0C4BC9}" type="pres">
-      <dgm:prSet presAssocID="{30F5E477-F5B2-482B-92E3-AEB470A453DC}" presName="horz1" presStyleCnt="0"/>
+    <dgm:pt modelId="{A89D64B0-241D-4018-8656-56445FBB7134}" type="pres">
+      <dgm:prSet presAssocID="{D6616FB5-09AC-4C88-ABB1-6DE06ACC95D0}" presName="spacer" presStyleCnt="0"/>
       <dgm:spPr/>
     </dgm:pt>
-    <dgm:pt modelId="{EBB81CEF-22FE-4D39-B424-6826D32E8907}" type="pres">
-      <dgm:prSet presAssocID="{30F5E477-F5B2-482B-92E3-AEB470A453DC}" presName="tx1" presStyleLbl="revTx" presStyleIdx="0" presStyleCnt="4"/>
+    <dgm:pt modelId="{38006A70-1392-46A7-810F-174F57909112}" type="pres">
+      <dgm:prSet presAssocID="{58BF4EC2-4C4F-4A02-9C46-0496F8AA968D}" presName="parentText" presStyleLbl="node1" presStyleIdx="1" presStyleCnt="3">
+        <dgm:presLayoutVars>
+          <dgm:chMax val="0"/>
+          <dgm:bulletEnabled val="1"/>
+        </dgm:presLayoutVars>
+      </dgm:prSet>
       <dgm:spPr/>
     </dgm:pt>
-    <dgm:pt modelId="{520EB50F-1183-4D2E-BCEB-CB79E2B17226}" type="pres">
-      <dgm:prSet presAssocID="{30F5E477-F5B2-482B-92E3-AEB470A453DC}" presName="vert1" presStyleCnt="0"/>
+    <dgm:pt modelId="{01612197-E219-4964-A05A-FF3556E219E8}" type="pres">
+      <dgm:prSet presAssocID="{18E0D09E-3CE8-4318-8DD5-3BF72835E88F}" presName="spacer" presStyleCnt="0"/>
       <dgm:spPr/>
     </dgm:pt>
-    <dgm:pt modelId="{A9138E2C-CBFD-46DE-98EC-D60A2468519E}" type="pres">
-      <dgm:prSet presAssocID="{8C8CC6B5-2DEA-4676-AF93-AB9FDF35C240}" presName="thickLine" presStyleLbl="alignNode1" presStyleIdx="1" presStyleCnt="4"/>
-      <dgm:spPr/>
-    </dgm:pt>
-    <dgm:pt modelId="{0CEB4682-C0D5-409F-B2C4-E4D37DE50C1E}" type="pres">
-      <dgm:prSet presAssocID="{8C8CC6B5-2DEA-4676-AF93-AB9FDF35C240}" presName="horz1" presStyleCnt="0"/>
-      <dgm:spPr/>
-    </dgm:pt>
-    <dgm:pt modelId="{81B94102-8949-4736-A7FC-D2151812C1DB}" type="pres">
-      <dgm:prSet presAssocID="{8C8CC6B5-2DEA-4676-AF93-AB9FDF35C240}" presName="tx1" presStyleLbl="revTx" presStyleIdx="1" presStyleCnt="4"/>
-      <dgm:spPr/>
-    </dgm:pt>
-    <dgm:pt modelId="{2BD75D22-B2CE-41CE-BAC1-D02E100F0B86}" type="pres">
-      <dgm:prSet presAssocID="{8C8CC6B5-2DEA-4676-AF93-AB9FDF35C240}" presName="vert1" presStyleCnt="0"/>
-      <dgm:spPr/>
-    </dgm:pt>
-    <dgm:pt modelId="{A61DF304-BEE3-4D35-90DA-D2D13B64CB0F}" type="pres">
-      <dgm:prSet presAssocID="{E107ECCD-8D1D-486F-BF3C-C21AF0199ADE}" presName="thickLine" presStyleLbl="alignNode1" presStyleIdx="2" presStyleCnt="4"/>
-      <dgm:spPr/>
-    </dgm:pt>
-    <dgm:pt modelId="{541701F0-BEB3-401C-8E4C-9175B7ABB7E5}" type="pres">
-      <dgm:prSet presAssocID="{E107ECCD-8D1D-486F-BF3C-C21AF0199ADE}" presName="horz1" presStyleCnt="0"/>
-      <dgm:spPr/>
-    </dgm:pt>
-    <dgm:pt modelId="{943DC9EF-FB80-4F01-B0CF-29182289314B}" type="pres">
-      <dgm:prSet presAssocID="{E107ECCD-8D1D-486F-BF3C-C21AF0199ADE}" presName="tx1" presStyleLbl="revTx" presStyleIdx="2" presStyleCnt="4"/>
-      <dgm:spPr/>
-    </dgm:pt>
-    <dgm:pt modelId="{F8663267-44E8-4725-9947-3599D53B5EB1}" type="pres">
-      <dgm:prSet presAssocID="{E107ECCD-8D1D-486F-BF3C-C21AF0199ADE}" presName="vert1" presStyleCnt="0"/>
-      <dgm:spPr/>
-    </dgm:pt>
-    <dgm:pt modelId="{3660A6F9-C160-4AF1-B69A-65EE58A7A7E1}" type="pres">
-      <dgm:prSet presAssocID="{58BF4EC2-4C4F-4A02-9C46-0496F8AA968D}" presName="thickLine" presStyleLbl="alignNode1" presStyleIdx="3" presStyleCnt="4"/>
-      <dgm:spPr/>
-    </dgm:pt>
-    <dgm:pt modelId="{5DC60353-6C06-47DB-BA19-A970F8607150}" type="pres">
-      <dgm:prSet presAssocID="{58BF4EC2-4C4F-4A02-9C46-0496F8AA968D}" presName="horz1" presStyleCnt="0"/>
-      <dgm:spPr/>
-    </dgm:pt>
-    <dgm:pt modelId="{C51DD720-3EB6-4B90-B1BD-38112D8A62B7}" type="pres">
-      <dgm:prSet presAssocID="{58BF4EC2-4C4F-4A02-9C46-0496F8AA968D}" presName="tx1" presStyleLbl="revTx" presStyleIdx="3" presStyleCnt="4"/>
-      <dgm:spPr/>
-    </dgm:pt>
-    <dgm:pt modelId="{DD1FE7A4-DE6F-43E5-A4FC-2A6810095A5D}" type="pres">
-      <dgm:prSet presAssocID="{58BF4EC2-4C4F-4A02-9C46-0496F8AA968D}" presName="vert1" presStyleCnt="0"/>
+    <dgm:pt modelId="{3CE97CA5-E12D-439D-8CE0-E13A905AA07E}" type="pres">
+      <dgm:prSet presAssocID="{8C8CC6B5-2DEA-4676-AF93-AB9FDF35C240}" presName="parentText" presStyleLbl="node1" presStyleIdx="2" presStyleCnt="3">
+        <dgm:presLayoutVars>
+          <dgm:chMax val="0"/>
+          <dgm:bulletEnabled val="1"/>
+        </dgm:presLayoutVars>
+      </dgm:prSet>
       <dgm:spPr/>
     </dgm:pt>
   </dgm:ptLst>
   <dgm:cxnLst>
-    <dgm:cxn modelId="{1537340A-C131-4773-886B-3A8436B99912}" type="presOf" srcId="{30F5E477-F5B2-482B-92E3-AEB470A453DC}" destId="{EBB81CEF-22FE-4D39-B424-6826D32E8907}" srcOrd="0" destOrd="0" presId="urn:microsoft.com/office/officeart/2008/layout/LinedList"/>
-    <dgm:cxn modelId="{A4AD8C2F-CFD3-4DD0-A57F-A7C03B046F84}" srcId="{2F5FEE64-6B72-4545-9CAC-1BE920C63720}" destId="{58BF4EC2-4C4F-4A02-9C46-0496F8AA968D}" srcOrd="3" destOrd="0" parTransId="{FF661DB4-A60B-4079-B159-5142677DB9B5}" sibTransId="{18E0D09E-3CE8-4318-8DD5-3BF72835E88F}"/>
-    <dgm:cxn modelId="{E60F703B-A7AA-4268-8FF9-C3680BA1DCAC}" srcId="{2F5FEE64-6B72-4545-9CAC-1BE920C63720}" destId="{8C8CC6B5-2DEA-4676-AF93-AB9FDF35C240}" srcOrd="1" destOrd="0" parTransId="{63C8E55B-9C42-49BB-8361-753A8CE82540}" sibTransId="{AA2F1E59-6925-405E-A8B0-F701F3EED18A}"/>
-    <dgm:cxn modelId="{EAF7F547-D22D-4713-BBDE-6317B2636EE0}" type="presOf" srcId="{2F5FEE64-6B72-4545-9CAC-1BE920C63720}" destId="{8073A8B1-BE4C-46F9-B09F-4775C76FAFC1}" srcOrd="0" destOrd="0" presId="urn:microsoft.com/office/officeart/2008/layout/LinedList"/>
-    <dgm:cxn modelId="{074D5F4B-5A8A-4B59-823A-48B4755E30A8}" srcId="{2F5FEE64-6B72-4545-9CAC-1BE920C63720}" destId="{30F5E477-F5B2-482B-92E3-AEB470A453DC}" srcOrd="0" destOrd="0" parTransId="{9A7E93C1-88B3-4FA0-B1A0-9916986C59DF}" sibTransId="{9750B9BB-B220-421D-B44F-86ECFE202D8F}"/>
-    <dgm:cxn modelId="{9961DF50-BD11-438A-A562-C7653840C2FE}" type="presOf" srcId="{8C8CC6B5-2DEA-4676-AF93-AB9FDF35C240}" destId="{81B94102-8949-4736-A7FC-D2151812C1DB}" srcOrd="0" destOrd="0" presId="urn:microsoft.com/office/officeart/2008/layout/LinedList"/>
-    <dgm:cxn modelId="{48E82887-A43A-4097-BFC9-CB4A1D371D48}" srcId="{2F5FEE64-6B72-4545-9CAC-1BE920C63720}" destId="{E107ECCD-8D1D-486F-BF3C-C21AF0199ADE}" srcOrd="2" destOrd="0" parTransId="{476AD6C7-4B7A-4ADD-BB80-190182441E4D}" sibTransId="{D6616FB5-09AC-4C88-ABB1-6DE06ACC95D0}"/>
-    <dgm:cxn modelId="{C43893B2-CF7F-459A-B026-C466839EEE29}" type="presOf" srcId="{E107ECCD-8D1D-486F-BF3C-C21AF0199ADE}" destId="{943DC9EF-FB80-4F01-B0CF-29182289314B}" srcOrd="0" destOrd="0" presId="urn:microsoft.com/office/officeart/2008/layout/LinedList"/>
-    <dgm:cxn modelId="{DA394ED1-DEC2-4D21-AE19-353D5FD7139B}" type="presOf" srcId="{58BF4EC2-4C4F-4A02-9C46-0496F8AA968D}" destId="{C51DD720-3EB6-4B90-B1BD-38112D8A62B7}" srcOrd="0" destOrd="0" presId="urn:microsoft.com/office/officeart/2008/layout/LinedList"/>
-    <dgm:cxn modelId="{99ED2A24-9476-4AB5-958F-560DD9DDD439}" type="presParOf" srcId="{8073A8B1-BE4C-46F9-B09F-4775C76FAFC1}" destId="{E497E801-40A3-46B6-8E18-29FE2B10BA75}" srcOrd="0" destOrd="0" presId="urn:microsoft.com/office/officeart/2008/layout/LinedList"/>
-    <dgm:cxn modelId="{A9C356E0-F6B4-4ECC-9451-4DC701826C07}" type="presParOf" srcId="{8073A8B1-BE4C-46F9-B09F-4775C76FAFC1}" destId="{94E763E6-79D5-4512-8531-E052AF0C4BC9}" srcOrd="1" destOrd="0" presId="urn:microsoft.com/office/officeart/2008/layout/LinedList"/>
-    <dgm:cxn modelId="{8FF24932-837A-45D0-96A4-C5C2C5C385C2}" type="presParOf" srcId="{94E763E6-79D5-4512-8531-E052AF0C4BC9}" destId="{EBB81CEF-22FE-4D39-B424-6826D32E8907}" srcOrd="0" destOrd="0" presId="urn:microsoft.com/office/officeart/2008/layout/LinedList"/>
-    <dgm:cxn modelId="{EB385738-5663-4CAA-AF76-DE53406FAA1F}" type="presParOf" srcId="{94E763E6-79D5-4512-8531-E052AF0C4BC9}" destId="{520EB50F-1183-4D2E-BCEB-CB79E2B17226}" srcOrd="1" destOrd="0" presId="urn:microsoft.com/office/officeart/2008/layout/LinedList"/>
-    <dgm:cxn modelId="{D7A5ECE8-BA5F-46C3-8E65-AA7CA6FAF13D}" type="presParOf" srcId="{8073A8B1-BE4C-46F9-B09F-4775C76FAFC1}" destId="{A9138E2C-CBFD-46DE-98EC-D60A2468519E}" srcOrd="2" destOrd="0" presId="urn:microsoft.com/office/officeart/2008/layout/LinedList"/>
-    <dgm:cxn modelId="{49424DB0-FE5C-4AC6-9FB7-E9D125F9692C}" type="presParOf" srcId="{8073A8B1-BE4C-46F9-B09F-4775C76FAFC1}" destId="{0CEB4682-C0D5-409F-B2C4-E4D37DE50C1E}" srcOrd="3" destOrd="0" presId="urn:microsoft.com/office/officeart/2008/layout/LinedList"/>
-    <dgm:cxn modelId="{6533401D-64DC-4F61-85D6-D388E9813D3F}" type="presParOf" srcId="{0CEB4682-C0D5-409F-B2C4-E4D37DE50C1E}" destId="{81B94102-8949-4736-A7FC-D2151812C1DB}" srcOrd="0" destOrd="0" presId="urn:microsoft.com/office/officeart/2008/layout/LinedList"/>
-    <dgm:cxn modelId="{B2F54361-6600-49E9-9450-BC01D1839137}" type="presParOf" srcId="{0CEB4682-C0D5-409F-B2C4-E4D37DE50C1E}" destId="{2BD75D22-B2CE-41CE-BAC1-D02E100F0B86}" srcOrd="1" destOrd="0" presId="urn:microsoft.com/office/officeart/2008/layout/LinedList"/>
-    <dgm:cxn modelId="{C3E804F5-B0B2-46E4-9952-D8E8693C8186}" type="presParOf" srcId="{8073A8B1-BE4C-46F9-B09F-4775C76FAFC1}" destId="{A61DF304-BEE3-4D35-90DA-D2D13B64CB0F}" srcOrd="4" destOrd="0" presId="urn:microsoft.com/office/officeart/2008/layout/LinedList"/>
-    <dgm:cxn modelId="{AE187D87-C61A-4301-96C7-36AAF697598E}" type="presParOf" srcId="{8073A8B1-BE4C-46F9-B09F-4775C76FAFC1}" destId="{541701F0-BEB3-401C-8E4C-9175B7ABB7E5}" srcOrd="5" destOrd="0" presId="urn:microsoft.com/office/officeart/2008/layout/LinedList"/>
-    <dgm:cxn modelId="{7270215B-369B-4617-A210-612AB64BA9E9}" type="presParOf" srcId="{541701F0-BEB3-401C-8E4C-9175B7ABB7E5}" destId="{943DC9EF-FB80-4F01-B0CF-29182289314B}" srcOrd="0" destOrd="0" presId="urn:microsoft.com/office/officeart/2008/layout/LinedList"/>
-    <dgm:cxn modelId="{BDDAAC8D-04D6-4369-AD01-F9B4A75D2555}" type="presParOf" srcId="{541701F0-BEB3-401C-8E4C-9175B7ABB7E5}" destId="{F8663267-44E8-4725-9947-3599D53B5EB1}" srcOrd="1" destOrd="0" presId="urn:microsoft.com/office/officeart/2008/layout/LinedList"/>
-    <dgm:cxn modelId="{E1EFF64B-1868-4161-BB31-8C2C8BA26878}" type="presParOf" srcId="{8073A8B1-BE4C-46F9-B09F-4775C76FAFC1}" destId="{3660A6F9-C160-4AF1-B69A-65EE58A7A7E1}" srcOrd="6" destOrd="0" presId="urn:microsoft.com/office/officeart/2008/layout/LinedList"/>
-    <dgm:cxn modelId="{DF589F33-C71D-448B-8974-0612DFCBC06B}" type="presParOf" srcId="{8073A8B1-BE4C-46F9-B09F-4775C76FAFC1}" destId="{5DC60353-6C06-47DB-BA19-A970F8607150}" srcOrd="7" destOrd="0" presId="urn:microsoft.com/office/officeart/2008/layout/LinedList"/>
-    <dgm:cxn modelId="{FE8C80E7-7AE3-4FE5-A98D-C633D4398D98}" type="presParOf" srcId="{5DC60353-6C06-47DB-BA19-A970F8607150}" destId="{C51DD720-3EB6-4B90-B1BD-38112D8A62B7}" srcOrd="0" destOrd="0" presId="urn:microsoft.com/office/officeart/2008/layout/LinedList"/>
-    <dgm:cxn modelId="{AA43C696-591C-4C24-8661-72759EFD27FF}" type="presParOf" srcId="{5DC60353-6C06-47DB-BA19-A970F8607150}" destId="{DD1FE7A4-DE6F-43E5-A4FC-2A6810095A5D}" srcOrd="1" destOrd="0" presId="urn:microsoft.com/office/officeart/2008/layout/LinedList"/>
+    <dgm:cxn modelId="{EABB9811-F48D-42BA-8024-C8F8C92A8EF1}" type="presOf" srcId="{2F5FEE64-6B72-4545-9CAC-1BE920C63720}" destId="{6C64B7AB-4324-428C-9E5B-04BFB076C9D4}" srcOrd="0" destOrd="0" presId="urn:microsoft.com/office/officeart/2005/8/layout/vList2"/>
+    <dgm:cxn modelId="{A4AD8C2F-CFD3-4DD0-A57F-A7C03B046F84}" srcId="{2F5FEE64-6B72-4545-9CAC-1BE920C63720}" destId="{58BF4EC2-4C4F-4A02-9C46-0496F8AA968D}" srcOrd="1" destOrd="0" parTransId="{FF661DB4-A60B-4079-B159-5142677DB9B5}" sibTransId="{18E0D09E-3CE8-4318-8DD5-3BF72835E88F}"/>
+    <dgm:cxn modelId="{E60F703B-A7AA-4268-8FF9-C3680BA1DCAC}" srcId="{2F5FEE64-6B72-4545-9CAC-1BE920C63720}" destId="{8C8CC6B5-2DEA-4676-AF93-AB9FDF35C240}" srcOrd="2" destOrd="0" parTransId="{63C8E55B-9C42-49BB-8361-753A8CE82540}" sibTransId="{AA2F1E59-6925-405E-A8B0-F701F3EED18A}"/>
+    <dgm:cxn modelId="{30B29948-8BC6-4030-A995-B99DB913EA2A}" type="presOf" srcId="{8C8CC6B5-2DEA-4676-AF93-AB9FDF35C240}" destId="{3CE97CA5-E12D-439D-8CE0-E13A905AA07E}" srcOrd="0" destOrd="0" presId="urn:microsoft.com/office/officeart/2005/8/layout/vList2"/>
+    <dgm:cxn modelId="{48E82887-A43A-4097-BFC9-CB4A1D371D48}" srcId="{2F5FEE64-6B72-4545-9CAC-1BE920C63720}" destId="{E107ECCD-8D1D-486F-BF3C-C21AF0199ADE}" srcOrd="0" destOrd="0" parTransId="{476AD6C7-4B7A-4ADD-BB80-190182441E4D}" sibTransId="{D6616FB5-09AC-4C88-ABB1-6DE06ACC95D0}"/>
+    <dgm:cxn modelId="{3CC552A8-1BA4-469D-A45C-D1FD2FE7E8AB}" type="presOf" srcId="{E107ECCD-8D1D-486F-BF3C-C21AF0199ADE}" destId="{B80BA6C9-6A47-4D52-B834-B7BC761523E4}" srcOrd="0" destOrd="0" presId="urn:microsoft.com/office/officeart/2005/8/layout/vList2"/>
+    <dgm:cxn modelId="{C1D40ADD-A7E9-48AE-BB36-9E73BAA99A59}" type="presOf" srcId="{58BF4EC2-4C4F-4A02-9C46-0496F8AA968D}" destId="{38006A70-1392-46A7-810F-174F57909112}" srcOrd="0" destOrd="0" presId="urn:microsoft.com/office/officeart/2005/8/layout/vList2"/>
+    <dgm:cxn modelId="{1C146A48-6CCB-4752-8E8D-F0558D792978}" type="presParOf" srcId="{6C64B7AB-4324-428C-9E5B-04BFB076C9D4}" destId="{B80BA6C9-6A47-4D52-B834-B7BC761523E4}" srcOrd="0" destOrd="0" presId="urn:microsoft.com/office/officeart/2005/8/layout/vList2"/>
+    <dgm:cxn modelId="{CB753140-251E-43B7-A352-7AFA63260573}" type="presParOf" srcId="{6C64B7AB-4324-428C-9E5B-04BFB076C9D4}" destId="{A89D64B0-241D-4018-8656-56445FBB7134}" srcOrd="1" destOrd="0" presId="urn:microsoft.com/office/officeart/2005/8/layout/vList2"/>
+    <dgm:cxn modelId="{75519539-EBDB-488B-B597-2583B3D30DC2}" type="presParOf" srcId="{6C64B7AB-4324-428C-9E5B-04BFB076C9D4}" destId="{38006A70-1392-46A7-810F-174F57909112}" srcOrd="2" destOrd="0" presId="urn:microsoft.com/office/officeart/2005/8/layout/vList2"/>
+    <dgm:cxn modelId="{9ED32382-0ED6-4B24-AD89-48CE374F2A96}" type="presParOf" srcId="{6C64B7AB-4324-428C-9E5B-04BFB076C9D4}" destId="{01612197-E219-4964-A05A-FF3556E219E8}" srcOrd="3" destOrd="0" presId="urn:microsoft.com/office/officeart/2005/8/layout/vList2"/>
+    <dgm:cxn modelId="{A2FE1AFC-2A9B-4C01-AF55-14DCC35E6C7D}" type="presParOf" srcId="{6C64B7AB-4324-428C-9E5B-04BFB076C9D4}" destId="{3CE97CA5-E12D-439D-8CE0-E13A905AA07E}" srcOrd="4" destOrd="0" presId="urn:microsoft.com/office/officeart/2005/8/layout/vList2"/>
   </dgm:cxnLst>
   <dgm:bg/>
   <dgm:whole/>
@@ -2848,8 +3101,8 @@
             <a:buNone/>
           </a:pPr>
           <a:r>
-            <a:rPr lang="en-US" sz="2500" kern="1200"/>
-            <a:t>Constantly turning to face the finish</a:t>
+            <a:rPr lang="en-US" sz="2500" kern="1200" dirty="0"/>
+            <a:t>Turn to face the finish</a:t>
           </a:r>
         </a:p>
       </dsp:txBody>
@@ -2947,8 +3200,8 @@
             <a:buNone/>
           </a:pPr>
           <a:r>
-            <a:rPr lang="en-US" sz="2500" kern="1200"/>
-            <a:t>Drive towards finish until an obstacle is reached</a:t>
+            <a:rPr lang="en-US" sz="2500" kern="1200" dirty="0"/>
+            <a:t>Drive towards the finish until an obstacle is reached</a:t>
           </a:r>
         </a:p>
       </dsp:txBody>
@@ -3266,60 +3519,30 @@
       <dsp:cNvGrpSpPr/>
     </dsp:nvGrpSpPr>
     <dsp:grpSpPr/>
-    <dsp:sp modelId="{E497E801-40A3-46B6-8E18-29FE2B10BA75}">
+    <dsp:sp modelId="{B80BA6C9-6A47-4D52-B834-B7BC761523E4}">
       <dsp:nvSpPr>
         <dsp:cNvPr id="0" name=""/>
         <dsp:cNvSpPr/>
       </dsp:nvSpPr>
       <dsp:spPr>
         <a:xfrm>
-          <a:off x="0" y="0"/>
-          <a:ext cx="6666833" cy="0"/>
+          <a:off x="0" y="80644"/>
+          <a:ext cx="6666833" cy="1704690"/>
         </a:xfrm>
-        <a:prstGeom prst="line">
+        <a:prstGeom prst="roundRect">
           <a:avLst/>
         </a:prstGeom>
-        <a:gradFill rotWithShape="0">
-          <a:gsLst>
-            <a:gs pos="0">
-              <a:schemeClr val="accent2">
-                <a:hueOff val="0"/>
-                <a:satOff val="0"/>
-                <a:lumOff val="0"/>
-                <a:alphaOff val="0"/>
-                <a:satMod val="103000"/>
-                <a:lumMod val="102000"/>
-                <a:tint val="94000"/>
-              </a:schemeClr>
-            </a:gs>
-            <a:gs pos="50000">
-              <a:schemeClr val="accent2">
-                <a:hueOff val="0"/>
-                <a:satOff val="0"/>
-                <a:lumOff val="0"/>
-                <a:alphaOff val="0"/>
-                <a:satMod val="110000"/>
-                <a:lumMod val="100000"/>
-                <a:shade val="100000"/>
-              </a:schemeClr>
-            </a:gs>
-            <a:gs pos="100000">
-              <a:schemeClr val="accent2">
-                <a:hueOff val="0"/>
-                <a:satOff val="0"/>
-                <a:lumOff val="0"/>
-                <a:alphaOff val="0"/>
-                <a:lumMod val="99000"/>
-                <a:satMod val="120000"/>
-                <a:shade val="78000"/>
-              </a:schemeClr>
-            </a:gs>
-          </a:gsLst>
-          <a:lin ang="5400000" scaled="0"/>
-        </a:gradFill>
-        <a:ln w="12700" cap="flat" cmpd="sng" algn="ctr">
+        <a:solidFill>
+          <a:schemeClr val="accent1">
+            <a:hueOff val="0"/>
+            <a:satOff val="0"/>
+            <a:lumOff val="0"/>
+            <a:alphaOff val="0"/>
+          </a:schemeClr>
+        </a:solidFill>
+        <a:ln w="19050" cap="flat" cmpd="sng" algn="ctr">
           <a:solidFill>
-            <a:schemeClr val="accent2">
+            <a:schemeClr val="lt1">
               <a:hueOff val="0"/>
               <a:satOff val="0"/>
               <a:lumOff val="0"/>
@@ -3332,58 +3555,26 @@
         <a:effectLst/>
       </dsp:spPr>
       <dsp:style>
-        <a:lnRef idx="1">
+        <a:lnRef idx="2">
           <a:scrgbClr r="0" g="0" b="0"/>
         </a:lnRef>
-        <a:fillRef idx="3">
+        <a:fillRef idx="1">
           <a:scrgbClr r="0" g="0" b="0"/>
         </a:fillRef>
-        <a:effectRef idx="2">
+        <a:effectRef idx="0">
           <a:scrgbClr r="0" g="0" b="0"/>
         </a:effectRef>
         <a:fontRef idx="minor">
           <a:schemeClr val="lt1"/>
         </a:fontRef>
       </dsp:style>
-    </dsp:sp>
-    <dsp:sp modelId="{EBB81CEF-22FE-4D39-B424-6826D32E8907}">
-      <dsp:nvSpPr>
-        <dsp:cNvPr id="0" name=""/>
-        <dsp:cNvSpPr/>
-      </dsp:nvSpPr>
-      <dsp:spPr>
-        <a:xfrm>
-          <a:off x="0" y="0"/>
-          <a:ext cx="6666833" cy="1363480"/>
-        </a:xfrm>
-        <a:prstGeom prst="rect">
-          <a:avLst/>
-        </a:prstGeom>
-        <a:noFill/>
-        <a:ln>
-          <a:noFill/>
-        </a:ln>
-        <a:effectLst/>
-      </dsp:spPr>
-      <dsp:style>
-        <a:lnRef idx="0">
-          <a:scrgbClr r="0" g="0" b="0"/>
-        </a:lnRef>
-        <a:fillRef idx="0">
-          <a:scrgbClr r="0" g="0" b="0"/>
-        </a:fillRef>
-        <a:effectRef idx="0">
-          <a:scrgbClr r="0" g="0" b="0"/>
-        </a:effectRef>
-        <a:fontRef idx="minor"/>
-      </dsp:style>
       <dsp:txBody>
-        <a:bodyPr spcFirstLastPara="0" vert="horz" wrap="square" lIns="129540" tIns="129540" rIns="129540" bIns="129540" numCol="1" spcCol="1270" anchor="t" anchorCtr="0">
+        <a:bodyPr spcFirstLastPara="0" vert="horz" wrap="square" lIns="118110" tIns="118110" rIns="118110" bIns="118110" numCol="1" spcCol="1270" anchor="ctr" anchorCtr="0">
           <a:noAutofit/>
         </a:bodyPr>
         <a:lstStyle/>
         <a:p>
-          <a:pPr marL="0" lvl="0" indent="0" algn="l" defTabSz="1511300">
+          <a:pPr marL="0" lvl="0" indent="0" algn="l" defTabSz="1377950">
             <a:lnSpc>
               <a:spcPct val="90000"/>
             </a:lnSpc>
@@ -3396,73 +3587,51 @@
             <a:buNone/>
           </a:pPr>
           <a:r>
-            <a:rPr lang="en-US" sz="3400" kern="1200"/>
-            <a:t>Wire</a:t>
+            <a:rPr lang="en-US" sz="3100" kern="1200" dirty="0"/>
+            <a:t>Calculating location </a:t>
+          </a:r>
+          <a:r>
+            <a:rPr lang="en-US" sz="3100" kern="1200"/>
+            <a:t>of  surrounding objects </a:t>
+          </a:r>
+          <a:r>
+            <a:rPr lang="en-US" sz="3100" kern="1200" dirty="0"/>
+            <a:t>with side sensors after each move</a:t>
           </a:r>
         </a:p>
       </dsp:txBody>
       <dsp:txXfrm>
-        <a:off x="0" y="0"/>
-        <a:ext cx="6666833" cy="1363480"/>
+        <a:off x="83216" y="163860"/>
+        <a:ext cx="6500401" cy="1538258"/>
       </dsp:txXfrm>
     </dsp:sp>
-    <dsp:sp modelId="{A9138E2C-CBFD-46DE-98EC-D60A2468519E}">
+    <dsp:sp modelId="{38006A70-1392-46A7-810F-174F57909112}">
       <dsp:nvSpPr>
         <dsp:cNvPr id="0" name=""/>
         <dsp:cNvSpPr/>
       </dsp:nvSpPr>
       <dsp:spPr>
         <a:xfrm>
-          <a:off x="0" y="1363480"/>
-          <a:ext cx="6666833" cy="0"/>
+          <a:off x="0" y="1874614"/>
+          <a:ext cx="6666833" cy="1704690"/>
         </a:xfrm>
-        <a:prstGeom prst="line">
+        <a:prstGeom prst="roundRect">
           <a:avLst/>
         </a:prstGeom>
-        <a:gradFill rotWithShape="0">
-          <a:gsLst>
-            <a:gs pos="0">
-              <a:schemeClr val="accent2">
-                <a:hueOff val="2147871"/>
-                <a:satOff val="-6164"/>
-                <a:lumOff val="-9870"/>
-                <a:alphaOff val="0"/>
-                <a:satMod val="103000"/>
-                <a:lumMod val="102000"/>
-                <a:tint val="94000"/>
-              </a:schemeClr>
-            </a:gs>
-            <a:gs pos="50000">
-              <a:schemeClr val="accent2">
-                <a:hueOff val="2147871"/>
-                <a:satOff val="-6164"/>
-                <a:lumOff val="-9870"/>
-                <a:alphaOff val="0"/>
-                <a:satMod val="110000"/>
-                <a:lumMod val="100000"/>
-                <a:shade val="100000"/>
-              </a:schemeClr>
-            </a:gs>
-            <a:gs pos="100000">
-              <a:schemeClr val="accent2">
-                <a:hueOff val="2147871"/>
-                <a:satOff val="-6164"/>
-                <a:lumOff val="-9870"/>
-                <a:alphaOff val="0"/>
-                <a:lumMod val="99000"/>
-                <a:satMod val="120000"/>
-                <a:shade val="78000"/>
-              </a:schemeClr>
-            </a:gs>
-          </a:gsLst>
-          <a:lin ang="5400000" scaled="0"/>
-        </a:gradFill>
-        <a:ln w="12700" cap="flat" cmpd="sng" algn="ctr">
+        <a:solidFill>
+          <a:schemeClr val="accent1">
+            <a:hueOff val="0"/>
+            <a:satOff val="0"/>
+            <a:lumOff val="0"/>
+            <a:alphaOff val="0"/>
+          </a:schemeClr>
+        </a:solidFill>
+        <a:ln w="19050" cap="flat" cmpd="sng" algn="ctr">
           <a:solidFill>
-            <a:schemeClr val="accent2">
-              <a:hueOff val="2147871"/>
-              <a:satOff val="-6164"/>
-              <a:lumOff val="-9870"/>
+            <a:schemeClr val="lt1">
+              <a:hueOff val="0"/>
+              <a:satOff val="0"/>
+              <a:lumOff val="0"/>
               <a:alphaOff val="0"/>
             </a:schemeClr>
           </a:solidFill>
@@ -3472,58 +3641,26 @@
         <a:effectLst/>
       </dsp:spPr>
       <dsp:style>
-        <a:lnRef idx="1">
+        <a:lnRef idx="2">
           <a:scrgbClr r="0" g="0" b="0"/>
         </a:lnRef>
-        <a:fillRef idx="3">
+        <a:fillRef idx="1">
           <a:scrgbClr r="0" g="0" b="0"/>
         </a:fillRef>
-        <a:effectRef idx="2">
+        <a:effectRef idx="0">
           <a:scrgbClr r="0" g="0" b="0"/>
         </a:effectRef>
         <a:fontRef idx="minor">
           <a:schemeClr val="lt1"/>
         </a:fontRef>
       </dsp:style>
-    </dsp:sp>
-    <dsp:sp modelId="{81B94102-8949-4736-A7FC-D2151812C1DB}">
-      <dsp:nvSpPr>
-        <dsp:cNvPr id="0" name=""/>
-        <dsp:cNvSpPr/>
-      </dsp:nvSpPr>
-      <dsp:spPr>
-        <a:xfrm>
-          <a:off x="0" y="1363480"/>
-          <a:ext cx="6666833" cy="1363480"/>
-        </a:xfrm>
-        <a:prstGeom prst="rect">
-          <a:avLst/>
-        </a:prstGeom>
-        <a:noFill/>
-        <a:ln>
-          <a:noFill/>
-        </a:ln>
-        <a:effectLst/>
-      </dsp:spPr>
-      <dsp:style>
-        <a:lnRef idx="0">
-          <a:scrgbClr r="0" g="0" b="0"/>
-        </a:lnRef>
-        <a:fillRef idx="0">
-          <a:scrgbClr r="0" g="0" b="0"/>
-        </a:fillRef>
-        <a:effectRef idx="0">
-          <a:scrgbClr r="0" g="0" b="0"/>
-        </a:effectRef>
-        <a:fontRef idx="minor"/>
-      </dsp:style>
       <dsp:txBody>
-        <a:bodyPr spcFirstLastPara="0" vert="horz" wrap="square" lIns="129540" tIns="129540" rIns="129540" bIns="129540" numCol="1" spcCol="1270" anchor="t" anchorCtr="0">
+        <a:bodyPr spcFirstLastPara="0" vert="horz" wrap="square" lIns="118110" tIns="118110" rIns="118110" bIns="118110" numCol="1" spcCol="1270" anchor="ctr" anchorCtr="0">
           <a:noAutofit/>
         </a:bodyPr>
         <a:lstStyle/>
         <a:p>
-          <a:pPr marL="0" lvl="0" indent="0" algn="l" defTabSz="1511300">
+          <a:pPr marL="0" lvl="0" indent="0" algn="l" defTabSz="1377950">
             <a:lnSpc>
               <a:spcPct val="90000"/>
             </a:lnSpc>
@@ -3536,73 +3673,43 @@
             <a:buNone/>
           </a:pPr>
           <a:r>
-            <a:rPr lang="en-US" sz="3400" kern="1200"/>
-            <a:t>Higher resolution occupancy grid</a:t>
+            <a:rPr lang="en-US" sz="3100" kern="1200" dirty="0"/>
+            <a:t>Each bumper causing the robot to react differently</a:t>
           </a:r>
         </a:p>
       </dsp:txBody>
       <dsp:txXfrm>
-        <a:off x="0" y="1363480"/>
-        <a:ext cx="6666833" cy="1363480"/>
+        <a:off x="83216" y="1957830"/>
+        <a:ext cx="6500401" cy="1538258"/>
       </dsp:txXfrm>
     </dsp:sp>
-    <dsp:sp modelId="{A61DF304-BEE3-4D35-90DA-D2D13B64CB0F}">
+    <dsp:sp modelId="{3CE97CA5-E12D-439D-8CE0-E13A905AA07E}">
       <dsp:nvSpPr>
         <dsp:cNvPr id="0" name=""/>
         <dsp:cNvSpPr/>
       </dsp:nvSpPr>
       <dsp:spPr>
         <a:xfrm>
-          <a:off x="0" y="2726960"/>
-          <a:ext cx="6666833" cy="0"/>
+          <a:off x="0" y="3668585"/>
+          <a:ext cx="6666833" cy="1704690"/>
         </a:xfrm>
-        <a:prstGeom prst="line">
+        <a:prstGeom prst="roundRect">
           <a:avLst/>
         </a:prstGeom>
-        <a:gradFill rotWithShape="0">
-          <a:gsLst>
-            <a:gs pos="0">
-              <a:schemeClr val="accent2">
-                <a:hueOff val="4295743"/>
-                <a:satOff val="-12329"/>
-                <a:lumOff val="-19739"/>
-                <a:alphaOff val="0"/>
-                <a:satMod val="103000"/>
-                <a:lumMod val="102000"/>
-                <a:tint val="94000"/>
-              </a:schemeClr>
-            </a:gs>
-            <a:gs pos="50000">
-              <a:schemeClr val="accent2">
-                <a:hueOff val="4295743"/>
-                <a:satOff val="-12329"/>
-                <a:lumOff val="-19739"/>
-                <a:alphaOff val="0"/>
-                <a:satMod val="110000"/>
-                <a:lumMod val="100000"/>
-                <a:shade val="100000"/>
-              </a:schemeClr>
-            </a:gs>
-            <a:gs pos="100000">
-              <a:schemeClr val="accent2">
-                <a:hueOff val="4295743"/>
-                <a:satOff val="-12329"/>
-                <a:lumOff val="-19739"/>
-                <a:alphaOff val="0"/>
-                <a:lumMod val="99000"/>
-                <a:satMod val="120000"/>
-                <a:shade val="78000"/>
-              </a:schemeClr>
-            </a:gs>
-          </a:gsLst>
-          <a:lin ang="5400000" scaled="0"/>
-        </a:gradFill>
-        <a:ln w="12700" cap="flat" cmpd="sng" algn="ctr">
+        <a:solidFill>
+          <a:schemeClr val="accent1">
+            <a:hueOff val="0"/>
+            <a:satOff val="0"/>
+            <a:lumOff val="0"/>
+            <a:alphaOff val="0"/>
+          </a:schemeClr>
+        </a:solidFill>
+        <a:ln w="19050" cap="flat" cmpd="sng" algn="ctr">
           <a:solidFill>
-            <a:schemeClr val="accent2">
-              <a:hueOff val="4295743"/>
-              <a:satOff val="-12329"/>
-              <a:lumOff val="-19739"/>
+            <a:schemeClr val="lt1">
+              <a:hueOff val="0"/>
+              <a:satOff val="0"/>
+              <a:lumOff val="0"/>
               <a:alphaOff val="0"/>
             </a:schemeClr>
           </a:solidFill>
@@ -3612,58 +3719,26 @@
         <a:effectLst/>
       </dsp:spPr>
       <dsp:style>
-        <a:lnRef idx="1">
+        <a:lnRef idx="2">
           <a:scrgbClr r="0" g="0" b="0"/>
         </a:lnRef>
-        <a:fillRef idx="3">
+        <a:fillRef idx="1">
           <a:scrgbClr r="0" g="0" b="0"/>
         </a:fillRef>
-        <a:effectRef idx="2">
+        <a:effectRef idx="0">
           <a:scrgbClr r="0" g="0" b="0"/>
         </a:effectRef>
         <a:fontRef idx="minor">
           <a:schemeClr val="lt1"/>
         </a:fontRef>
       </dsp:style>
-    </dsp:sp>
-    <dsp:sp modelId="{943DC9EF-FB80-4F01-B0CF-29182289314B}">
-      <dsp:nvSpPr>
-        <dsp:cNvPr id="0" name=""/>
-        <dsp:cNvSpPr/>
-      </dsp:nvSpPr>
-      <dsp:spPr>
-        <a:xfrm>
-          <a:off x="0" y="2726960"/>
-          <a:ext cx="6666833" cy="1363480"/>
-        </a:xfrm>
-        <a:prstGeom prst="rect">
-          <a:avLst/>
-        </a:prstGeom>
-        <a:noFill/>
-        <a:ln>
-          <a:noFill/>
-        </a:ln>
-        <a:effectLst/>
-      </dsp:spPr>
-      <dsp:style>
-        <a:lnRef idx="0">
-          <a:scrgbClr r="0" g="0" b="0"/>
-        </a:lnRef>
-        <a:fillRef idx="0">
-          <a:scrgbClr r="0" g="0" b="0"/>
-        </a:fillRef>
-        <a:effectRef idx="0">
-          <a:scrgbClr r="0" g="0" b="0"/>
-        </a:effectRef>
-        <a:fontRef idx="minor"/>
-      </dsp:style>
       <dsp:txBody>
-        <a:bodyPr spcFirstLastPara="0" vert="horz" wrap="square" lIns="129540" tIns="129540" rIns="129540" bIns="129540" numCol="1" spcCol="1270" anchor="t" anchorCtr="0">
+        <a:bodyPr spcFirstLastPara="0" vert="horz" wrap="square" lIns="118110" tIns="118110" rIns="118110" bIns="118110" numCol="1" spcCol="1270" anchor="ctr" anchorCtr="0">
           <a:noAutofit/>
         </a:bodyPr>
         <a:lstStyle/>
         <a:p>
-          <a:pPr marL="0" lvl="0" indent="0" algn="l" defTabSz="1511300">
+          <a:pPr marL="0" lvl="0" indent="0" algn="l" defTabSz="1377950">
             <a:lnSpc>
               <a:spcPct val="90000"/>
             </a:lnSpc>
@@ -3676,154 +3751,14 @@
             <a:buNone/>
           </a:pPr>
           <a:r>
-            <a:rPr lang="en-US" sz="3400" kern="1200"/>
-            <a:t>Calculating location of objects with side sensors after each move</a:t>
+            <a:rPr lang="en-US" sz="3100" kern="1200" dirty="0"/>
+            <a:t>Higher resolution occupancy grid</a:t>
           </a:r>
         </a:p>
       </dsp:txBody>
       <dsp:txXfrm>
-        <a:off x="0" y="2726960"/>
-        <a:ext cx="6666833" cy="1363480"/>
-      </dsp:txXfrm>
-    </dsp:sp>
-    <dsp:sp modelId="{3660A6F9-C160-4AF1-B69A-65EE58A7A7E1}">
-      <dsp:nvSpPr>
-        <dsp:cNvPr id="0" name=""/>
-        <dsp:cNvSpPr/>
-      </dsp:nvSpPr>
-      <dsp:spPr>
-        <a:xfrm>
-          <a:off x="0" y="4090440"/>
-          <a:ext cx="6666833" cy="0"/>
-        </a:xfrm>
-        <a:prstGeom prst="line">
-          <a:avLst/>
-        </a:prstGeom>
-        <a:gradFill rotWithShape="0">
-          <a:gsLst>
-            <a:gs pos="0">
-              <a:schemeClr val="accent2">
-                <a:hueOff val="6443614"/>
-                <a:satOff val="-18493"/>
-                <a:lumOff val="-29609"/>
-                <a:alphaOff val="0"/>
-                <a:satMod val="103000"/>
-                <a:lumMod val="102000"/>
-                <a:tint val="94000"/>
-              </a:schemeClr>
-            </a:gs>
-            <a:gs pos="50000">
-              <a:schemeClr val="accent2">
-                <a:hueOff val="6443614"/>
-                <a:satOff val="-18493"/>
-                <a:lumOff val="-29609"/>
-                <a:alphaOff val="0"/>
-                <a:satMod val="110000"/>
-                <a:lumMod val="100000"/>
-                <a:shade val="100000"/>
-              </a:schemeClr>
-            </a:gs>
-            <a:gs pos="100000">
-              <a:schemeClr val="accent2">
-                <a:hueOff val="6443614"/>
-                <a:satOff val="-18493"/>
-                <a:lumOff val="-29609"/>
-                <a:alphaOff val="0"/>
-                <a:lumMod val="99000"/>
-                <a:satMod val="120000"/>
-                <a:shade val="78000"/>
-              </a:schemeClr>
-            </a:gs>
-          </a:gsLst>
-          <a:lin ang="5400000" scaled="0"/>
-        </a:gradFill>
-        <a:ln w="12700" cap="flat" cmpd="sng" algn="ctr">
-          <a:solidFill>
-            <a:schemeClr val="accent2">
-              <a:hueOff val="6443614"/>
-              <a:satOff val="-18493"/>
-              <a:lumOff val="-29609"/>
-              <a:alphaOff val="0"/>
-            </a:schemeClr>
-          </a:solidFill>
-          <a:prstDash val="solid"/>
-          <a:miter lim="800000"/>
-        </a:ln>
-        <a:effectLst/>
-      </dsp:spPr>
-      <dsp:style>
-        <a:lnRef idx="1">
-          <a:scrgbClr r="0" g="0" b="0"/>
-        </a:lnRef>
-        <a:fillRef idx="3">
-          <a:scrgbClr r="0" g="0" b="0"/>
-        </a:fillRef>
-        <a:effectRef idx="2">
-          <a:scrgbClr r="0" g="0" b="0"/>
-        </a:effectRef>
-        <a:fontRef idx="minor">
-          <a:schemeClr val="lt1"/>
-        </a:fontRef>
-      </dsp:style>
-    </dsp:sp>
-    <dsp:sp modelId="{C51DD720-3EB6-4B90-B1BD-38112D8A62B7}">
-      <dsp:nvSpPr>
-        <dsp:cNvPr id="0" name=""/>
-        <dsp:cNvSpPr/>
-      </dsp:nvSpPr>
-      <dsp:spPr>
-        <a:xfrm>
-          <a:off x="0" y="4090440"/>
-          <a:ext cx="6666833" cy="1363480"/>
-        </a:xfrm>
-        <a:prstGeom prst="rect">
-          <a:avLst/>
-        </a:prstGeom>
-        <a:noFill/>
-        <a:ln>
-          <a:noFill/>
-        </a:ln>
-        <a:effectLst/>
-      </dsp:spPr>
-      <dsp:style>
-        <a:lnRef idx="0">
-          <a:scrgbClr r="0" g="0" b="0"/>
-        </a:lnRef>
-        <a:fillRef idx="0">
-          <a:scrgbClr r="0" g="0" b="0"/>
-        </a:fillRef>
-        <a:effectRef idx="0">
-          <a:scrgbClr r="0" g="0" b="0"/>
-        </a:effectRef>
-        <a:fontRef idx="minor"/>
-      </dsp:style>
-      <dsp:txBody>
-        <a:bodyPr spcFirstLastPara="0" vert="horz" wrap="square" lIns="129540" tIns="129540" rIns="129540" bIns="129540" numCol="1" spcCol="1270" anchor="t" anchorCtr="0">
-          <a:noAutofit/>
-        </a:bodyPr>
-        <a:lstStyle/>
-        <a:p>
-          <a:pPr marL="0" lvl="0" indent="0" algn="l" defTabSz="1511300">
-            <a:lnSpc>
-              <a:spcPct val="90000"/>
-            </a:lnSpc>
-            <a:spcBef>
-              <a:spcPct val="0"/>
-            </a:spcBef>
-            <a:spcAft>
-              <a:spcPct val="35000"/>
-            </a:spcAft>
-            <a:buNone/>
-          </a:pPr>
-          <a:r>
-            <a:rPr lang="en-US" sz="3400" kern="1200"/>
-            <a:t>Each bumper causing the robot to react differently</a:t>
-          </a:r>
-        </a:p>
-      </dsp:txBody>
-      <dsp:txXfrm>
-        <a:off x="0" y="4090440"/>
-        <a:ext cx="6666833" cy="1363480"/>
+        <a:off x="83216" y="3751801"/>
+        <a:ext cx="6500401" cy="1538258"/>
       </dsp:txXfrm>
     </dsp:sp>
   </dsp:spTree>
@@ -3998,12 +3933,12 @@
 </file>
 
 <file path=ppt/diagrams/layout2.xml><?xml version="1.0" encoding="utf-8"?>
-<dgm:layoutDef xmlns:dgm="http://schemas.openxmlformats.org/drawingml/2006/diagram" xmlns:a="http://schemas.openxmlformats.org/drawingml/2006/main" uniqueId="urn:microsoft.com/office/officeart/2008/layout/LinedList">
+<dgm:layoutDef xmlns:dgm="http://schemas.openxmlformats.org/drawingml/2006/diagram" xmlns:a="http://schemas.openxmlformats.org/drawingml/2006/main" uniqueId="urn:microsoft.com/office/officeart/2005/8/layout/vList2">
   <dgm:title val=""/>
   <dgm:desc val=""/>
   <dgm:catLst>
-    <dgm:cat type="hierarchy" pri="8000"/>
-    <dgm:cat type="list" pri="2500"/>
+    <dgm:cat type="list" pri="3000"/>
+    <dgm:cat type="convert" pri="1000"/>
   </dgm:catLst>
   <dgm:sampData>
     <dgm:dataModel>
@@ -4015,18 +3950,18 @@
         <dgm:pt modelId="11">
           <dgm:prSet phldr="1"/>
         </dgm:pt>
-        <dgm:pt modelId="12">
+        <dgm:pt modelId="2">
           <dgm:prSet phldr="1"/>
         </dgm:pt>
-        <dgm:pt modelId="13">
+        <dgm:pt modelId="21">
           <dgm:prSet phldr="1"/>
         </dgm:pt>
       </dgm:ptLst>
       <dgm:cxnLst>
-        <dgm:cxn modelId="2" srcId="0" destId="1" srcOrd="0" destOrd="0"/>
-        <dgm:cxn modelId="3" srcId="1" destId="11" srcOrd="0" destOrd="0"/>
-        <dgm:cxn modelId="4" srcId="1" destId="12" srcOrd="1" destOrd="0"/>
-        <dgm:cxn modelId="5" srcId="1" destId="13" srcOrd="2" destOrd="0"/>
+        <dgm:cxn modelId="4" srcId="0" destId="1" srcOrd="0" destOrd="0"/>
+        <dgm:cxn modelId="5" srcId="0" destId="2" srcOrd="1" destOrd="0"/>
+        <dgm:cxn modelId="12" srcId="1" destId="11" srcOrd="0" destOrd="0"/>
+        <dgm:cxn modelId="23" srcId="2" destId="21" srcOrd="0" destOrd="0"/>
       </dgm:cxnLst>
       <dgm:bg/>
       <dgm:whole/>
@@ -4036,20 +3971,12 @@
     <dgm:dataModel>
       <dgm:ptLst>
         <dgm:pt modelId="0" type="doc"/>
-        <dgm:pt modelId="1">
-          <dgm:prSet phldr="1"/>
-        </dgm:pt>
-        <dgm:pt modelId="11">
-          <dgm:prSet phldr="1"/>
-        </dgm:pt>
-        <dgm:pt modelId="12">
-          <dgm:prSet phldr="1"/>
-        </dgm:pt>
+        <dgm:pt modelId="1"/>
+        <dgm:pt modelId="2"/>
       </dgm:ptLst>
       <dgm:cxnLst>
-        <dgm:cxn modelId="2" srcId="0" destId="1" srcOrd="0" destOrd="0"/>
-        <dgm:cxn modelId="3" srcId="1" destId="11" srcOrd="0" destOrd="0"/>
-        <dgm:cxn modelId="4" srcId="1" destId="12" srcOrd="1" destOrd="0"/>
+        <dgm:cxn modelId="3" srcId="0" destId="1" srcOrd="0" destOrd="0"/>
+        <dgm:cxn modelId="4" srcId="0" destId="2" srcOrd="1" destOrd="0"/>
       </dgm:cxnLst>
       <dgm:bg/>
       <dgm:whole/>
@@ -4059,405 +3986,114 @@
     <dgm:dataModel>
       <dgm:ptLst>
         <dgm:pt modelId="0" type="doc"/>
-        <dgm:pt modelId="1">
-          <dgm:prSet phldr="1"/>
-        </dgm:pt>
-        <dgm:pt modelId="11">
-          <dgm:prSet phldr="1"/>
-        </dgm:pt>
-        <dgm:pt modelId="12">
-          <dgm:prSet phldr="1"/>
-        </dgm:pt>
+        <dgm:pt modelId="1"/>
+        <dgm:pt modelId="2"/>
+        <dgm:pt modelId="3"/>
+        <dgm:pt modelId="4"/>
       </dgm:ptLst>
       <dgm:cxnLst>
-        <dgm:cxn modelId="2" srcId="0" destId="1" srcOrd="0" destOrd="0"/>
-        <dgm:cxn modelId="3" srcId="1" destId="11" srcOrd="0" destOrd="0"/>
-        <dgm:cxn modelId="4" srcId="1" destId="12" srcOrd="1" destOrd="0"/>
+        <dgm:cxn modelId="5" srcId="0" destId="1" srcOrd="0" destOrd="0"/>
+        <dgm:cxn modelId="6" srcId="0" destId="2" srcOrd="1" destOrd="0"/>
+        <dgm:cxn modelId="7" srcId="0" destId="3" srcOrd="2" destOrd="0"/>
+        <dgm:cxn modelId="8" srcId="0" destId="4" srcOrd="3" destOrd="0"/>
       </dgm:cxnLst>
       <dgm:bg/>
       <dgm:whole/>
     </dgm:dataModel>
   </dgm:clrData>
-  <dgm:layoutNode name="vert0">
+  <dgm:layoutNode name="linear">
     <dgm:varLst>
-      <dgm:dir/>
-      <dgm:animOne val="branch"/>
       <dgm:animLvl val="lvl"/>
+      <dgm:resizeHandles val="exact"/>
     </dgm:varLst>
-    <dgm:choose name="Name0">
-      <dgm:if name="Name1" func="var" arg="dir" op="equ" val="norm">
-        <dgm:alg type="lin">
-          <dgm:param type="linDir" val="fromT"/>
-          <dgm:param type="nodeHorzAlign" val="l"/>
-        </dgm:alg>
-      </dgm:if>
-      <dgm:else name="Name2">
-        <dgm:alg type="lin">
-          <dgm:param type="linDir" val="fromT"/>
-          <dgm:param type="nodeHorzAlign" val="r"/>
-        </dgm:alg>
-      </dgm:else>
-    </dgm:choose>
+    <dgm:alg type="lin">
+      <dgm:param type="linDir" val="fromT"/>
+      <dgm:param type="vertAlign" val="mid"/>
+    </dgm:alg>
     <dgm:shape xmlns:r="http://schemas.openxmlformats.org/officeDocument/2006/relationships" r:blip="">
       <dgm:adjLst/>
     </dgm:shape>
     <dgm:presOf/>
     <dgm:constrLst>
-      <dgm:constr type="w" for="ch" forName="horz1" refType="w"/>
-      <dgm:constr type="h" for="ch" forName="horz1" refType="h"/>
-      <dgm:constr type="h" for="des" forName="vert1" refType="h"/>
-      <dgm:constr type="h" for="des" forName="tx1" refType="h"/>
-      <dgm:constr type="h" for="des" forName="horz2" refType="h"/>
-      <dgm:constr type="h" for="des" forName="vert2" refType="h"/>
-      <dgm:constr type="h" for="des" forName="horz3" refType="h"/>
-      <dgm:constr type="h" for="des" forName="vert3" refType="h"/>
-      <dgm:constr type="h" for="des" forName="horz4" refType="h"/>
-      <dgm:constr type="h" for="des" ptType="node" refType="h"/>
-      <dgm:constr type="primFontSz" for="des" forName="tx1" op="equ" val="65"/>
-      <dgm:constr type="primFontSz" for="des" forName="tx2" op="equ" val="65"/>
-      <dgm:constr type="primFontSz" for="des" forName="tx3" op="equ" val="65"/>
-      <dgm:constr type="primFontSz" for="des" forName="tx4" op="equ" val="65"/>
-      <dgm:constr type="w" for="des" forName="thickLine" refType="w"/>
-      <dgm:constr type="h" for="des" forName="thickLine"/>
-      <dgm:constr type="h" for="des" forName="thinLine1"/>
-      <dgm:constr type="h" for="des" forName="thinLine2b"/>
-      <dgm:constr type="h" for="des" forName="thinLine3"/>
-      <dgm:constr type="h" for="des" forName="vertSpace2a" refType="h" fact="0.05"/>
-      <dgm:constr type="h" for="des" forName="vertSpace2b" refType="h" refFor="des" refForName="vertSpace2a"/>
+      <dgm:constr type="w" for="ch" forName="parentText" refType="w"/>
+      <dgm:constr type="h" for="ch" forName="parentText" refType="primFontSz" refFor="ch" refForName="parentText" fact="0.52"/>
+      <dgm:constr type="w" for="ch" forName="childText" refType="w"/>
+      <dgm:constr type="h" for="ch" forName="childText" refType="primFontSz" refFor="ch" refForName="parentText" fact="0.46"/>
+      <dgm:constr type="h" for="ch" forName="parentText" op="equ"/>
+      <dgm:constr type="primFontSz" for="ch" forName="parentText" op="equ" val="65"/>
+      <dgm:constr type="primFontSz" for="ch" forName="childText" refType="primFontSz" refFor="ch" refForName="parentText" op="equ"/>
+      <dgm:constr type="h" for="ch" forName="spacer" refType="primFontSz" refFor="ch" refForName="parentText" fact="0.08"/>
     </dgm:constrLst>
-    <dgm:forEach name="Name3" axis="ch" ptType="node">
-      <dgm:layoutNode name="thickLine" styleLbl="alignNode1">
-        <dgm:alg type="sp"/>
-        <dgm:shape xmlns:r="http://schemas.openxmlformats.org/officeDocument/2006/relationships" type="line" r:blip="">
+    <dgm:ruleLst>
+      <dgm:rule type="primFontSz" for="ch" forName="parentText" val="5" fact="NaN" max="NaN"/>
+    </dgm:ruleLst>
+    <dgm:forEach name="Name0" axis="ch" ptType="node">
+      <dgm:layoutNode name="parentText" styleLbl="node1">
+        <dgm:varLst>
+          <dgm:chMax val="0"/>
+          <dgm:bulletEnabled val="1"/>
+        </dgm:varLst>
+        <dgm:alg type="tx">
+          <dgm:param type="parTxLTRAlign" val="l"/>
+          <dgm:param type="parTxRTLAlign" val="r"/>
+        </dgm:alg>
+        <dgm:shape xmlns:r="http://schemas.openxmlformats.org/officeDocument/2006/relationships" type="roundRect" r:blip="">
           <dgm:adjLst/>
         </dgm:shape>
-        <dgm:presOf/>
+        <dgm:presOf axis="self"/>
+        <dgm:constrLst>
+          <dgm:constr type="tMarg" refType="primFontSz" fact="0.3"/>
+          <dgm:constr type="bMarg" refType="primFontSz" fact="0.3"/>
+          <dgm:constr type="lMarg" refType="primFontSz" fact="0.3"/>
+          <dgm:constr type="rMarg" refType="primFontSz" fact="0.3"/>
+        </dgm:constrLst>
+        <dgm:ruleLst>
+          <dgm:rule type="h" val="INF" fact="NaN" max="NaN"/>
+        </dgm:ruleLst>
       </dgm:layoutNode>
-      <dgm:layoutNode name="horz1">
-        <dgm:choose name="Name4">
-          <dgm:if name="Name5" func="var" arg="dir" op="equ" val="norm">
-            <dgm:alg type="lin">
-              <dgm:param type="linDir" val="fromL"/>
-              <dgm:param type="nodeVertAlign" val="t"/>
+      <dgm:choose name="Name1">
+        <dgm:if name="Name2" axis="ch" ptType="node" func="cnt" op="gte" val="1">
+          <dgm:layoutNode name="childText" styleLbl="revTx">
+            <dgm:varLst>
+              <dgm:bulletEnabled val="1"/>
+            </dgm:varLst>
+            <dgm:alg type="tx">
+              <dgm:param type="stBulletLvl" val="1"/>
+              <dgm:param type="lnSpAfChP" val="20"/>
             </dgm:alg>
-          </dgm:if>
-          <dgm:else name="Name6">
-            <dgm:alg type="lin">
-              <dgm:param type="linDir" val="fromR"/>
-              <dgm:param type="nodeVertAlign" val="t"/>
-            </dgm:alg>
-          </dgm:else>
-        </dgm:choose>
-        <dgm:shape xmlns:r="http://schemas.openxmlformats.org/officeDocument/2006/relationships" r:blip="">
-          <dgm:adjLst/>
-        </dgm:shape>
-        <dgm:presOf/>
-        <dgm:choose name="Name7">
-          <dgm:if name="Name8" axis="root des" func="maxDepth" op="equ" val="1">
+            <dgm:shape xmlns:r="http://schemas.openxmlformats.org/officeDocument/2006/relationships" type="rect" r:blip="">
+              <dgm:adjLst/>
+            </dgm:shape>
+            <dgm:presOf axis="des" ptType="node"/>
             <dgm:constrLst>
-              <dgm:constr type="w" for="ch" forName="tx1" refType="w"/>
+              <dgm:constr type="tMarg" refType="primFontSz" fact="0.1"/>
+              <dgm:constr type="bMarg" refType="primFontSz" fact="0.1"/>
+              <dgm:constr type="lMarg" refType="w" fact="0.09"/>
             </dgm:constrLst>
-          </dgm:if>
-          <dgm:if name="Name9" axis="root des" func="maxDepth" op="equ" val="2">
-            <dgm:constrLst>
-              <dgm:constr type="w" for="ch" forName="tx1" refType="w" fact="0.2"/>
-              <dgm:constr type="w" for="des" forName="tx2" refType="w" fact="0.785"/>
-              <dgm:constr type="w" for="des" forName="horzSpace2" refType="w" fact="0.015"/>
-              <dgm:constr type="w" for="des" forName="thinLine2b" refType="w" fact="0.8"/>
-            </dgm:constrLst>
-          </dgm:if>
-          <dgm:if name="Name10" axis="root des" func="maxDepth" op="equ" val="3">
-            <dgm:constrLst>
-              <dgm:constr type="w" for="ch" forName="tx1" refType="w" fact="0.2"/>
-              <dgm:constr type="w" for="des" forName="tx2" refType="w" fact="0.385"/>
-              <dgm:constr type="w" for="des" forName="tx3" refType="w" fact="0.385"/>
-              <dgm:constr type="w" for="des" forName="horzSpace2" refType="w" fact="0.015"/>
-              <dgm:constr type="w" for="des" forName="horzSpace3" refType="w" fact="0.015"/>
-              <dgm:constr type="w" for="des" forName="thinLine2b" refType="w" fact="0.8"/>
-              <dgm:constr type="w" for="des" forName="thinLine3" refType="w" fact="0.385"/>
-            </dgm:constrLst>
-          </dgm:if>
-          <dgm:if name="Name11" axis="root des" func="maxDepth" op="gte" val="4">
-            <dgm:constrLst>
-              <dgm:constr type="w" for="ch" forName="tx1" refType="w" fact="0.2"/>
-              <dgm:constr type="w" for="des" forName="tx2" refType="w" fact="0.2516"/>
-              <dgm:constr type="w" for="des" forName="tx3" refType="w" fact="0.2516"/>
-              <dgm:constr type="w" for="des" forName="tx4" refType="w" fact="0.2516"/>
-              <dgm:constr type="w" for="des" forName="horzSpace2" refType="w" fact="0.015"/>
-              <dgm:constr type="w" for="des" forName="horzSpace3" refType="w" fact="0.015"/>
-              <dgm:constr type="w" for="des" forName="horzSpace4" refType="w" fact="0.015"/>
-              <dgm:constr type="w" for="des" forName="thinLine2b" refType="w" fact="0.8"/>
-              <dgm:constr type="w" for="des" forName="thinLine3" refType="w" fact="0.5332"/>
-            </dgm:constrLst>
-          </dgm:if>
-          <dgm:else name="Name12"/>
-        </dgm:choose>
-        <dgm:layoutNode name="tx1" styleLbl="revTx">
-          <dgm:alg type="tx">
-            <dgm:param type="parTxLTRAlign" val="l"/>
-            <dgm:param type="parTxRTLAlign" val="r"/>
-            <dgm:param type="txAnchorVert" val="t"/>
-          </dgm:alg>
-          <dgm:shape xmlns:r="http://schemas.openxmlformats.org/officeDocument/2006/relationships" type="rect" r:blip="">
-            <dgm:adjLst/>
-          </dgm:shape>
-          <dgm:presOf axis="self"/>
-          <dgm:constrLst>
-            <dgm:constr type="tMarg" refType="primFontSz" fact="0.3"/>
-            <dgm:constr type="bMarg" refType="primFontSz" fact="0.3"/>
-            <dgm:constr type="lMarg" refType="primFontSz" fact="0.3"/>
-            <dgm:constr type="rMarg" refType="primFontSz" fact="0.3"/>
-          </dgm:constrLst>
-          <dgm:ruleLst>
-            <dgm:rule type="primFontSz" val="5" fact="NaN" max="NaN"/>
-          </dgm:ruleLst>
-        </dgm:layoutNode>
-        <dgm:layoutNode name="vert1">
-          <dgm:choose name="Name13">
-            <dgm:if name="Name14" func="var" arg="dir" op="equ" val="norm">
-              <dgm:alg type="lin">
-                <dgm:param type="linDir" val="fromT"/>
-                <dgm:param type="nodeHorzAlign" val="l"/>
-              </dgm:alg>
-            </dgm:if>
-            <dgm:else name="Name15">
-              <dgm:alg type="lin">
-                <dgm:param type="linDir" val="fromT"/>
-                <dgm:param type="nodeHorzAlign" val="r"/>
-              </dgm:alg>
-            </dgm:else>
-          </dgm:choose>
-          <dgm:shape xmlns:r="http://schemas.openxmlformats.org/officeDocument/2006/relationships" r:blip="">
-            <dgm:adjLst/>
-          </dgm:shape>
-          <dgm:presOf/>
-          <dgm:forEach name="Name16" axis="ch" ptType="node">
-            <dgm:choose name="Name17">
-              <dgm:if name="Name18" axis="self" ptType="node" func="pos" op="equ" val="1">
-                <dgm:layoutNode name="vertSpace2a">
+            <dgm:ruleLst>
+              <dgm:rule type="h" val="INF" fact="NaN" max="NaN"/>
+            </dgm:ruleLst>
+          </dgm:layoutNode>
+        </dgm:if>
+        <dgm:else name="Name3">
+          <dgm:choose name="Name4">
+            <dgm:if name="Name5" axis="par ch" ptType="doc node" func="cnt" op="gte" val="2">
+              <dgm:forEach name="Name6" axis="followSib" ptType="sibTrans" cnt="1">
+                <dgm:layoutNode name="spacer">
                   <dgm:alg type="sp"/>
                   <dgm:shape xmlns:r="http://schemas.openxmlformats.org/officeDocument/2006/relationships" r:blip="">
                     <dgm:adjLst/>
                   </dgm:shape>
                   <dgm:presOf/>
+                  <dgm:constrLst/>
+                  <dgm:ruleLst/>
                 </dgm:layoutNode>
-              </dgm:if>
-              <dgm:else name="Name19"/>
-            </dgm:choose>
-            <dgm:layoutNode name="horz2">
-              <dgm:choose name="Name20">
-                <dgm:if name="Name21" func="var" arg="dir" op="equ" val="norm">
-                  <dgm:alg type="lin">
-                    <dgm:param type="linDir" val="fromL"/>
-                    <dgm:param type="nodeVertAlign" val="t"/>
-                  </dgm:alg>
-                </dgm:if>
-                <dgm:else name="Name22">
-                  <dgm:alg type="lin">
-                    <dgm:param type="linDir" val="fromR"/>
-                    <dgm:param type="nodeVertAlign" val="t"/>
-                  </dgm:alg>
-                </dgm:else>
-              </dgm:choose>
-              <dgm:shape xmlns:r="http://schemas.openxmlformats.org/officeDocument/2006/relationships" r:blip="">
-                <dgm:adjLst/>
-              </dgm:shape>
-              <dgm:presOf/>
-              <dgm:layoutNode name="horzSpace2">
-                <dgm:alg type="sp"/>
-                <dgm:shape xmlns:r="http://schemas.openxmlformats.org/officeDocument/2006/relationships" r:blip="">
-                  <dgm:adjLst/>
-                </dgm:shape>
-                <dgm:presOf/>
-              </dgm:layoutNode>
-              <dgm:layoutNode name="tx2" styleLbl="revTx">
-                <dgm:alg type="tx">
-                  <dgm:param type="parTxLTRAlign" val="l"/>
-                  <dgm:param type="parTxRTLAlign" val="r"/>
-                  <dgm:param type="txAnchorVert" val="t"/>
-                </dgm:alg>
-                <dgm:shape xmlns:r="http://schemas.openxmlformats.org/officeDocument/2006/relationships" type="rect" r:blip="">
-                  <dgm:adjLst/>
-                </dgm:shape>
-                <dgm:presOf axis="self"/>
-                <dgm:constrLst>
-                  <dgm:constr type="tMarg" refType="primFontSz" fact="0.3"/>
-                  <dgm:constr type="bMarg" refType="primFontSz" fact="0.3"/>
-                  <dgm:constr type="lMarg" refType="primFontSz" fact="0.3"/>
-                  <dgm:constr type="rMarg" refType="primFontSz" fact="0.3"/>
-                </dgm:constrLst>
-                <dgm:ruleLst>
-                  <dgm:rule type="primFontSz" val="5" fact="NaN" max="NaN"/>
-                </dgm:ruleLst>
-              </dgm:layoutNode>
-              <dgm:layoutNode name="vert2">
-                <dgm:choose name="Name23">
-                  <dgm:if name="Name24" func="var" arg="dir" op="equ" val="norm">
-                    <dgm:alg type="lin">
-                      <dgm:param type="linDir" val="fromT"/>
-                      <dgm:param type="nodeHorzAlign" val="l"/>
-                    </dgm:alg>
-                  </dgm:if>
-                  <dgm:else name="Name25">
-                    <dgm:alg type="lin">
-                      <dgm:param type="linDir" val="fromT"/>
-                      <dgm:param type="nodeHorzAlign" val="r"/>
-                    </dgm:alg>
-                  </dgm:else>
-                </dgm:choose>
-                <dgm:shape xmlns:r="http://schemas.openxmlformats.org/officeDocument/2006/relationships" r:blip="">
-                  <dgm:adjLst/>
-                </dgm:shape>
-                <dgm:presOf/>
-                <dgm:forEach name="Name26" axis="ch" ptType="node">
-                  <dgm:layoutNode name="horz3">
-                    <dgm:choose name="Name27">
-                      <dgm:if name="Name28" func="var" arg="dir" op="equ" val="norm">
-                        <dgm:alg type="lin">
-                          <dgm:param type="linDir" val="fromL"/>
-                          <dgm:param type="nodeVertAlign" val="t"/>
-                        </dgm:alg>
-                      </dgm:if>
-                      <dgm:else name="Name29">
-                        <dgm:alg type="lin">
-                          <dgm:param type="linDir" val="fromR"/>
-                          <dgm:param type="nodeVertAlign" val="t"/>
-                        </dgm:alg>
-                      </dgm:else>
-                    </dgm:choose>
-                    <dgm:shape xmlns:r="http://schemas.openxmlformats.org/officeDocument/2006/relationships" r:blip="">
-                      <dgm:adjLst/>
-                    </dgm:shape>
-                    <dgm:presOf/>
-                    <dgm:layoutNode name="horzSpace3">
-                      <dgm:alg type="sp"/>
-                      <dgm:shape xmlns:r="http://schemas.openxmlformats.org/officeDocument/2006/relationships" r:blip="">
-                        <dgm:adjLst/>
-                      </dgm:shape>
-                      <dgm:presOf/>
-                    </dgm:layoutNode>
-                    <dgm:layoutNode name="tx3" styleLbl="revTx">
-                      <dgm:alg type="tx">
-                        <dgm:param type="parTxLTRAlign" val="l"/>
-                        <dgm:param type="parTxRTLAlign" val="r"/>
-                        <dgm:param type="txAnchorVert" val="t"/>
-                      </dgm:alg>
-                      <dgm:shape xmlns:r="http://schemas.openxmlformats.org/officeDocument/2006/relationships" type="rect" r:blip="">
-                        <dgm:adjLst/>
-                      </dgm:shape>
-                      <dgm:presOf axis="self"/>
-                      <dgm:constrLst>
-                        <dgm:constr type="tMarg" refType="primFontSz" fact="0.3"/>
-                        <dgm:constr type="bMarg" refType="primFontSz" fact="0.3"/>
-                        <dgm:constr type="lMarg" refType="primFontSz" fact="0.3"/>
-                        <dgm:constr type="rMarg" refType="primFontSz" fact="0.3"/>
-                      </dgm:constrLst>
-                      <dgm:ruleLst>
-                        <dgm:rule type="primFontSz" val="5" fact="NaN" max="NaN"/>
-                      </dgm:ruleLst>
-                    </dgm:layoutNode>
-                    <dgm:layoutNode name="vert3">
-                      <dgm:choose name="Name30">
-                        <dgm:if name="Name31" func="var" arg="dir" op="equ" val="norm">
-                          <dgm:alg type="lin">
-                            <dgm:param type="linDir" val="fromT"/>
-                            <dgm:param type="nodeHorzAlign" val="l"/>
-                          </dgm:alg>
-                        </dgm:if>
-                        <dgm:else name="Name32">
-                          <dgm:alg type="lin">
-                            <dgm:param type="linDir" val="fromT"/>
-                            <dgm:param type="nodeHorzAlign" val="r"/>
-                          </dgm:alg>
-                        </dgm:else>
-                      </dgm:choose>
-                      <dgm:shape xmlns:r="http://schemas.openxmlformats.org/officeDocument/2006/relationships" r:blip="">
-                        <dgm:adjLst/>
-                      </dgm:shape>
-                      <dgm:presOf/>
-                      <dgm:forEach name="Name33" axis="ch" ptType="node">
-                        <dgm:layoutNode name="horz4">
-                          <dgm:choose name="Name34">
-                            <dgm:if name="Name35" func="var" arg="dir" op="equ" val="norm">
-                              <dgm:alg type="lin">
-                                <dgm:param type="linDir" val="fromL"/>
-                                <dgm:param type="nodeVertAlign" val="t"/>
-                              </dgm:alg>
-                            </dgm:if>
-                            <dgm:else name="Name36">
-                              <dgm:alg type="lin">
-                                <dgm:param type="linDir" val="fromR"/>
-                                <dgm:param type="nodeVertAlign" val="t"/>
-                              </dgm:alg>
-                            </dgm:else>
-                          </dgm:choose>
-                          <dgm:shape xmlns:r="http://schemas.openxmlformats.org/officeDocument/2006/relationships" r:blip="">
-                            <dgm:adjLst/>
-                          </dgm:shape>
-                          <dgm:presOf/>
-                          <dgm:layoutNode name="horzSpace4">
-                            <dgm:alg type="sp"/>
-                            <dgm:shape xmlns:r="http://schemas.openxmlformats.org/officeDocument/2006/relationships" r:blip="">
-                              <dgm:adjLst/>
-                            </dgm:shape>
-                            <dgm:presOf/>
-                          </dgm:layoutNode>
-                          <dgm:layoutNode name="tx4" styleLbl="revTx">
-                            <dgm:varLst>
-                              <dgm:bulletEnabled val="1"/>
-                            </dgm:varLst>
-                            <dgm:alg type="tx">
-                              <dgm:param type="parTxLTRAlign" val="l"/>
-                              <dgm:param type="parTxRTLAlign" val="r"/>
-                              <dgm:param type="txAnchorVert" val="t"/>
-                            </dgm:alg>
-                            <dgm:shape xmlns:r="http://schemas.openxmlformats.org/officeDocument/2006/relationships" type="rect" r:blip="">
-                              <dgm:adjLst/>
-                            </dgm:shape>
-                            <dgm:presOf axis="desOrSelf" ptType="node"/>
-                            <dgm:constrLst>
-                              <dgm:constr type="tMarg" refType="primFontSz" fact="0.3"/>
-                              <dgm:constr type="bMarg" refType="primFontSz" fact="0.3"/>
-                              <dgm:constr type="lMarg" refType="primFontSz" fact="0.3"/>
-                              <dgm:constr type="rMarg" refType="primFontSz" fact="0.3"/>
-                            </dgm:constrLst>
-                            <dgm:ruleLst>
-                              <dgm:rule type="primFontSz" val="5" fact="NaN" max="NaN"/>
-                            </dgm:ruleLst>
-                          </dgm:layoutNode>
-                        </dgm:layoutNode>
-                      </dgm:forEach>
-                    </dgm:layoutNode>
-                  </dgm:layoutNode>
-                  <dgm:forEach name="Name37" axis="followSib" ptType="sibTrans" cnt="1">
-                    <dgm:layoutNode name="thinLine3" styleLbl="callout">
-                      <dgm:alg type="sp"/>
-                      <dgm:shape xmlns:r="http://schemas.openxmlformats.org/officeDocument/2006/relationships" type="line" r:blip="">
-                        <dgm:adjLst/>
-                      </dgm:shape>
-                      <dgm:presOf/>
-                    </dgm:layoutNode>
-                  </dgm:forEach>
-                </dgm:forEach>
-              </dgm:layoutNode>
-            </dgm:layoutNode>
-            <dgm:layoutNode name="thinLine2b" styleLbl="callout">
-              <dgm:alg type="sp"/>
-              <dgm:shape xmlns:r="http://schemas.openxmlformats.org/officeDocument/2006/relationships" type="line" r:blip="">
-                <dgm:adjLst/>
-              </dgm:shape>
-              <dgm:presOf/>
-            </dgm:layoutNode>
-            <dgm:layoutNode name="vertSpace2b">
-              <dgm:alg type="sp"/>
-              <dgm:shape xmlns:r="http://schemas.openxmlformats.org/officeDocument/2006/relationships" r:blip="">
-                <dgm:adjLst/>
-              </dgm:shape>
-              <dgm:presOf/>
-            </dgm:layoutNode>
-          </dgm:forEach>
-        </dgm:layoutNode>
-      </dgm:layoutNode>
+              </dgm:forEach>
+            </dgm:if>
+            <dgm:else name="Name7"/>
+          </dgm:choose>
+        </dgm:else>
+      </dgm:choose>
     </dgm:forEach>
   </dgm:layoutNode>
 </dgm:layoutDef>
@@ -5498,11 +5134,11 @@
 </file>
 
 <file path=ppt/diagrams/quickStyle2.xml><?xml version="1.0" encoding="utf-8"?>
-<dgm:styleDef xmlns:dgm="http://schemas.openxmlformats.org/drawingml/2006/diagram" xmlns:a="http://schemas.openxmlformats.org/drawingml/2006/main" uniqueId="urn:microsoft.com/office/officeart/2005/8/quickstyle/simple4">
+<dgm:styleDef xmlns:dgm="http://schemas.openxmlformats.org/drawingml/2006/diagram" xmlns:a="http://schemas.openxmlformats.org/drawingml/2006/main" uniqueId="urn:microsoft.com/office/officeart/2005/8/quickstyle/simple1">
   <dgm:title val=""/>
   <dgm:desc val=""/>
   <dgm:catLst>
-    <dgm:cat type="simple" pri="10400"/>
+    <dgm:cat type="simple" pri="10100"/>
   </dgm:catLst>
   <dgm:scene3d>
     <a:camera prst="orthographicFront"/>
@@ -5516,13 +5152,13 @@
     <dgm:sp3d/>
     <dgm:txPr/>
     <dgm:style>
-      <a:lnRef idx="0">
+      <a:lnRef idx="2">
         <a:scrgbClr r="0" g="0" b="0"/>
       </a:lnRef>
-      <a:fillRef idx="3">
+      <a:fillRef idx="1">
         <a:scrgbClr r="0" g="0" b="0"/>
       </a:fillRef>
-      <a:effectRef idx="2">
+      <a:effectRef idx="0">
         <a:scrgbClr r="0" g="0" b="0"/>
       </a:effectRef>
       <a:fontRef idx="minor">
@@ -5538,13 +5174,13 @@
     <dgm:sp3d/>
     <dgm:txPr/>
     <dgm:style>
-      <a:lnRef idx="1">
+      <a:lnRef idx="2">
         <a:scrgbClr r="0" g="0" b="0"/>
       </a:lnRef>
-      <a:fillRef idx="3">
+      <a:fillRef idx="1">
         <a:scrgbClr r="0" g="0" b="0"/>
       </a:fillRef>
-      <a:effectRef idx="2">
+      <a:effectRef idx="0">
         <a:scrgbClr r="0" g="0" b="0"/>
       </a:effectRef>
       <a:fontRef idx="minor">
@@ -5560,10 +5196,10 @@
     <dgm:sp3d/>
     <dgm:txPr/>
     <dgm:style>
-      <a:lnRef idx="0">
+      <a:lnRef idx="2">
         <a:scrgbClr r="0" g="0" b="0"/>
       </a:lnRef>
-      <a:fillRef idx="3">
+      <a:fillRef idx="1">
         <a:scrgbClr r="0" g="0" b="0"/>
       </a:fillRef>
       <a:effectRef idx="0">
@@ -5582,13 +5218,13 @@
     <dgm:sp3d/>
     <dgm:txPr/>
     <dgm:style>
-      <a:lnRef idx="1">
+      <a:lnRef idx="2">
         <a:scrgbClr r="0" g="0" b="0"/>
       </a:lnRef>
-      <a:fillRef idx="3">
+      <a:fillRef idx="1">
         <a:scrgbClr r="0" g="0" b="0"/>
       </a:fillRef>
-      <a:effectRef idx="2">
+      <a:effectRef idx="0">
         <a:scrgbClr r="0" g="0" b="0"/>
       </a:effectRef>
       <a:fontRef idx="minor">
@@ -5604,13 +5240,13 @@
     <dgm:sp3d/>
     <dgm:txPr/>
     <dgm:style>
-      <a:lnRef idx="0">
+      <a:lnRef idx="2">
         <a:scrgbClr r="0" g="0" b="0"/>
       </a:lnRef>
-      <a:fillRef idx="3">
+      <a:fillRef idx="1">
         <a:scrgbClr r="0" g="0" b="0"/>
       </a:fillRef>
-      <a:effectRef idx="2">
+      <a:effectRef idx="0">
         <a:scrgbClr r="0" g="0" b="0"/>
       </a:effectRef>
       <a:fontRef idx="minor">
@@ -5626,13 +5262,13 @@
     <dgm:sp3d/>
     <dgm:txPr/>
     <dgm:style>
-      <a:lnRef idx="0">
+      <a:lnRef idx="2">
         <a:scrgbClr r="0" g="0" b="0"/>
       </a:lnRef>
-      <a:fillRef idx="3">
+      <a:fillRef idx="1">
         <a:scrgbClr r="0" g="0" b="0"/>
       </a:fillRef>
-      <a:effectRef idx="2">
+      <a:effectRef idx="0">
         <a:scrgbClr r="0" g="0" b="0"/>
       </a:effectRef>
       <a:fontRef idx="minor">
@@ -5648,13 +5284,13 @@
     <dgm:sp3d/>
     <dgm:txPr/>
     <dgm:style>
-      <a:lnRef idx="0">
+      <a:lnRef idx="2">
         <a:scrgbClr r="0" g="0" b="0"/>
       </a:lnRef>
-      <a:fillRef idx="3">
+      <a:fillRef idx="1">
         <a:scrgbClr r="0" g="0" b="0"/>
       </a:fillRef>
-      <a:effectRef idx="2">
+      <a:effectRef idx="0">
         <a:scrgbClr r="0" g="0" b="0"/>
       </a:effectRef>
       <a:fontRef idx="minor">
@@ -5670,13 +5306,13 @@
     <dgm:sp3d/>
     <dgm:txPr/>
     <dgm:style>
-      <a:lnRef idx="0">
+      <a:lnRef idx="2">
         <a:scrgbClr r="0" g="0" b="0"/>
       </a:lnRef>
-      <a:fillRef idx="3">
+      <a:fillRef idx="1">
         <a:scrgbClr r="0" g="0" b="0"/>
       </a:fillRef>
-      <a:effectRef idx="2">
+      <a:effectRef idx="0">
         <a:scrgbClr r="0" g="0" b="0"/>
       </a:effectRef>
       <a:fontRef idx="minor">
@@ -5692,13 +5328,13 @@
     <dgm:sp3d/>
     <dgm:txPr/>
     <dgm:style>
-      <a:lnRef idx="0">
+      <a:lnRef idx="2">
         <a:scrgbClr r="0" g="0" b="0"/>
       </a:lnRef>
       <a:fillRef idx="1">
         <a:scrgbClr r="0" g="0" b="0"/>
       </a:fillRef>
-      <a:effectRef idx="2">
+      <a:effectRef idx="0">
         <a:scrgbClr r="0" g="0" b="0"/>
       </a:effectRef>
       <a:fontRef idx="minor"/>
@@ -5712,13 +5348,13 @@
     <dgm:sp3d/>
     <dgm:txPr/>
     <dgm:style>
-      <a:lnRef idx="0">
+      <a:lnRef idx="2">
         <a:scrgbClr r="0" g="0" b="0"/>
       </a:lnRef>
       <a:fillRef idx="1">
         <a:scrgbClr r="0" g="0" b="0"/>
       </a:fillRef>
-      <a:effectRef idx="2">
+      <a:effectRef idx="0">
         <a:scrgbClr r="0" g="0" b="0"/>
       </a:effectRef>
       <a:fontRef idx="minor"/>
@@ -5732,13 +5368,13 @@
     <dgm:sp3d/>
     <dgm:txPr/>
     <dgm:style>
-      <a:lnRef idx="0">
+      <a:lnRef idx="2">
         <a:scrgbClr r="0" g="0" b="0"/>
       </a:lnRef>
       <a:fillRef idx="1">
         <a:scrgbClr r="0" g="0" b="0"/>
       </a:fillRef>
-      <a:effectRef idx="2">
+      <a:effectRef idx="0">
         <a:scrgbClr r="0" g="0" b="0"/>
       </a:effectRef>
       <a:fontRef idx="minor"/>
@@ -5755,10 +5391,10 @@
       <a:lnRef idx="0">
         <a:scrgbClr r="0" g="0" b="0"/>
       </a:lnRef>
-      <a:fillRef idx="3">
+      <a:fillRef idx="1">
         <a:scrgbClr r="0" g="0" b="0"/>
       </a:fillRef>
-      <a:effectRef idx="2">
+      <a:effectRef idx="0">
         <a:scrgbClr r="0" g="0" b="0"/>
       </a:effectRef>
       <a:fontRef idx="minor">
@@ -5777,10 +5413,10 @@
       <a:lnRef idx="0">
         <a:scrgbClr r="0" g="0" b="0"/>
       </a:lnRef>
-      <a:fillRef idx="3">
+      <a:fillRef idx="1">
         <a:scrgbClr r="0" g="0" b="0"/>
       </a:fillRef>
-      <a:effectRef idx="2">
+      <a:effectRef idx="0">
         <a:scrgbClr r="0" g="0" b="0"/>
       </a:effectRef>
       <a:fontRef idx="minor">
@@ -5799,10 +5435,10 @@
       <a:lnRef idx="0">
         <a:scrgbClr r="0" g="0" b="0"/>
       </a:lnRef>
-      <a:fillRef idx="3">
+      <a:fillRef idx="1">
         <a:scrgbClr r="0" g="0" b="0"/>
       </a:fillRef>
-      <a:effectRef idx="2">
+      <a:effectRef idx="0">
         <a:scrgbClr r="0" g="0" b="0"/>
       </a:effectRef>
       <a:fontRef idx="minor">
@@ -5844,7 +5480,7 @@
       <a:fillRef idx="1">
         <a:scrgbClr r="0" g="0" b="0"/>
       </a:fillRef>
-      <a:effectRef idx="1">
+      <a:effectRef idx="0">
         <a:scrgbClr r="0" g="0" b="0"/>
       </a:effectRef>
       <a:fontRef idx="minor"/>
@@ -5858,13 +5494,13 @@
     <dgm:sp3d/>
     <dgm:txPr/>
     <dgm:style>
-      <a:lnRef idx="0">
+      <a:lnRef idx="2">
         <a:scrgbClr r="0" g="0" b="0"/>
       </a:lnRef>
-      <a:fillRef idx="3">
+      <a:fillRef idx="1">
         <a:scrgbClr r="0" g="0" b="0"/>
       </a:fillRef>
-      <a:effectRef idx="2">
+      <a:effectRef idx="0">
         <a:scrgbClr r="0" g="0" b="0"/>
       </a:effectRef>
       <a:fontRef idx="minor">
@@ -5880,13 +5516,13 @@
     <dgm:sp3d/>
     <dgm:txPr/>
     <dgm:style>
-      <a:lnRef idx="0">
+      <a:lnRef idx="2">
         <a:scrgbClr r="0" g="0" b="0"/>
       </a:lnRef>
-      <a:fillRef idx="3">
+      <a:fillRef idx="1">
         <a:scrgbClr r="0" g="0" b="0"/>
       </a:fillRef>
-      <a:effectRef idx="2">
+      <a:effectRef idx="0">
         <a:scrgbClr r="0" g="0" b="0"/>
       </a:effectRef>
       <a:fontRef idx="minor">
@@ -5902,13 +5538,13 @@
     <dgm:sp3d/>
     <dgm:txPr/>
     <dgm:style>
-      <a:lnRef idx="0">
+      <a:lnRef idx="2">
         <a:scrgbClr r="0" g="0" b="0"/>
       </a:lnRef>
-      <a:fillRef idx="3">
+      <a:fillRef idx="1">
         <a:scrgbClr r="0" g="0" b="0"/>
       </a:fillRef>
-      <a:effectRef idx="2">
+      <a:effectRef idx="0">
         <a:scrgbClr r="0" g="0" b="0"/>
       </a:effectRef>
       <a:fontRef idx="minor">
@@ -5924,13 +5560,13 @@
     <dgm:sp3d/>
     <dgm:txPr/>
     <dgm:style>
-      <a:lnRef idx="0">
+      <a:lnRef idx="2">
         <a:scrgbClr r="0" g="0" b="0"/>
       </a:lnRef>
-      <a:fillRef idx="3">
+      <a:fillRef idx="1">
         <a:scrgbClr r="0" g="0" b="0"/>
       </a:fillRef>
-      <a:effectRef idx="2">
+      <a:effectRef idx="0">
         <a:scrgbClr r="0" g="0" b="0"/>
       </a:effectRef>
       <a:fontRef idx="minor">
@@ -5946,13 +5582,13 @@
     <dgm:sp3d/>
     <dgm:txPr/>
     <dgm:style>
-      <a:lnRef idx="0">
+      <a:lnRef idx="2">
         <a:scrgbClr r="0" g="0" b="0"/>
       </a:lnRef>
-      <a:fillRef idx="3">
+      <a:fillRef idx="1">
         <a:scrgbClr r="0" g="0" b="0"/>
       </a:fillRef>
-      <a:effectRef idx="2">
+      <a:effectRef idx="0">
         <a:scrgbClr r="0" g="0" b="0"/>
       </a:effectRef>
       <a:fontRef idx="minor">
@@ -5968,13 +5604,13 @@
     <dgm:sp3d/>
     <dgm:txPr/>
     <dgm:style>
-      <a:lnRef idx="0">
+      <a:lnRef idx="2">
         <a:scrgbClr r="0" g="0" b="0"/>
       </a:lnRef>
-      <a:fillRef idx="3">
+      <a:fillRef idx="1">
         <a:scrgbClr r="0" g="0" b="0"/>
       </a:fillRef>
-      <a:effectRef idx="2">
+      <a:effectRef idx="0">
         <a:scrgbClr r="0" g="0" b="0"/>
       </a:effectRef>
       <a:fontRef idx="minor">
@@ -5990,13 +5626,13 @@
     <dgm:sp3d/>
     <dgm:txPr/>
     <dgm:style>
-      <a:lnRef idx="0">
+      <a:lnRef idx="2">
         <a:scrgbClr r="0" g="0" b="0"/>
       </a:lnRef>
-      <a:fillRef idx="3">
+      <a:fillRef idx="1">
         <a:scrgbClr r="0" g="0" b="0"/>
       </a:fillRef>
-      <a:effectRef idx="2">
+      <a:effectRef idx="0">
         <a:scrgbClr r="0" g="0" b="0"/>
       </a:effectRef>
       <a:fontRef idx="minor">
@@ -6012,13 +5648,13 @@
     <dgm:sp3d/>
     <dgm:txPr/>
     <dgm:style>
-      <a:lnRef idx="1">
+      <a:lnRef idx="2">
         <a:scrgbClr r="0" g="0" b="0"/>
       </a:lnRef>
-      <a:fillRef idx="3">
+      <a:fillRef idx="1">
         <a:scrgbClr r="0" g="0" b="0"/>
       </a:fillRef>
-      <a:effectRef idx="2">
+      <a:effectRef idx="0">
         <a:scrgbClr r="0" g="0" b="0"/>
       </a:effectRef>
       <a:fontRef idx="minor">
@@ -6034,13 +5670,13 @@
     <dgm:sp3d/>
     <dgm:txPr/>
     <dgm:style>
-      <a:lnRef idx="1">
+      <a:lnRef idx="2">
         <a:scrgbClr r="0" g="0" b="0"/>
       </a:lnRef>
-      <a:fillRef idx="3">
+      <a:fillRef idx="1">
         <a:scrgbClr r="0" g="0" b="0"/>
       </a:fillRef>
-      <a:effectRef idx="2">
+      <a:effectRef idx="0">
         <a:scrgbClr r="0" g="0" b="0"/>
       </a:effectRef>
       <a:fontRef idx="minor">
@@ -6056,7 +5692,7 @@
     <dgm:sp3d/>
     <dgm:txPr/>
     <dgm:style>
-      <a:lnRef idx="1">
+      <a:lnRef idx="2">
         <a:scrgbClr r="0" g="0" b="0"/>
       </a:lnRef>
       <a:fillRef idx="0">
@@ -6076,7 +5712,7 @@
     <dgm:sp3d/>
     <dgm:txPr/>
     <dgm:style>
-      <a:lnRef idx="1">
+      <a:lnRef idx="2">
         <a:scrgbClr r="0" g="0" b="0"/>
       </a:lnRef>
       <a:fillRef idx="0">
@@ -6096,7 +5732,7 @@
     <dgm:sp3d/>
     <dgm:txPr/>
     <dgm:style>
-      <a:lnRef idx="1">
+      <a:lnRef idx="2">
         <a:scrgbClr r="0" g="0" b="0"/>
       </a:lnRef>
       <a:fillRef idx="0">
@@ -6116,7 +5752,7 @@
     <dgm:sp3d/>
     <dgm:txPr/>
     <dgm:style>
-      <a:lnRef idx="1">
+      <a:lnRef idx="2">
         <a:scrgbClr r="0" g="0" b="0"/>
       </a:lnRef>
       <a:fillRef idx="0">
@@ -6136,7 +5772,7 @@
     <dgm:sp3d/>
     <dgm:txPr/>
     <dgm:style>
-      <a:lnRef idx="1">
+      <a:lnRef idx="2">
         <a:scrgbClr r="0" g="0" b="0"/>
       </a:lnRef>
       <a:fillRef idx="1">
@@ -6156,7 +5792,7 @@
     <dgm:sp3d/>
     <dgm:txPr/>
     <dgm:style>
-      <a:lnRef idx="1">
+      <a:lnRef idx="2">
         <a:scrgbClr r="0" g="0" b="0"/>
       </a:lnRef>
       <a:fillRef idx="1">
@@ -6176,7 +5812,7 @@
     <dgm:sp3d/>
     <dgm:txPr/>
     <dgm:style>
-      <a:lnRef idx="1">
+      <a:lnRef idx="2">
         <a:scrgbClr r="0" g="0" b="0"/>
       </a:lnRef>
       <a:fillRef idx="1">
@@ -6216,7 +5852,7 @@
     <dgm:sp3d/>
     <dgm:txPr/>
     <dgm:style>
-      <a:lnRef idx="1">
+      <a:lnRef idx="2">
         <a:scrgbClr r="0" g="0" b="0"/>
       </a:lnRef>
       <a:fillRef idx="1">
@@ -6236,7 +5872,7 @@
     <dgm:sp3d/>
     <dgm:txPr/>
     <dgm:style>
-      <a:lnRef idx="1">
+      <a:lnRef idx="2">
         <a:scrgbClr r="0" g="0" b="0"/>
       </a:lnRef>
       <a:fillRef idx="1">
@@ -6256,7 +5892,7 @@
     <dgm:sp3d/>
     <dgm:txPr/>
     <dgm:style>
-      <a:lnRef idx="1">
+      <a:lnRef idx="2">
         <a:scrgbClr r="0" g="0" b="0"/>
       </a:lnRef>
       <a:fillRef idx="1">
@@ -6276,7 +5912,7 @@
     <dgm:sp3d/>
     <dgm:txPr/>
     <dgm:style>
-      <a:lnRef idx="1">
+      <a:lnRef idx="2">
         <a:scrgbClr r="0" g="0" b="0"/>
       </a:lnRef>
       <a:fillRef idx="1">
@@ -6296,7 +5932,7 @@
     <dgm:sp3d/>
     <dgm:txPr/>
     <dgm:style>
-      <a:lnRef idx="1">
+      <a:lnRef idx="2">
         <a:scrgbClr r="0" g="0" b="0"/>
       </a:lnRef>
       <a:fillRef idx="1">
@@ -6316,7 +5952,7 @@
     <dgm:sp3d/>
     <dgm:txPr/>
     <dgm:style>
-      <a:lnRef idx="1">
+      <a:lnRef idx="2">
         <a:scrgbClr r="0" g="0" b="0"/>
       </a:lnRef>
       <a:fillRef idx="1">
@@ -6336,7 +5972,7 @@
     <dgm:sp3d/>
     <dgm:txPr/>
     <dgm:style>
-      <a:lnRef idx="1">
+      <a:lnRef idx="2">
         <a:scrgbClr r="0" g="0" b="0"/>
       </a:lnRef>
       <a:fillRef idx="1">
@@ -6356,7 +5992,7 @@
     <dgm:sp3d/>
     <dgm:txPr/>
     <dgm:style>
-      <a:lnRef idx="1">
+      <a:lnRef idx="2">
         <a:scrgbClr r="0" g="0" b="0"/>
       </a:lnRef>
       <a:fillRef idx="1">
@@ -6376,7 +6012,7 @@
     <dgm:sp3d/>
     <dgm:txPr/>
     <dgm:style>
-      <a:lnRef idx="1">
+      <a:lnRef idx="2">
         <a:scrgbClr r="0" g="0" b="0"/>
       </a:lnRef>
       <a:fillRef idx="1">
@@ -6396,7 +6032,7 @@
     <dgm:sp3d/>
     <dgm:txPr/>
     <dgm:style>
-      <a:lnRef idx="1">
+      <a:lnRef idx="2">
         <a:scrgbClr r="0" g="0" b="0"/>
       </a:lnRef>
       <a:fillRef idx="1">
@@ -6416,7 +6052,7 @@
     <dgm:sp3d/>
     <dgm:txPr/>
     <dgm:style>
-      <a:lnRef idx="1">
+      <a:lnRef idx="2">
         <a:scrgbClr r="0" g="0" b="0"/>
       </a:lnRef>
       <a:fillRef idx="1">
@@ -6442,7 +6078,7 @@
       <a:fillRef idx="1">
         <a:scrgbClr r="0" g="0" b="0"/>
       </a:fillRef>
-      <a:effectRef idx="2">
+      <a:effectRef idx="0">
         <a:scrgbClr r="0" g="0" b="0"/>
       </a:effectRef>
       <a:fontRef idx="minor"/>
@@ -6462,7 +6098,7 @@
       <a:fillRef idx="1">
         <a:scrgbClr r="0" g="0" b="0"/>
       </a:fillRef>
-      <a:effectRef idx="2">
+      <a:effectRef idx="0">
         <a:scrgbClr r="0" g="0" b="0"/>
       </a:effectRef>
       <a:fontRef idx="minor"/>
@@ -6496,13 +6132,13 @@
     <dgm:sp3d/>
     <dgm:txPr/>
     <dgm:style>
-      <a:lnRef idx="0">
+      <a:lnRef idx="2">
         <a:scrgbClr r="0" g="0" b="0"/>
       </a:lnRef>
-      <a:fillRef idx="3">
+      <a:fillRef idx="1">
         <a:scrgbClr r="0" g="0" b="0"/>
       </a:fillRef>
-      <a:effectRef idx="2">
+      <a:effectRef idx="0">
         <a:scrgbClr r="0" g="0" b="0"/>
       </a:effectRef>
       <a:fontRef idx="minor"/>
@@ -6680,7 +6316,7 @@
           <a:p>
             <a:fld id="{7B89E6A0-F0A8-4EA4-A877-8CED61F28950}" type="datetimeFigureOut">
               <a:rPr lang="en-GB" smtClean="0"/>
-              <a:t>15/01/2025</a:t>
+              <a:t>16/01/2025</a:t>
             </a:fld>
             <a:endParaRPr lang="en-GB"/>
           </a:p>
@@ -6880,7 +6516,7 @@
           <a:p>
             <a:fld id="{7B89E6A0-F0A8-4EA4-A877-8CED61F28950}" type="datetimeFigureOut">
               <a:rPr lang="en-GB" smtClean="0"/>
-              <a:t>15/01/2025</a:t>
+              <a:t>16/01/2025</a:t>
             </a:fld>
             <a:endParaRPr lang="en-GB"/>
           </a:p>
@@ -7090,7 +6726,7 @@
           <a:p>
             <a:fld id="{7B89E6A0-F0A8-4EA4-A877-8CED61F28950}" type="datetimeFigureOut">
               <a:rPr lang="en-GB" smtClean="0"/>
-              <a:t>15/01/2025</a:t>
+              <a:t>16/01/2025</a:t>
             </a:fld>
             <a:endParaRPr lang="en-GB"/>
           </a:p>
@@ -7290,7 +6926,7 @@
           <a:p>
             <a:fld id="{7B89E6A0-F0A8-4EA4-A877-8CED61F28950}" type="datetimeFigureOut">
               <a:rPr lang="en-GB" smtClean="0"/>
-              <a:t>15/01/2025</a:t>
+              <a:t>16/01/2025</a:t>
             </a:fld>
             <a:endParaRPr lang="en-GB"/>
           </a:p>
@@ -7566,7 +7202,7 @@
           <a:p>
             <a:fld id="{7B89E6A0-F0A8-4EA4-A877-8CED61F28950}" type="datetimeFigureOut">
               <a:rPr lang="en-GB" smtClean="0"/>
-              <a:t>15/01/2025</a:t>
+              <a:t>16/01/2025</a:t>
             </a:fld>
             <a:endParaRPr lang="en-GB"/>
           </a:p>
@@ -7834,7 +7470,7 @@
           <a:p>
             <a:fld id="{7B89E6A0-F0A8-4EA4-A877-8CED61F28950}" type="datetimeFigureOut">
               <a:rPr lang="en-GB" smtClean="0"/>
-              <a:t>15/01/2025</a:t>
+              <a:t>16/01/2025</a:t>
             </a:fld>
             <a:endParaRPr lang="en-GB"/>
           </a:p>
@@ -8249,7 +7885,7 @@
           <a:p>
             <a:fld id="{7B89E6A0-F0A8-4EA4-A877-8CED61F28950}" type="datetimeFigureOut">
               <a:rPr lang="en-GB" smtClean="0"/>
-              <a:t>15/01/2025</a:t>
+              <a:t>16/01/2025</a:t>
             </a:fld>
             <a:endParaRPr lang="en-GB"/>
           </a:p>
@@ -8391,7 +8027,7 @@
           <a:p>
             <a:fld id="{7B89E6A0-F0A8-4EA4-A877-8CED61F28950}" type="datetimeFigureOut">
               <a:rPr lang="en-GB" smtClean="0"/>
-              <a:t>15/01/2025</a:t>
+              <a:t>16/01/2025</a:t>
             </a:fld>
             <a:endParaRPr lang="en-GB"/>
           </a:p>
@@ -8504,7 +8140,7 @@
           <a:p>
             <a:fld id="{7B89E6A0-F0A8-4EA4-A877-8CED61F28950}" type="datetimeFigureOut">
               <a:rPr lang="en-GB" smtClean="0"/>
-              <a:t>15/01/2025</a:t>
+              <a:t>16/01/2025</a:t>
             </a:fld>
             <a:endParaRPr lang="en-GB"/>
           </a:p>
@@ -8817,7 +8453,7 @@
           <a:p>
             <a:fld id="{7B89E6A0-F0A8-4EA4-A877-8CED61F28950}" type="datetimeFigureOut">
               <a:rPr lang="en-GB" smtClean="0"/>
-              <a:t>15/01/2025</a:t>
+              <a:t>16/01/2025</a:t>
             </a:fld>
             <a:endParaRPr lang="en-GB"/>
           </a:p>
@@ -9106,7 +8742,7 @@
           <a:p>
             <a:fld id="{7B89E6A0-F0A8-4EA4-A877-8CED61F28950}" type="datetimeFigureOut">
               <a:rPr lang="en-GB" smtClean="0"/>
-              <a:t>15/01/2025</a:t>
+              <a:t>16/01/2025</a:t>
             </a:fld>
             <a:endParaRPr lang="en-GB"/>
           </a:p>
@@ -9349,7 +8985,7 @@
           <a:p>
             <a:fld id="{7B89E6A0-F0A8-4EA4-A877-8CED61F28950}" type="datetimeFigureOut">
               <a:rPr lang="en-GB" smtClean="0"/>
-              <a:t>15/01/2025</a:t>
+              <a:t>16/01/2025</a:t>
             </a:fld>
             <a:endParaRPr lang="en-GB"/>
           </a:p>
@@ -9776,10 +9412,10 @@
       </p:grpSpPr>
       <p:sp useBgFill="1">
         <p:nvSpPr>
-          <p:cNvPr id="28" name="Rectangle 27">
+          <p:cNvPr id="34" name="Rectangle 33">
             <a:extLst>
               <a:ext uri="{FF2B5EF4-FFF2-40B4-BE49-F238E27FC236}">
-                <a16:creationId xmlns:a16="http://schemas.microsoft.com/office/drawing/2014/main" id="{9B7AD9F6-8CE7-4299-8FC6-328F4DCD3FF9}"/>
+                <a16:creationId xmlns:a16="http://schemas.microsoft.com/office/drawing/2014/main" id="{9180DE06-7362-4888-AADA-7AADD57AC49D}"/>
               </a:ext>
               <a:ext uri="{C183D7F6-B498-43B3-948B-1728B52AA6E4}">
                 <adec:decorative xmlns:adec="http://schemas.microsoft.com/office/drawing/2017/decorative" val="1"/>
@@ -9800,7 +9436,7 @@
         <p:spPr>
           <a:xfrm>
             <a:off x="0" y="0"/>
-            <a:ext cx="12188952" cy="6858000"/>
+            <a:ext cx="12191999" cy="6857365"/>
           </a:xfrm>
           <a:prstGeom prst="rect">
             <a:avLst/>
@@ -9852,25 +9488,174 @@
         </p:nvSpPr>
         <p:spPr>
           <a:xfrm>
-            <a:off x="890338" y="640080"/>
-            <a:ext cx="3734014" cy="3566160"/>
+            <a:off x="7331384" y="679730"/>
+            <a:ext cx="4171994" cy="3932729"/>
           </a:xfrm>
         </p:spPr>
         <p:txBody>
-          <a:bodyPr anchor="b">
+          <a:bodyPr>
             <a:normAutofit/>
           </a:bodyPr>
           <a:lstStyle/>
           <a:p>
             <a:pPr algn="l"/>
             <a:r>
-              <a:rPr lang="en-US" sz="5400"/>
+              <a:rPr lang="en-US" sz="8000" dirty="0">
+                <a:latin typeface="AIGDT" pitchFamily="2" charset="2"/>
+              </a:rPr>
               <a:t>GEOFF</a:t>
             </a:r>
-            <a:endParaRPr lang="en-GB" sz="5400"/>
+            <a:endParaRPr lang="en-GB" sz="8000" dirty="0">
+              <a:latin typeface="AIGDT" pitchFamily="2" charset="2"/>
+            </a:endParaRPr>
           </a:p>
         </p:txBody>
       </p:sp>
+      <p:grpSp>
+        <p:nvGrpSpPr>
+          <p:cNvPr id="36" name="Group 35">
+            <a:extLst>
+              <a:ext uri="{FF2B5EF4-FFF2-40B4-BE49-F238E27FC236}">
+                <a16:creationId xmlns:a16="http://schemas.microsoft.com/office/drawing/2014/main" id="{3AF6A671-C637-4547-85F4-51B6D1881399}"/>
+              </a:ext>
+              <a:ext uri="{C183D7F6-B498-43B3-948B-1728B52AA6E4}">
+                <adec:decorative xmlns:adec="http://schemas.microsoft.com/office/drawing/2017/decorative" val="1"/>
+              </a:ext>
+            </a:extLst>
+          </p:cNvPr>
+          <p:cNvGrpSpPr>
+            <a:grpSpLocks noGrp="1" noUngrp="1" noRot="1" noChangeAspect="1" noMove="1" noResize="1"/>
+          </p:cNvGrpSpPr>
+          <p:nvPr>
+            <p:extLst>
+              <p:ext uri="{386F3935-93C4-4BCD-93E2-E3B085C9AB24}">
+                <p16:designElem xmlns:p16="http://schemas.microsoft.com/office/powerpoint/2015/main" val="1"/>
+              </p:ext>
+            </p:extLst>
+          </p:nvPr>
+        </p:nvGrpSpPr>
+        <p:grpSpPr>
+          <a:xfrm rot="16200000">
+            <a:off x="2218698" y="2733627"/>
+            <a:ext cx="1340409" cy="5777807"/>
+            <a:chOff x="329184" y="2"/>
+            <a:chExt cx="524256" cy="5777807"/>
+          </a:xfrm>
+        </p:grpSpPr>
+        <p:cxnSp>
+          <p:nvCxnSpPr>
+            <p:cNvPr id="37" name="Straight Connector 36">
+              <a:extLst>
+                <a:ext uri="{FF2B5EF4-FFF2-40B4-BE49-F238E27FC236}">
+                  <a16:creationId xmlns:a16="http://schemas.microsoft.com/office/drawing/2014/main" id="{C575CF26-3D3C-4C5A-A2B7-00432016EF62}"/>
+                </a:ext>
+                <a:ext uri="{C183D7F6-B498-43B3-948B-1728B52AA6E4}">
+                  <adec:decorative xmlns:adec="http://schemas.microsoft.com/office/drawing/2017/decorative" val="1"/>
+                </a:ext>
+              </a:extLst>
+            </p:cNvPr>
+            <p:cNvCxnSpPr>
+              <a:cxnSpLocks/>
+            </p:cNvCxnSpPr>
+            <p:nvPr>
+              <p:extLst>
+                <p:ext uri="{386F3935-93C4-4BCD-93E2-E3B085C9AB24}">
+                  <p16:designElem xmlns:p16="http://schemas.microsoft.com/office/powerpoint/2015/main" val="1"/>
+                </p:ext>
+              </p:extLst>
+            </p:nvPr>
+          </p:nvCxnSpPr>
+          <p:spPr>
+            <a:xfrm flipH="1">
+              <a:off x="329184" y="5777809"/>
+              <a:ext cx="521208" cy="0"/>
+            </a:xfrm>
+            <a:prstGeom prst="line">
+              <a:avLst/>
+            </a:prstGeom>
+            <a:ln w="152400">
+              <a:solidFill>
+                <a:schemeClr val="accent4"/>
+              </a:solidFill>
+            </a:ln>
+          </p:spPr>
+          <p:style>
+            <a:lnRef idx="1">
+              <a:schemeClr val="accent1"/>
+            </a:lnRef>
+            <a:fillRef idx="0">
+              <a:schemeClr val="accent1"/>
+            </a:fillRef>
+            <a:effectRef idx="0">
+              <a:schemeClr val="accent1"/>
+            </a:effectRef>
+            <a:fontRef idx="minor">
+              <a:schemeClr val="tx1"/>
+            </a:fontRef>
+          </p:style>
+        </p:cxnSp>
+        <p:sp>
+          <p:nvSpPr>
+            <p:cNvPr id="38" name="Rectangle 37">
+              <a:extLst>
+                <a:ext uri="{FF2B5EF4-FFF2-40B4-BE49-F238E27FC236}">
+                  <a16:creationId xmlns:a16="http://schemas.microsoft.com/office/drawing/2014/main" id="{99413ED5-9ED4-4772-BCE4-2BCAE6B12E35}"/>
+                </a:ext>
+                <a:ext uri="{C183D7F6-B498-43B3-948B-1728B52AA6E4}">
+                  <adec:decorative xmlns:adec="http://schemas.microsoft.com/office/drawing/2017/decorative" val="1"/>
+                </a:ext>
+              </a:extLst>
+            </p:cNvPr>
+            <p:cNvSpPr/>
+            <p:nvPr>
+              <p:extLst>
+                <p:ext uri="{386F3935-93C4-4BCD-93E2-E3B085C9AB24}">
+                  <p16:designElem xmlns:p16="http://schemas.microsoft.com/office/powerpoint/2015/main" val="1"/>
+                </p:ext>
+              </p:extLst>
+            </p:nvPr>
+          </p:nvSpPr>
+          <p:spPr>
+            <a:xfrm>
+              <a:off x="329184" y="2"/>
+              <a:ext cx="524256" cy="5666779"/>
+            </a:xfrm>
+            <a:prstGeom prst="rect">
+              <a:avLst/>
+            </a:prstGeom>
+            <a:solidFill>
+              <a:schemeClr val="accent4"/>
+            </a:solidFill>
+            <a:ln>
+              <a:noFill/>
+            </a:ln>
+          </p:spPr>
+          <p:style>
+            <a:lnRef idx="2">
+              <a:schemeClr val="accent1">
+                <a:shade val="50000"/>
+              </a:schemeClr>
+            </a:lnRef>
+            <a:fillRef idx="1">
+              <a:schemeClr val="accent1"/>
+            </a:fillRef>
+            <a:effectRef idx="0">
+              <a:schemeClr val="accent1"/>
+            </a:effectRef>
+            <a:fontRef idx="minor">
+              <a:schemeClr val="lt1"/>
+            </a:fontRef>
+          </p:style>
+          <p:txBody>
+            <a:bodyPr rtlCol="0" anchor="ctr"/>
+            <a:lstStyle/>
+            <a:p>
+              <a:pPr algn="ctr"/>
+              <a:endParaRPr lang="en-US" dirty="0"/>
+            </a:p>
+          </p:txBody>
+        </p:sp>
+      </p:grpSp>
       <p:sp>
         <p:nvSpPr>
           <p:cNvPr id="3" name="Subtitle 2">
@@ -9889,8 +9674,8 @@
         </p:nvSpPr>
         <p:spPr>
           <a:xfrm>
-            <a:off x="890339" y="4636008"/>
-            <a:ext cx="3734014" cy="1572768"/>
+            <a:off x="7331383" y="5227455"/>
+            <a:ext cx="3876085" cy="857461"/>
           </a:xfrm>
         </p:spPr>
         <p:txBody>
@@ -9900,16 +9685,20 @@
           <a:lstStyle/>
           <a:p>
             <a:pPr algn="l"/>
-            <a:endParaRPr lang="en-GB"/>
+            <a:r>
+              <a:rPr lang="en-US" dirty="0"/>
+              <a:t>Ben Wiltshire</a:t>
+            </a:r>
+            <a:endParaRPr lang="en-GB" dirty="0"/>
           </a:p>
         </p:txBody>
       </p:sp>
       <p:sp>
         <p:nvSpPr>
-          <p:cNvPr id="29" name="sketchy line">
+          <p:cNvPr id="40" name="Rectangle 39">
             <a:extLst>
               <a:ext uri="{FF2B5EF4-FFF2-40B4-BE49-F238E27FC236}">
-                <a16:creationId xmlns:a16="http://schemas.microsoft.com/office/drawing/2014/main" id="{F49775AF-8896-43EE-92C6-83497D6DC56F}"/>
+                <a16:creationId xmlns:a16="http://schemas.microsoft.com/office/drawing/2014/main" id="{04357C93-F0CB-4A1C-8F77-4E9063789819}"/>
               </a:ext>
               <a:ext uri="{C183D7F6-B498-43B3-948B-1728B52AA6E4}">
                 <adec:decorative xmlns:adec="http://schemas.microsoft.com/office/drawing/2017/decorative" val="1"/>
@@ -9929,238 +9718,25 @@
         </p:nvSpPr>
         <p:spPr>
           <a:xfrm>
-            <a:off x="890338" y="4409267"/>
-            <a:ext cx="3474720" cy="18288"/>
+            <a:off x="688623" y="372533"/>
+            <a:ext cx="6116779" cy="6068728"/>
           </a:xfrm>
-          <a:custGeom>
+          <a:prstGeom prst="rect">
             <a:avLst/>
-            <a:gdLst>
-              <a:gd name="connsiteX0" fmla="*/ 0 w 3474720"/>
-              <a:gd name="connsiteY0" fmla="*/ 0 h 18288"/>
-              <a:gd name="connsiteX1" fmla="*/ 694944 w 3474720"/>
-              <a:gd name="connsiteY1" fmla="*/ 0 h 18288"/>
-              <a:gd name="connsiteX2" fmla="*/ 1355141 w 3474720"/>
-              <a:gd name="connsiteY2" fmla="*/ 0 h 18288"/>
-              <a:gd name="connsiteX3" fmla="*/ 2015338 w 3474720"/>
-              <a:gd name="connsiteY3" fmla="*/ 0 h 18288"/>
-              <a:gd name="connsiteX4" fmla="*/ 2779776 w 3474720"/>
-              <a:gd name="connsiteY4" fmla="*/ 0 h 18288"/>
-              <a:gd name="connsiteX5" fmla="*/ 3474720 w 3474720"/>
-              <a:gd name="connsiteY5" fmla="*/ 0 h 18288"/>
-              <a:gd name="connsiteX6" fmla="*/ 3474720 w 3474720"/>
-              <a:gd name="connsiteY6" fmla="*/ 18288 h 18288"/>
-              <a:gd name="connsiteX7" fmla="*/ 2779776 w 3474720"/>
-              <a:gd name="connsiteY7" fmla="*/ 18288 h 18288"/>
-              <a:gd name="connsiteX8" fmla="*/ 2189074 w 3474720"/>
-              <a:gd name="connsiteY8" fmla="*/ 18288 h 18288"/>
-              <a:gd name="connsiteX9" fmla="*/ 1528877 w 3474720"/>
-              <a:gd name="connsiteY9" fmla="*/ 18288 h 18288"/>
-              <a:gd name="connsiteX10" fmla="*/ 868680 w 3474720"/>
-              <a:gd name="connsiteY10" fmla="*/ 18288 h 18288"/>
-              <a:gd name="connsiteX11" fmla="*/ 0 w 3474720"/>
-              <a:gd name="connsiteY11" fmla="*/ 18288 h 18288"/>
-              <a:gd name="connsiteX12" fmla="*/ 0 w 3474720"/>
-              <a:gd name="connsiteY12" fmla="*/ 0 h 18288"/>
-            </a:gdLst>
-            <a:ahLst/>
-            <a:cxnLst>
-              <a:cxn ang="0">
-                <a:pos x="connsiteX0" y="connsiteY0"/>
-              </a:cxn>
-              <a:cxn ang="0">
-                <a:pos x="connsiteX1" y="connsiteY1"/>
-              </a:cxn>
-              <a:cxn ang="0">
-                <a:pos x="connsiteX2" y="connsiteY2"/>
-              </a:cxn>
-              <a:cxn ang="0">
-                <a:pos x="connsiteX3" y="connsiteY3"/>
-              </a:cxn>
-              <a:cxn ang="0">
-                <a:pos x="connsiteX4" y="connsiteY4"/>
-              </a:cxn>
-              <a:cxn ang="0">
-                <a:pos x="connsiteX5" y="connsiteY5"/>
-              </a:cxn>
-              <a:cxn ang="0">
-                <a:pos x="connsiteX6" y="connsiteY6"/>
-              </a:cxn>
-              <a:cxn ang="0">
-                <a:pos x="connsiteX7" y="connsiteY7"/>
-              </a:cxn>
-              <a:cxn ang="0">
-                <a:pos x="connsiteX8" y="connsiteY8"/>
-              </a:cxn>
-              <a:cxn ang="0">
-                <a:pos x="connsiteX9" y="connsiteY9"/>
-              </a:cxn>
-              <a:cxn ang="0">
-                <a:pos x="connsiteX10" y="connsiteY10"/>
-              </a:cxn>
-              <a:cxn ang="0">
-                <a:pos x="connsiteX11" y="connsiteY11"/>
-              </a:cxn>
-              <a:cxn ang="0">
-                <a:pos x="connsiteX12" y="connsiteY12"/>
-              </a:cxn>
-            </a:cxnLst>
-            <a:rect l="l" t="t" r="r" b="b"/>
-            <a:pathLst>
-              <a:path w="3474720" h="18288" fill="none" extrusionOk="0">
-                <a:moveTo>
-                  <a:pt x="0" y="0"/>
-                </a:moveTo>
-                <a:cubicBezTo>
-                  <a:pt x="224454" y="-14544"/>
-                  <a:pt x="495407" y="26540"/>
-                  <a:pt x="694944" y="0"/>
-                </a:cubicBezTo>
-                <a:cubicBezTo>
-                  <a:pt x="894481" y="-26540"/>
-                  <a:pt x="1130063" y="24713"/>
-                  <a:pt x="1355141" y="0"/>
-                </a:cubicBezTo>
-                <a:cubicBezTo>
-                  <a:pt x="1580219" y="-24713"/>
-                  <a:pt x="1820099" y="26695"/>
-                  <a:pt x="2015338" y="0"/>
-                </a:cubicBezTo>
-                <a:cubicBezTo>
-                  <a:pt x="2210577" y="-26695"/>
-                  <a:pt x="2402045" y="165"/>
-                  <a:pt x="2779776" y="0"/>
-                </a:cubicBezTo>
-                <a:cubicBezTo>
-                  <a:pt x="3157507" y="-165"/>
-                  <a:pt x="3286859" y="-15571"/>
-                  <a:pt x="3474720" y="0"/>
-                </a:cubicBezTo>
-                <a:cubicBezTo>
-                  <a:pt x="3474286" y="7551"/>
-                  <a:pt x="3474253" y="9822"/>
-                  <a:pt x="3474720" y="18288"/>
-                </a:cubicBezTo>
-                <a:cubicBezTo>
-                  <a:pt x="3233904" y="29845"/>
-                  <a:pt x="2945134" y="-5256"/>
-                  <a:pt x="2779776" y="18288"/>
-                </a:cubicBezTo>
-                <a:cubicBezTo>
-                  <a:pt x="2614418" y="41832"/>
-                  <a:pt x="2339768" y="22709"/>
-                  <a:pt x="2189074" y="18288"/>
-                </a:cubicBezTo>
-                <a:cubicBezTo>
-                  <a:pt x="2038380" y="13867"/>
-                  <a:pt x="1817434" y="-4947"/>
-                  <a:pt x="1528877" y="18288"/>
-                </a:cubicBezTo>
-                <a:cubicBezTo>
-                  <a:pt x="1240320" y="41523"/>
-                  <a:pt x="1042447" y="37198"/>
-                  <a:pt x="868680" y="18288"/>
-                </a:cubicBezTo>
-                <a:cubicBezTo>
-                  <a:pt x="694913" y="-622"/>
-                  <a:pt x="233232" y="44909"/>
-                  <a:pt x="0" y="18288"/>
-                </a:cubicBezTo>
-                <a:cubicBezTo>
-                  <a:pt x="60" y="11696"/>
-                  <a:pt x="66" y="3758"/>
-                  <a:pt x="0" y="0"/>
-                </a:cubicBezTo>
-                <a:close/>
-              </a:path>
-              <a:path w="3474720" h="18288" stroke="0" extrusionOk="0">
-                <a:moveTo>
-                  <a:pt x="0" y="0"/>
-                </a:moveTo>
-                <a:cubicBezTo>
-                  <a:pt x="202328" y="-14716"/>
-                  <a:pt x="332722" y="-11499"/>
-                  <a:pt x="625450" y="0"/>
-                </a:cubicBezTo>
-                <a:cubicBezTo>
-                  <a:pt x="918178" y="11499"/>
-                  <a:pt x="1096688" y="5123"/>
-                  <a:pt x="1389888" y="0"/>
-                </a:cubicBezTo>
-                <a:cubicBezTo>
-                  <a:pt x="1683088" y="-5123"/>
-                  <a:pt x="1835981" y="-14038"/>
-                  <a:pt x="1980590" y="0"/>
-                </a:cubicBezTo>
-                <a:cubicBezTo>
-                  <a:pt x="2125199" y="14038"/>
-                  <a:pt x="2396099" y="-7203"/>
-                  <a:pt x="2571293" y="0"/>
-                </a:cubicBezTo>
-                <a:cubicBezTo>
-                  <a:pt x="2746487" y="7203"/>
-                  <a:pt x="3041609" y="-12036"/>
-                  <a:pt x="3474720" y="0"/>
-                </a:cubicBezTo>
-                <a:cubicBezTo>
-                  <a:pt x="3474638" y="4406"/>
-                  <a:pt x="3474631" y="9982"/>
-                  <a:pt x="3474720" y="18288"/>
-                </a:cubicBezTo>
-                <a:cubicBezTo>
-                  <a:pt x="3324873" y="21876"/>
-                  <a:pt x="3136771" y="12587"/>
-                  <a:pt x="2814523" y="18288"/>
-                </a:cubicBezTo>
-                <a:cubicBezTo>
-                  <a:pt x="2492275" y="23989"/>
-                  <a:pt x="2294402" y="47111"/>
-                  <a:pt x="2154326" y="18288"/>
-                </a:cubicBezTo>
-                <a:cubicBezTo>
-                  <a:pt x="2014250" y="-10535"/>
-                  <a:pt x="1820317" y="33903"/>
-                  <a:pt x="1494130" y="18288"/>
-                </a:cubicBezTo>
-                <a:cubicBezTo>
-                  <a:pt x="1167943" y="2673"/>
-                  <a:pt x="948432" y="14868"/>
-                  <a:pt x="729691" y="18288"/>
-                </a:cubicBezTo>
-                <a:cubicBezTo>
-                  <a:pt x="510950" y="21708"/>
-                  <a:pt x="264032" y="24354"/>
-                  <a:pt x="0" y="18288"/>
-                </a:cubicBezTo>
-                <a:cubicBezTo>
-                  <a:pt x="189" y="14288"/>
-                  <a:pt x="-703" y="3747"/>
-                  <a:pt x="0" y="0"/>
-                </a:cubicBezTo>
-                <a:close/>
-              </a:path>
-            </a:pathLst>
-          </a:custGeom>
+          </a:prstGeom>
           <a:solidFill>
-            <a:schemeClr val="accent2"/>
+            <a:schemeClr val="bg1"/>
           </a:solidFill>
-          <a:ln w="44450" cap="rnd">
-            <a:solidFill>
-              <a:schemeClr val="accent2"/>
-            </a:solidFill>
-            <a:round/>
-            <a:extLst>
-              <a:ext uri="{C807C97D-BFC1-408E-A445-0C87EB9F89A2}">
-                <ask:lineSketchStyleProps xmlns:ask="http://schemas.microsoft.com/office/drawing/2018/sketchyshapes" sd="2863741219">
-                  <a:prstGeom prst="rect">
-                    <a:avLst/>
-                  </a:prstGeom>
-                  <ask:type>
-                    <ask:lineSketchFreehand/>
-                  </ask:type>
-                </ask:lineSketchStyleProps>
-              </a:ext>
-            </a:extLst>
+          <a:ln>
+            <a:noFill/>
           </a:ln>
+          <a:effectLst>
+            <a:outerShdw blurRad="139700" dist="127000" dir="5400000" algn="t" rotWithShape="0">
+              <a:prstClr val="black">
+                <a:alpha val="15000"/>
+              </a:prstClr>
+            </a:outerShdw>
+          </a:effectLst>
         </p:spPr>
         <p:style>
           <a:lnRef idx="2">
@@ -10208,124 +9784,12 @@
         </p:blipFill>
         <p:spPr>
           <a:xfrm>
-            <a:off x="5311702" y="10"/>
-            <a:ext cx="6878775" cy="6857990"/>
+            <a:off x="942597" y="633052"/>
+            <a:ext cx="5608830" cy="5591895"/>
           </a:xfrm>
-          <a:custGeom>
+          <a:prstGeom prst="rect">
             <a:avLst/>
-            <a:gdLst/>
-            <a:ahLst/>
-            <a:cxnLst/>
-            <a:rect l="l" t="t" r="r" b="b"/>
-            <a:pathLst>
-              <a:path w="6878775" h="6858000">
-                <a:moveTo>
-                  <a:pt x="1102973" y="0"/>
-                </a:moveTo>
-                <a:lnTo>
-                  <a:pt x="1160688" y="0"/>
-                </a:lnTo>
-                <a:lnTo>
-                  <a:pt x="983189" y="331786"/>
-                </a:lnTo>
-                <a:cubicBezTo>
-                  <a:pt x="914866" y="469145"/>
-                  <a:pt x="850355" y="608712"/>
-                  <a:pt x="789261" y="750263"/>
-                </a:cubicBezTo>
-                <a:cubicBezTo>
-                  <a:pt x="774307" y="784928"/>
-                  <a:pt x="759992" y="819849"/>
-                  <a:pt x="745295" y="854514"/>
-                </a:cubicBezTo>
-                <a:cubicBezTo>
-                  <a:pt x="756682" y="845393"/>
-                  <a:pt x="765489" y="833492"/>
-                  <a:pt x="770857" y="819975"/>
-                </a:cubicBezTo>
-                <a:cubicBezTo>
-                  <a:pt x="879943" y="589569"/>
-                  <a:pt x="999605" y="365513"/>
-                  <a:pt x="1131329" y="148742"/>
-                </a:cubicBezTo>
-                <a:lnTo>
-                  <a:pt x="1227589" y="0"/>
-                </a:lnTo>
-                <a:lnTo>
-                  <a:pt x="6878775" y="0"/>
-                </a:lnTo>
-                <a:lnTo>
-                  <a:pt x="6878775" y="6858000"/>
-                </a:lnTo>
-                <a:lnTo>
-                  <a:pt x="713521" y="6858000"/>
-                </a:lnTo>
-                <a:lnTo>
-                  <a:pt x="625642" y="6670527"/>
-                </a:lnTo>
-                <a:cubicBezTo>
-                  <a:pt x="507232" y="6398531"/>
-                  <a:pt x="403083" y="6118381"/>
-                  <a:pt x="312785" y="5830359"/>
-                </a:cubicBezTo>
-                <a:cubicBezTo>
-                  <a:pt x="278149" y="5719759"/>
-                  <a:pt x="248879" y="5607635"/>
-                  <a:pt x="212198" y="5480401"/>
-                </a:cubicBezTo>
-                <a:cubicBezTo>
-                  <a:pt x="212208" y="5491601"/>
-                  <a:pt x="212803" y="5502788"/>
-                  <a:pt x="213988" y="5513923"/>
-                </a:cubicBezTo>
-                <a:cubicBezTo>
-                  <a:pt x="264089" y="5723695"/>
-                  <a:pt x="307290" y="5935370"/>
-                  <a:pt x="365826" y="6142729"/>
-                </a:cubicBezTo>
-                <a:cubicBezTo>
-                  <a:pt x="433152" y="6380817"/>
-                  <a:pt x="510068" y="6614016"/>
-                  <a:pt x="597975" y="6841549"/>
-                </a:cubicBezTo>
-                <a:lnTo>
-                  <a:pt x="604824" y="6858000"/>
-                </a:lnTo>
-                <a:lnTo>
-                  <a:pt x="552056" y="6858000"/>
-                </a:lnTo>
-                <a:lnTo>
-                  <a:pt x="539576" y="6828295"/>
-                </a:lnTo>
-                <a:cubicBezTo>
-                  <a:pt x="380597" y="6414594"/>
-                  <a:pt x="260223" y="5988893"/>
-                  <a:pt x="171555" y="5552906"/>
-                </a:cubicBezTo>
-                <a:cubicBezTo>
-                  <a:pt x="91163" y="5157998"/>
-                  <a:pt x="43746" y="4758899"/>
-                  <a:pt x="12305" y="4357388"/>
-                </a:cubicBezTo>
-                <a:cubicBezTo>
-                  <a:pt x="-14281" y="4013908"/>
-                  <a:pt x="4507" y="3672965"/>
-                  <a:pt x="46684" y="3331516"/>
-                </a:cubicBezTo>
-                <a:cubicBezTo>
-                  <a:pt x="127203" y="2664286"/>
-                  <a:pt x="277819" y="2007265"/>
-                  <a:pt x="496065" y="1371196"/>
-                </a:cubicBezTo>
-                <a:cubicBezTo>
-                  <a:pt x="636273" y="966066"/>
-                  <a:pt x="800445" y="573253"/>
-                  <a:pt x="995723" y="196614"/>
-                </a:cubicBezTo>
-                <a:close/>
-              </a:path>
-            </a:pathLst>
-          </a:custGeom>
+          </a:prstGeom>
         </p:spPr>
       </p:pic>
     </p:spTree>
@@ -10344,6 +9808,14 @@
 <file path=ppt/slides/slide2.xml><?xml version="1.0" encoding="utf-8"?>
 <p:sld xmlns:a="http://schemas.openxmlformats.org/drawingml/2006/main" xmlns:r="http://schemas.openxmlformats.org/officeDocument/2006/relationships" xmlns:p="http://schemas.openxmlformats.org/presentationml/2006/main">
   <p:cSld>
+    <p:bg>
+      <p:bgPr>
+        <a:solidFill>
+          <a:schemeClr val="bg1"/>
+        </a:solidFill>
+        <a:effectLst/>
+      </p:bgPr>
+    </p:bg>
     <p:spTree>
       <p:nvGrpSpPr>
         <p:cNvPr id="1" name=""/>
@@ -10374,19 +9846,78 @@
             <p:ph type="title"/>
           </p:nvPr>
         </p:nvSpPr>
-        <p:spPr/>
+        <p:spPr>
+          <a:xfrm>
+            <a:off x="762000" y="1138036"/>
+            <a:ext cx="4085665" cy="1402470"/>
+          </a:xfrm>
+        </p:spPr>
         <p:txBody>
-          <a:bodyPr/>
+          <a:bodyPr anchor="t">
+            <a:normAutofit/>
+          </a:bodyPr>
           <a:lstStyle/>
           <a:p>
             <a:r>
-              <a:rPr lang="en-US" dirty="0"/>
+              <a:rPr lang="en-US" sz="3200" dirty="0"/>
               <a:t>LED Matrix</a:t>
             </a:r>
-            <a:endParaRPr lang="en-GB" dirty="0"/>
+            <a:endParaRPr lang="en-GB" sz="3200" dirty="0"/>
           </a:p>
         </p:txBody>
       </p:sp>
+      <p:cxnSp>
+        <p:nvCxnSpPr>
+          <p:cNvPr id="12" name="Straight Connector 11">
+            <a:extLst>
+              <a:ext uri="{FF2B5EF4-FFF2-40B4-BE49-F238E27FC236}">
+                <a16:creationId xmlns:a16="http://schemas.microsoft.com/office/drawing/2014/main" id="{1503BFE4-729B-D9D0-C17B-501E6AF1127A}"/>
+              </a:ext>
+              <a:ext uri="{C183D7F6-B498-43B3-948B-1728B52AA6E4}">
+                <adec:decorative xmlns:adec="http://schemas.microsoft.com/office/drawing/2017/decorative" val="1"/>
+              </a:ext>
+            </a:extLst>
+          </p:cNvPr>
+          <p:cNvCxnSpPr>
+            <a:cxnSpLocks noGrp="1" noRot="1" noChangeAspect="1" noMove="1" noResize="1" noEditPoints="1" noAdjustHandles="1" noChangeArrowheads="1" noChangeShapeType="1"/>
+          </p:cNvCxnSpPr>
+          <p:nvPr>
+            <p:extLst>
+              <p:ext uri="{386F3935-93C4-4BCD-93E2-E3B085C9AB24}">
+                <p16:designElem xmlns:p16="http://schemas.microsoft.com/office/powerpoint/2015/main" val="1"/>
+              </p:ext>
+            </p:extLst>
+          </p:nvPr>
+        </p:nvCxnSpPr>
+        <p:spPr>
+          <a:xfrm>
+            <a:off x="865140" y="871146"/>
+            <a:ext cx="736939" cy="0"/>
+          </a:xfrm>
+          <a:prstGeom prst="line">
+            <a:avLst/>
+          </a:prstGeom>
+          <a:ln w="57150">
+            <a:solidFill>
+              <a:schemeClr val="accent4"/>
+            </a:solidFill>
+          </a:ln>
+        </p:spPr>
+        <p:style>
+          <a:lnRef idx="1">
+            <a:schemeClr val="accent1"/>
+          </a:lnRef>
+          <a:fillRef idx="0">
+            <a:schemeClr val="accent1"/>
+          </a:fillRef>
+          <a:effectRef idx="0">
+            <a:schemeClr val="accent1"/>
+          </a:effectRef>
+          <a:fontRef idx="minor">
+            <a:schemeClr val="tx1"/>
+          </a:fontRef>
+        </p:style>
+      </p:cxnSp>
       <p:sp>
         <p:nvSpPr>
           <p:cNvPr id="3" name="Content Placeholder 2">
@@ -10403,30 +9934,155 @@
             <p:ph idx="1"/>
           </p:nvPr>
         </p:nvSpPr>
-        <p:spPr/>
+        <p:spPr>
+          <a:xfrm>
+            <a:off x="762000" y="2551176"/>
+            <a:ext cx="4085665" cy="3591207"/>
+          </a:xfrm>
+        </p:spPr>
         <p:txBody>
-          <a:bodyPr/>
+          <a:bodyPr>
+            <a:normAutofit/>
+          </a:bodyPr>
           <a:lstStyle/>
           <a:p>
             <a:r>
-              <a:rPr lang="en-US" dirty="0"/>
+              <a:rPr lang="en-US" sz="1800" dirty="0"/>
+              <a:t>16x16 NeoPixel array</a:t>
+            </a:r>
+          </a:p>
+          <a:p>
+            <a:r>
+              <a:rPr lang="en-US" sz="1800" dirty="0"/>
               <a:t>Single pin programming</a:t>
             </a:r>
           </a:p>
           <a:p>
             <a:r>
-              <a:rPr lang="en-US" dirty="0"/>
-              <a:t>Level shifter</a:t>
+              <a:rPr lang="en-US" sz="1800" dirty="0"/>
+              <a:t>Requires level shifter due to 5V signal</a:t>
             </a:r>
           </a:p>
           <a:p>
-            <a:endParaRPr lang="en-US" dirty="0"/>
-          </a:p>
-          <a:p>
-            <a:endParaRPr lang="en-GB" dirty="0"/>
+            <a:r>
+              <a:rPr lang="en-US" sz="1800" dirty="0"/>
+              <a:t>Visualise maze solving in real time</a:t>
+            </a:r>
+          </a:p>
+          <a:p>
+            <a:pPr marL="0" indent="0">
+              <a:buNone/>
+            </a:pPr>
+            <a:endParaRPr lang="en-US" sz="1800" dirty="0"/>
+          </a:p>
+          <a:p>
+            <a:pPr marL="0" indent="0">
+              <a:buNone/>
+            </a:pPr>
+            <a:r>
+              <a:rPr lang="en-US" sz="1800" dirty="0">
+                <a:solidFill>
+                  <a:srgbClr val="0070C0"/>
+                </a:solidFill>
+              </a:rPr>
+              <a:t>Blue</a:t>
+            </a:r>
+            <a:r>
+              <a:rPr lang="en-US" sz="1800" dirty="0"/>
+              <a:t>: Current Location</a:t>
+            </a:r>
+          </a:p>
+          <a:p>
+            <a:pPr marL="0" indent="0">
+              <a:buNone/>
+            </a:pPr>
+            <a:r>
+              <a:rPr lang="en-US" sz="1800" dirty="0">
+                <a:solidFill>
+                  <a:srgbClr val="FF0000"/>
+                </a:solidFill>
+              </a:rPr>
+              <a:t>Red</a:t>
+            </a:r>
+            <a:r>
+              <a:rPr lang="en-US" sz="1800" dirty="0"/>
+              <a:t>: Path Taken</a:t>
+            </a:r>
+          </a:p>
+          <a:p>
+            <a:pPr marL="0" indent="0">
+              <a:buNone/>
+            </a:pPr>
+            <a:r>
+              <a:rPr lang="en-US" sz="1800" dirty="0">
+                <a:solidFill>
+                  <a:srgbClr val="00B050"/>
+                </a:solidFill>
+              </a:rPr>
+              <a:t>Green</a:t>
+            </a:r>
+            <a:r>
+              <a:rPr lang="en-US" sz="1800" dirty="0"/>
+              <a:t>: Obstacles</a:t>
+            </a:r>
+          </a:p>
+          <a:p>
+            <a:pPr marL="0" indent="0">
+              <a:buNone/>
+            </a:pPr>
+            <a:r>
+              <a:rPr lang="en-US" sz="1800" dirty="0">
+                <a:solidFill>
+                  <a:srgbClr val="7030A0"/>
+                </a:solidFill>
+              </a:rPr>
+              <a:t>Purple</a:t>
+            </a:r>
+            <a:r>
+              <a:rPr lang="en-US" sz="1800" dirty="0"/>
+              <a:t>: Direction</a:t>
+            </a:r>
+          </a:p>
+          <a:p>
+            <a:endParaRPr lang="en-GB" sz="2000" dirty="0"/>
           </a:p>
         </p:txBody>
       </p:sp>
+      <p:pic>
+        <p:nvPicPr>
+          <p:cNvPr id="5" name="Picture 4" descr="A close up of a device&#10;&#10;Description automatically generated">
+            <a:extLst>
+              <a:ext uri="{FF2B5EF4-FFF2-40B4-BE49-F238E27FC236}">
+                <a16:creationId xmlns:a16="http://schemas.microsoft.com/office/drawing/2014/main" id="{2374AF87-C3E0-2866-4729-314B815ACF63}"/>
+              </a:ext>
+            </a:extLst>
+          </p:cNvPr>
+          <p:cNvPicPr>
+            <a:picLocks noChangeAspect="1"/>
+          </p:cNvPicPr>
+          <p:nvPr/>
+        </p:nvPicPr>
+        <p:blipFill>
+          <a:blip r:embed="rId2">
+            <a:extLst>
+              <a:ext uri="{28A0092B-C50C-407E-A947-70E740481C1C}">
+                <a14:useLocalDpi xmlns:a14="http://schemas.microsoft.com/office/drawing/2010/main" val="0"/>
+              </a:ext>
+            </a:extLst>
+          </a:blip>
+          <a:srcRect t="21366" r="-2" b="-2"/>
+          <a:stretch/>
+        </p:blipFill>
+        <p:spPr>
+          <a:xfrm>
+            <a:off x="5650992" y="10"/>
+            <a:ext cx="6541008" cy="6857990"/>
+          </a:xfrm>
+          <a:prstGeom prst="rect">
+            <a:avLst/>
+          </a:prstGeom>
+        </p:spPr>
+      </p:pic>
     </p:spTree>
     <p:extLst>
       <p:ext uri="{BB962C8B-B14F-4D97-AF65-F5344CB8AC3E}">
@@ -10777,10 +10433,10 @@
           <a:lstStyle/>
           <a:p>
             <a:r>
-              <a:rPr lang="en-US" sz="4000"/>
-              <a:t>CAD</a:t>
+              <a:rPr lang="en-US" sz="4000" dirty="0"/>
+              <a:t>Design</a:t>
             </a:r>
-            <a:endParaRPr lang="en-GB" sz="4000"/>
+            <a:endParaRPr lang="en-GB" sz="4000" dirty="0"/>
           </a:p>
         </p:txBody>
       </p:sp>
@@ -10876,36 +10532,48 @@
           <a:lstStyle/>
           <a:p>
             <a:r>
-              <a:rPr lang="en-US" sz="2000"/>
+              <a:rPr lang="en-US" sz="2000" dirty="0"/>
               <a:t>4 levels</a:t>
             </a:r>
           </a:p>
           <a:p>
             <a:r>
-              <a:rPr lang="en-US" sz="2000"/>
+              <a:rPr lang="en-US" sz="2000" dirty="0"/>
               <a:t>Minimum size is determined by the LED matrix</a:t>
             </a:r>
           </a:p>
           <a:p>
             <a:r>
-              <a:rPr lang="en-US" sz="2000"/>
-              <a:t>Cable routing holes</a:t>
+              <a:rPr lang="en-US" sz="2000" dirty="0"/>
+              <a:t>Sensors on swivels</a:t>
             </a:r>
           </a:p>
           <a:p>
             <a:r>
-              <a:rPr lang="en-US" sz="2000"/>
-              <a:t>Sensors on swivel</a:t>
+              <a:rPr lang="en-US" sz="2000" dirty="0"/>
+              <a:t>Bottom IR not on swivel to keep wall aligning precise</a:t>
             </a:r>
           </a:p>
           <a:p>
             <a:r>
-              <a:rPr lang="en-US" sz="2000"/>
-              <a:t>Cover over IR to prevent interference</a:t>
+              <a:rPr lang="en-US" sz="2000" dirty="0"/>
+              <a:t>Cover over IR to prevent light interference</a:t>
             </a:r>
           </a:p>
           <a:p>
-            <a:endParaRPr lang="en-GB" sz="2000"/>
+            <a:r>
+              <a:rPr lang="en-US" sz="2000" dirty="0"/>
+              <a:t>Cable routing</a:t>
+            </a:r>
+          </a:p>
+          <a:p>
+            <a:r>
+              <a:rPr lang="en-US" sz="2000" dirty="0"/>
+              <a:t>Optional slots for front ultrasonics</a:t>
+            </a:r>
+          </a:p>
+          <a:p>
+            <a:endParaRPr lang="en-GB" sz="2000" dirty="0"/>
           </a:p>
         </p:txBody>
       </p:sp>
@@ -11583,14 +11251,14 @@
           <a:p>
             <a:pPr algn="r"/>
             <a:r>
-              <a:rPr lang="en-US" sz="4000">
+              <a:rPr lang="en-US" sz="4000" dirty="0">
                 <a:solidFill>
                   <a:srgbClr val="FFFFFF"/>
                 </a:solidFill>
               </a:rPr>
-              <a:t>Maze solving</a:t>
+              <a:t>Maze Solving</a:t>
             </a:r>
-            <a:endParaRPr lang="en-GB" sz="4000">
+            <a:endParaRPr lang="en-GB" sz="4000" dirty="0">
               <a:solidFill>
                 <a:srgbClr val="FFFFFF"/>
               </a:solidFill>
@@ -11614,7 +11282,7 @@
             <p:ph idx="1"/>
             <p:extLst>
               <p:ext uri="{D42A27DB-BD31-4B8C-83A1-F6EECF244321}">
-                <p14:modId xmlns:p14="http://schemas.microsoft.com/office/powerpoint/2010/main" val="1347613057"/>
+                <p14:modId xmlns:p14="http://schemas.microsoft.com/office/powerpoint/2010/main" val="438515557"/>
               </p:ext>
             </p:extLst>
           </p:nvPr>
@@ -11667,6 +11335,441 @@
           <a:chExt cx="0" cy="0"/>
         </a:xfrm>
       </p:grpSpPr>
+      <p:sp useBgFill="1">
+        <p:nvSpPr>
+          <p:cNvPr id="35" name="Rectangle 34">
+            <a:extLst>
+              <a:ext uri="{FF2B5EF4-FFF2-40B4-BE49-F238E27FC236}">
+                <a16:creationId xmlns:a16="http://schemas.microsoft.com/office/drawing/2014/main" id="{91DC6ABD-215C-4EA8-A483-CEF5B99AB385}"/>
+              </a:ext>
+              <a:ext uri="{C183D7F6-B498-43B3-948B-1728B52AA6E4}">
+                <adec:decorative xmlns:adec="http://schemas.microsoft.com/office/drawing/2017/decorative" val="1"/>
+              </a:ext>
+            </a:extLst>
+          </p:cNvPr>
+          <p:cNvSpPr>
+            <a:spLocks noGrp="1" noRot="1" noChangeAspect="1" noMove="1" noResize="1" noEditPoints="1" noAdjustHandles="1" noChangeArrowheads="1" noChangeShapeType="1" noTextEdit="1"/>
+          </p:cNvSpPr>
+          <p:nvPr>
+            <p:extLst>
+              <p:ext uri="{386F3935-93C4-4BCD-93E2-E3B085C9AB24}">
+                <p16:designElem xmlns:p16="http://schemas.microsoft.com/office/powerpoint/2015/main" val="1"/>
+              </p:ext>
+            </p:extLst>
+          </p:nvPr>
+        </p:nvSpPr>
+        <p:spPr>
+          <a:xfrm>
+            <a:off x="0" y="0"/>
+            <a:ext cx="12191999" cy="6857365"/>
+          </a:xfrm>
+          <a:prstGeom prst="rect">
+            <a:avLst/>
+          </a:prstGeom>
+          <a:ln>
+            <a:noFill/>
+          </a:ln>
+        </p:spPr>
+        <p:style>
+          <a:lnRef idx="2">
+            <a:schemeClr val="accent1">
+              <a:shade val="50000"/>
+            </a:schemeClr>
+          </a:lnRef>
+          <a:fillRef idx="1">
+            <a:schemeClr val="accent1"/>
+          </a:fillRef>
+          <a:effectRef idx="0">
+            <a:schemeClr val="accent1"/>
+          </a:effectRef>
+          <a:fontRef idx="minor">
+            <a:schemeClr val="lt1"/>
+          </a:fontRef>
+        </p:style>
+        <p:txBody>
+          <a:bodyPr rtlCol="0" anchor="ctr"/>
+          <a:lstStyle/>
+          <a:p>
+            <a:pPr algn="ctr"/>
+            <a:endParaRPr lang="en-US"/>
+          </a:p>
+        </p:txBody>
+      </p:sp>
+      <p:sp>
+        <p:nvSpPr>
+          <p:cNvPr id="2" name="Title 1">
+            <a:extLst>
+              <a:ext uri="{FF2B5EF4-FFF2-40B4-BE49-F238E27FC236}">
+                <a16:creationId xmlns:a16="http://schemas.microsoft.com/office/drawing/2014/main" id="{150EF751-FA4D-486C-B35E-DAA0420D2DE8}"/>
+              </a:ext>
+            </a:extLst>
+          </p:cNvPr>
+          <p:cNvSpPr>
+            <a:spLocks noGrp="1"/>
+          </p:cNvSpPr>
+          <p:nvPr>
+            <p:ph type="title"/>
+          </p:nvPr>
+        </p:nvSpPr>
+        <p:spPr>
+          <a:xfrm>
+            <a:off x="599609" y="679731"/>
+            <a:ext cx="4171994" cy="3736540"/>
+          </a:xfrm>
+        </p:spPr>
+        <p:txBody>
+          <a:bodyPr vert="horz" lIns="91440" tIns="45720" rIns="91440" bIns="45720" rtlCol="0" anchor="b">
+            <a:normAutofit/>
+          </a:bodyPr>
+          <a:lstStyle/>
+          <a:p>
+            <a:r>
+              <a:rPr lang="en-US" sz="6000" kern="1200" dirty="0">
+                <a:solidFill>
+                  <a:schemeClr val="tx1"/>
+                </a:solidFill>
+                <a:latin typeface="+mj-lt"/>
+                <a:ea typeface="+mj-ea"/>
+                <a:cs typeface="+mj-cs"/>
+              </a:rPr>
+              <a:t>Wall Aligning</a:t>
+            </a:r>
+          </a:p>
+        </p:txBody>
+      </p:sp>
+      <p:sp>
+        <p:nvSpPr>
+          <p:cNvPr id="3" name="Content Placeholder 2">
+            <a:extLst>
+              <a:ext uri="{FF2B5EF4-FFF2-40B4-BE49-F238E27FC236}">
+                <a16:creationId xmlns:a16="http://schemas.microsoft.com/office/drawing/2014/main" id="{BC2CB443-DE02-A7DA-C069-9ADEF6F17F62}"/>
+              </a:ext>
+            </a:extLst>
+          </p:cNvPr>
+          <p:cNvSpPr>
+            <a:spLocks noGrp="1"/>
+          </p:cNvSpPr>
+          <p:nvPr>
+            <p:ph idx="1"/>
+          </p:nvPr>
+        </p:nvSpPr>
+        <p:spPr>
+          <a:xfrm>
+            <a:off x="599609" y="4685288"/>
+            <a:ext cx="4171994" cy="1035781"/>
+          </a:xfrm>
+        </p:spPr>
+        <p:txBody>
+          <a:bodyPr vert="horz" lIns="91440" tIns="45720" rIns="91440" bIns="45720" rtlCol="0">
+            <a:normAutofit/>
+          </a:bodyPr>
+          <a:lstStyle/>
+          <a:p>
+            <a:pPr marL="0" indent="0">
+              <a:buNone/>
+            </a:pPr>
+            <a:r>
+              <a:rPr lang="en-US" sz="2400" kern="1200" dirty="0">
+                <a:solidFill>
+                  <a:schemeClr val="tx1"/>
+                </a:solidFill>
+                <a:latin typeface="+mn-lt"/>
+                <a:ea typeface="+mn-ea"/>
+                <a:cs typeface="+mn-cs"/>
+              </a:rPr>
+              <a:t>Trigonometry </a:t>
+            </a:r>
+          </a:p>
+        </p:txBody>
+      </p:sp>
+      <p:grpSp>
+        <p:nvGrpSpPr>
+          <p:cNvPr id="37" name="Group 36">
+            <a:extLst>
+              <a:ext uri="{FF2B5EF4-FFF2-40B4-BE49-F238E27FC236}">
+                <a16:creationId xmlns:a16="http://schemas.microsoft.com/office/drawing/2014/main" id="{3AF6A671-C637-4547-85F4-51B6D1881399}"/>
+              </a:ext>
+              <a:ext uri="{C183D7F6-B498-43B3-948B-1728B52AA6E4}">
+                <adec:decorative xmlns:adec="http://schemas.microsoft.com/office/drawing/2017/decorative" val="1"/>
+              </a:ext>
+            </a:extLst>
+          </p:cNvPr>
+          <p:cNvGrpSpPr>
+            <a:grpSpLocks noGrp="1" noUngrp="1" noRot="1" noChangeAspect="1" noMove="1" noResize="1"/>
+          </p:cNvGrpSpPr>
+          <p:nvPr>
+            <p:extLst>
+              <p:ext uri="{386F3935-93C4-4BCD-93E2-E3B085C9AB24}">
+                <p16:designElem xmlns:p16="http://schemas.microsoft.com/office/powerpoint/2015/main" val="1"/>
+              </p:ext>
+            </p:extLst>
+          </p:nvPr>
+        </p:nvGrpSpPr>
+        <p:grpSpPr>
+          <a:xfrm>
+            <a:off x="9416432" y="1"/>
+            <a:ext cx="2446384" cy="5777808"/>
+            <a:chOff x="329184" y="1"/>
+            <a:chExt cx="524256" cy="5777808"/>
+          </a:xfrm>
+        </p:grpSpPr>
+        <p:cxnSp>
+          <p:nvCxnSpPr>
+            <p:cNvPr id="38" name="Straight Connector 37">
+              <a:extLst>
+                <a:ext uri="{FF2B5EF4-FFF2-40B4-BE49-F238E27FC236}">
+                  <a16:creationId xmlns:a16="http://schemas.microsoft.com/office/drawing/2014/main" id="{C575CF26-3D3C-4C5A-A2B7-00432016EF62}"/>
+                </a:ext>
+                <a:ext uri="{C183D7F6-B498-43B3-948B-1728B52AA6E4}">
+                  <adec:decorative xmlns:adec="http://schemas.microsoft.com/office/drawing/2017/decorative" val="1"/>
+                </a:ext>
+              </a:extLst>
+            </p:cNvPr>
+            <p:cNvCxnSpPr>
+              <a:cxnSpLocks/>
+            </p:cNvCxnSpPr>
+            <p:nvPr>
+              <p:extLst>
+                <p:ext uri="{386F3935-93C4-4BCD-93E2-E3B085C9AB24}">
+                  <p16:designElem xmlns:p16="http://schemas.microsoft.com/office/powerpoint/2015/main" val="1"/>
+                </p:ext>
+              </p:extLst>
+            </p:nvPr>
+          </p:nvCxnSpPr>
+          <p:spPr>
+            <a:xfrm flipH="1">
+              <a:off x="329184" y="5777809"/>
+              <a:ext cx="521208" cy="0"/>
+            </a:xfrm>
+            <a:prstGeom prst="line">
+              <a:avLst/>
+            </a:prstGeom>
+            <a:ln w="152400">
+              <a:solidFill>
+                <a:schemeClr val="accent4"/>
+              </a:solidFill>
+            </a:ln>
+          </p:spPr>
+          <p:style>
+            <a:lnRef idx="1">
+              <a:schemeClr val="accent1"/>
+            </a:lnRef>
+            <a:fillRef idx="0">
+              <a:schemeClr val="accent1"/>
+            </a:fillRef>
+            <a:effectRef idx="0">
+              <a:schemeClr val="accent1"/>
+            </a:effectRef>
+            <a:fontRef idx="minor">
+              <a:schemeClr val="tx1"/>
+            </a:fontRef>
+          </p:style>
+        </p:cxnSp>
+        <p:sp>
+          <p:nvSpPr>
+            <p:cNvPr id="39" name="Rectangle 38">
+              <a:extLst>
+                <a:ext uri="{FF2B5EF4-FFF2-40B4-BE49-F238E27FC236}">
+                  <a16:creationId xmlns:a16="http://schemas.microsoft.com/office/drawing/2014/main" id="{99413ED5-9ED4-4772-BCE4-2BCAE6B12E35}"/>
+                </a:ext>
+                <a:ext uri="{C183D7F6-B498-43B3-948B-1728B52AA6E4}">
+                  <adec:decorative xmlns:adec="http://schemas.microsoft.com/office/drawing/2017/decorative" val="1"/>
+                </a:ext>
+              </a:extLst>
+            </p:cNvPr>
+            <p:cNvSpPr/>
+            <p:nvPr>
+              <p:extLst>
+                <p:ext uri="{386F3935-93C4-4BCD-93E2-E3B085C9AB24}">
+                  <p16:designElem xmlns:p16="http://schemas.microsoft.com/office/powerpoint/2015/main" val="1"/>
+                </p:ext>
+              </p:extLst>
+            </p:nvPr>
+          </p:nvSpPr>
+          <p:spPr>
+            <a:xfrm>
+              <a:off x="329184" y="1"/>
+              <a:ext cx="524256" cy="5532119"/>
+            </a:xfrm>
+            <a:prstGeom prst="rect">
+              <a:avLst/>
+            </a:prstGeom>
+            <a:solidFill>
+              <a:schemeClr val="accent4"/>
+            </a:solidFill>
+            <a:ln>
+              <a:noFill/>
+            </a:ln>
+          </p:spPr>
+          <p:style>
+            <a:lnRef idx="2">
+              <a:schemeClr val="accent1">
+                <a:shade val="50000"/>
+              </a:schemeClr>
+            </a:lnRef>
+            <a:fillRef idx="1">
+              <a:schemeClr val="accent1"/>
+            </a:fillRef>
+            <a:effectRef idx="0">
+              <a:schemeClr val="accent1"/>
+            </a:effectRef>
+            <a:fontRef idx="minor">
+              <a:schemeClr val="lt1"/>
+            </a:fontRef>
+          </p:style>
+          <p:txBody>
+            <a:bodyPr rtlCol="0" anchor="ctr"/>
+            <a:lstStyle/>
+            <a:p>
+              <a:pPr algn="ctr"/>
+              <a:endParaRPr lang="en-US"/>
+            </a:p>
+          </p:txBody>
+        </p:sp>
+      </p:grpSp>
+      <p:sp>
+        <p:nvSpPr>
+          <p:cNvPr id="41" name="Rectangle 40">
+            <a:extLst>
+              <a:ext uri="{FF2B5EF4-FFF2-40B4-BE49-F238E27FC236}">
+                <a16:creationId xmlns:a16="http://schemas.microsoft.com/office/drawing/2014/main" id="{04357C93-F0CB-4A1C-8F77-4E9063789819}"/>
+              </a:ext>
+              <a:ext uri="{C183D7F6-B498-43B3-948B-1728B52AA6E4}">
+                <adec:decorative xmlns:adec="http://schemas.microsoft.com/office/drawing/2017/decorative" val="1"/>
+              </a:ext>
+            </a:extLst>
+          </p:cNvPr>
+          <p:cNvSpPr>
+            <a:spLocks noGrp="1" noRot="1" noChangeAspect="1" noMove="1" noResize="1" noEditPoints="1" noAdjustHandles="1" noChangeArrowheads="1" noChangeShapeType="1" noTextEdit="1"/>
+          </p:cNvSpPr>
+          <p:nvPr>
+            <p:extLst>
+              <p:ext uri="{386F3935-93C4-4BCD-93E2-E3B085C9AB24}">
+                <p16:designElem xmlns:p16="http://schemas.microsoft.com/office/powerpoint/2015/main" val="1"/>
+              </p:ext>
+            </p:extLst>
+          </p:nvPr>
+        </p:nvSpPr>
+        <p:spPr>
+          <a:xfrm>
+            <a:off x="5386598" y="269324"/>
+            <a:ext cx="6116779" cy="6208776"/>
+          </a:xfrm>
+          <a:prstGeom prst="rect">
+            <a:avLst/>
+          </a:prstGeom>
+          <a:solidFill>
+            <a:schemeClr val="bg1"/>
+          </a:solidFill>
+          <a:ln>
+            <a:noFill/>
+          </a:ln>
+          <a:effectLst>
+            <a:outerShdw blurRad="139700" dist="127000" dir="5400000" algn="t" rotWithShape="0">
+              <a:prstClr val="black">
+                <a:alpha val="15000"/>
+              </a:prstClr>
+            </a:outerShdw>
+          </a:effectLst>
+        </p:spPr>
+        <p:style>
+          <a:lnRef idx="2">
+            <a:schemeClr val="accent1">
+              <a:shade val="50000"/>
+            </a:schemeClr>
+          </a:lnRef>
+          <a:fillRef idx="1">
+            <a:schemeClr val="accent1"/>
+          </a:fillRef>
+          <a:effectRef idx="0">
+            <a:schemeClr val="accent1"/>
+          </a:effectRef>
+          <a:fontRef idx="minor">
+            <a:schemeClr val="lt1"/>
+          </a:fontRef>
+        </p:style>
+        <p:txBody>
+          <a:bodyPr rtlCol="0" anchor="ctr"/>
+          <a:lstStyle/>
+          <a:p>
+            <a:pPr algn="ctr"/>
+            <a:endParaRPr lang="en-US"/>
+          </a:p>
+        </p:txBody>
+      </p:sp>
+      <p:pic>
+        <p:nvPicPr>
+          <p:cNvPr id="5" name="Picture 4" descr="A drawing of a desk&#10;&#10;Description automatically generated">
+            <a:extLst>
+              <a:ext uri="{FF2B5EF4-FFF2-40B4-BE49-F238E27FC236}">
+                <a16:creationId xmlns:a16="http://schemas.microsoft.com/office/drawing/2014/main" id="{B77C1117-A5CE-79E2-AA91-EA75CC2039F4}"/>
+              </a:ext>
+            </a:extLst>
+          </p:cNvPr>
+          <p:cNvPicPr>
+            <a:picLocks noChangeAspect="1"/>
+          </p:cNvPicPr>
+          <p:nvPr/>
+        </p:nvPicPr>
+        <p:blipFill>
+          <a:blip r:embed="rId2">
+            <a:extLst>
+              <a:ext uri="{28A0092B-C50C-407E-A947-70E740481C1C}">
+                <a14:useLocalDpi xmlns:a14="http://schemas.microsoft.com/office/drawing/2010/main" val="0"/>
+              </a:ext>
+            </a:extLst>
+          </a:blip>
+          <a:srcRect l="13756" t="22119" r="13743"/>
+          <a:stretch/>
+        </p:blipFill>
+        <p:spPr>
+          <a:xfrm>
+            <a:off x="5823188" y="557360"/>
+            <a:ext cx="5243597" cy="5632704"/>
+          </a:xfrm>
+          <a:prstGeom prst="rect">
+            <a:avLst/>
+          </a:prstGeom>
+        </p:spPr>
+      </p:pic>
+    </p:spTree>
+    <p:extLst>
+      <p:ext uri="{BB962C8B-B14F-4D97-AF65-F5344CB8AC3E}">
+        <p14:creationId xmlns:p14="http://schemas.microsoft.com/office/powerpoint/2010/main" val="1228172662"/>
+      </p:ext>
+    </p:extLst>
+  </p:cSld>
+  <p:clrMapOvr>
+    <a:masterClrMapping/>
+  </p:clrMapOvr>
+</p:sld>
+</file>
+
+<file path=ppt/slides/slide6.xml><?xml version="1.0" encoding="utf-8"?>
+<p:sld xmlns:a="http://schemas.openxmlformats.org/drawingml/2006/main" xmlns:r="http://schemas.openxmlformats.org/officeDocument/2006/relationships" xmlns:p="http://schemas.openxmlformats.org/presentationml/2006/main">
+  <p:cSld>
+    <p:bg>
+      <p:bgPr>
+        <a:solidFill>
+          <a:schemeClr val="bg1"/>
+        </a:solidFill>
+        <a:effectLst/>
+      </p:bgPr>
+    </p:bg>
+    <p:spTree>
+      <p:nvGrpSpPr>
+        <p:cNvPr id="1" name=""/>
+        <p:cNvGrpSpPr/>
+        <p:nvPr/>
+      </p:nvGrpSpPr>
+      <p:grpSpPr>
+        <a:xfrm>
+          <a:off x="0" y="0"/>
+          <a:ext cx="0" cy="0"/>
+          <a:chOff x="0" y="0"/>
+          <a:chExt cx="0" cy="0"/>
+        </a:xfrm>
+      </p:grpSpPr>
       <p:sp>
         <p:nvSpPr>
           <p:cNvPr id="2" name="Title 1">
@@ -11696,10 +11799,10 @@
           <a:lstStyle/>
           <a:p>
             <a:r>
-              <a:rPr lang="en-US" sz="3200"/>
+              <a:rPr lang="en-US" sz="3200" dirty="0"/>
               <a:t>PCB</a:t>
             </a:r>
-            <a:endParaRPr lang="en-GB" sz="3200"/>
+            <a:endParaRPr lang="en-GB" sz="3200" dirty="0"/>
           </a:p>
         </p:txBody>
       </p:sp>
@@ -11813,16 +11916,15 @@
           <a:lstStyle/>
           <a:p>
             <a:r>
-              <a:rPr lang="en-US" sz="2000"/>
-              <a:t>Bumper debouncing</a:t>
+              <a:rPr lang="en-US" sz="2000" dirty="0"/>
+              <a:t>LED Matrix Level Shifter</a:t>
             </a:r>
           </a:p>
           <a:p>
             <a:r>
-              <a:rPr lang="en-US" sz="2000"/>
-              <a:t>LED matrix level shifter</a:t>
+              <a:rPr lang="en-US" sz="2000" dirty="0"/>
+              <a:t>Bumper Debouncing</a:t>
             </a:r>
-            <a:endParaRPr lang="en-GB" sz="2000"/>
           </a:p>
         </p:txBody>
       </p:sp>
@@ -11830,94 +11932,6 @@
     <p:extLst>
       <p:ext uri="{BB962C8B-B14F-4D97-AF65-F5344CB8AC3E}">
         <p14:creationId xmlns:p14="http://schemas.microsoft.com/office/powerpoint/2010/main" val="1532931861"/>
-      </p:ext>
-    </p:extLst>
-  </p:cSld>
-  <p:clrMapOvr>
-    <a:masterClrMapping/>
-  </p:clrMapOvr>
-</p:sld>
-</file>
-
-<file path=ppt/slides/slide6.xml><?xml version="1.0" encoding="utf-8"?>
-<p:sld xmlns:a="http://schemas.openxmlformats.org/drawingml/2006/main" xmlns:r="http://schemas.openxmlformats.org/officeDocument/2006/relationships" xmlns:p="http://schemas.openxmlformats.org/presentationml/2006/main">
-  <p:cSld>
-    <p:spTree>
-      <p:nvGrpSpPr>
-        <p:cNvPr id="1" name=""/>
-        <p:cNvGrpSpPr/>
-        <p:nvPr/>
-      </p:nvGrpSpPr>
-      <p:grpSpPr>
-        <a:xfrm>
-          <a:off x="0" y="0"/>
-          <a:ext cx="0" cy="0"/>
-          <a:chOff x="0" y="0"/>
-          <a:chExt cx="0" cy="0"/>
-        </a:xfrm>
-      </p:grpSpPr>
-      <p:sp>
-        <p:nvSpPr>
-          <p:cNvPr id="2" name="Title 1">
-            <a:extLst>
-              <a:ext uri="{FF2B5EF4-FFF2-40B4-BE49-F238E27FC236}">
-                <a16:creationId xmlns:a16="http://schemas.microsoft.com/office/drawing/2014/main" id="{150EF751-FA4D-486C-B35E-DAA0420D2DE8}"/>
-              </a:ext>
-            </a:extLst>
-          </p:cNvPr>
-          <p:cNvSpPr>
-            <a:spLocks noGrp="1"/>
-          </p:cNvSpPr>
-          <p:nvPr>
-            <p:ph type="title"/>
-          </p:nvPr>
-        </p:nvSpPr>
-        <p:spPr/>
-        <p:txBody>
-          <a:bodyPr/>
-          <a:lstStyle/>
-          <a:p>
-            <a:r>
-              <a:rPr lang="en-US" dirty="0"/>
-              <a:t>Wall aligning</a:t>
-            </a:r>
-            <a:endParaRPr lang="en-GB" dirty="0"/>
-          </a:p>
-        </p:txBody>
-      </p:sp>
-      <p:sp>
-        <p:nvSpPr>
-          <p:cNvPr id="3" name="Content Placeholder 2">
-            <a:extLst>
-              <a:ext uri="{FF2B5EF4-FFF2-40B4-BE49-F238E27FC236}">
-                <a16:creationId xmlns:a16="http://schemas.microsoft.com/office/drawing/2014/main" id="{BC2CB443-DE02-A7DA-C069-9ADEF6F17F62}"/>
-              </a:ext>
-            </a:extLst>
-          </p:cNvPr>
-          <p:cNvSpPr>
-            <a:spLocks noGrp="1"/>
-          </p:cNvSpPr>
-          <p:nvPr>
-            <p:ph idx="1"/>
-          </p:nvPr>
-        </p:nvSpPr>
-        <p:spPr/>
-        <p:txBody>
-          <a:bodyPr/>
-          <a:lstStyle/>
-          <a:p>
-            <a:r>
-              <a:rPr lang="en-US" dirty="0"/>
-              <a:t>Trigonometry </a:t>
-            </a:r>
-            <a:endParaRPr lang="en-GB" dirty="0"/>
-          </a:p>
-        </p:txBody>
-      </p:sp>
-    </p:spTree>
-    <p:extLst>
-      <p:ext uri="{BB962C8B-B14F-4D97-AF65-F5344CB8AC3E}">
-        <p14:creationId xmlns:p14="http://schemas.microsoft.com/office/powerpoint/2010/main" val="1228172662"/>
       </p:ext>
     </p:extLst>
   </p:cSld>
@@ -12559,13 +12573,13 @@
             <p:ph idx="1"/>
             <p:extLst>
               <p:ext uri="{D42A27DB-BD31-4B8C-83A1-F6EECF244321}">
-                <p14:modId xmlns:p14="http://schemas.microsoft.com/office/powerpoint/2010/main" val="530067287"/>
+                <p14:modId xmlns:p14="http://schemas.microsoft.com/office/powerpoint/2010/main" val="1170084633"/>
               </p:ext>
             </p:extLst>
           </p:nvPr>
         </p:nvGraphicFramePr>
         <p:xfrm>
-          <a:off x="4905052" y="750440"/>
+          <a:off x="4644639" y="702036"/>
           <a:ext cx="6666833" cy="5453920"/>
         </p:xfrm>
         <a:graphic>
